--- a/Numerical Presentation (Final).pptx
+++ b/Numerical Presentation (Final).pptx
@@ -6,14 +6,14 @@
     <p:sldMasterId id="2147483660" r:id="rId2"/>
   </p:sldMasterIdLst>
   <p:notesMasterIdLst>
-    <p:notesMasterId r:id="rId28"/>
+    <p:notesMasterId r:id="rId29"/>
   </p:notesMasterIdLst>
   <p:sldIdLst>
     <p:sldId id="294" r:id="rId3"/>
     <p:sldId id="296" r:id="rId4"/>
     <p:sldId id="295" r:id="rId5"/>
-    <p:sldId id="256" r:id="rId6"/>
-    <p:sldId id="257" r:id="rId7"/>
+    <p:sldId id="301" r:id="rId6"/>
+    <p:sldId id="256" r:id="rId7"/>
     <p:sldId id="297" r:id="rId8"/>
     <p:sldId id="266" r:id="rId9"/>
     <p:sldId id="267" r:id="rId10"/>
@@ -33,7 +33,8 @@
     <p:sldId id="287" r:id="rId24"/>
     <p:sldId id="289" r:id="rId25"/>
     <p:sldId id="290" r:id="rId26"/>
-    <p:sldId id="291" r:id="rId27"/>
+    <p:sldId id="300" r:id="rId27"/>
+    <p:sldId id="291" r:id="rId28"/>
   </p:sldIdLst>
   <p:sldSz cx="12192000" cy="6858000"/>
   <p:notesSz cx="6858000" cy="9144000"/>
@@ -1221,6 +1222,90 @@
 </p:notes>
 </file>
 
+<file path=ppt/notesSlides/notesSlide8.xml><?xml version="1.0" encoding="utf-8"?>
+<p:notes xmlns:a="http://schemas.openxmlformats.org/drawingml/2006/main" xmlns:r="http://schemas.openxmlformats.org/officeDocument/2006/relationships" xmlns:p="http://schemas.openxmlformats.org/presentationml/2006/main">
+  <p:cSld>
+    <p:spTree>
+      <p:nvGrpSpPr>
+        <p:cNvPr id="1" name=""/>
+        <p:cNvGrpSpPr/>
+        <p:nvPr/>
+      </p:nvGrpSpPr>
+      <p:grpSpPr>
+        <a:xfrm>
+          <a:off x="0" y="0"/>
+          <a:ext cx="0" cy="0"/>
+          <a:chOff x="0" y="0"/>
+          <a:chExt cx="0" cy="0"/>
+        </a:xfrm>
+      </p:grpSpPr>
+      <p:sp>
+        <p:nvSpPr>
+          <p:cNvPr id="2" name="Slide Image Placeholder 1"/>
+          <p:cNvSpPr>
+            <a:spLocks noGrp="1" noRot="1" noChangeAspect="1"/>
+          </p:cNvSpPr>
+          <p:nvPr>
+            <p:ph type="sldImg"/>
+          </p:nvPr>
+        </p:nvSpPr>
+        <p:spPr/>
+      </p:sp>
+      <p:sp>
+        <p:nvSpPr>
+          <p:cNvPr id="3" name="Notes Placeholder 2"/>
+          <p:cNvSpPr>
+            <a:spLocks noGrp="1"/>
+          </p:cNvSpPr>
+          <p:nvPr>
+            <p:ph type="body" idx="1"/>
+          </p:nvPr>
+        </p:nvSpPr>
+        <p:spPr/>
+        <p:txBody>
+          <a:bodyPr/>
+          <a:lstStyle/>
+          <a:p>
+            <a:endParaRPr lang="en-US" dirty="0"/>
+          </a:p>
+        </p:txBody>
+      </p:sp>
+      <p:sp>
+        <p:nvSpPr>
+          <p:cNvPr id="4" name="Slide Number Placeholder 3"/>
+          <p:cNvSpPr>
+            <a:spLocks noGrp="1"/>
+          </p:cNvSpPr>
+          <p:nvPr>
+            <p:ph type="sldNum" sz="quarter" idx="5"/>
+          </p:nvPr>
+        </p:nvSpPr>
+        <p:spPr/>
+        <p:txBody>
+          <a:bodyPr/>
+          <a:lstStyle/>
+          <a:p>
+            <a:fld id="{AA1A1881-2A93-4013-8041-545AC1F0C326}" type="slidenum">
+              <a:rPr lang="en-US" smtClean="0"/>
+              <a:t>25</a:t>
+            </a:fld>
+            <a:endParaRPr lang="en-US"/>
+          </a:p>
+        </p:txBody>
+      </p:sp>
+    </p:spTree>
+    <p:extLst>
+      <p:ext uri="{BB962C8B-B14F-4D97-AF65-F5344CB8AC3E}">
+        <p14:creationId xmlns:p14="http://schemas.microsoft.com/office/powerpoint/2010/main" val="2923105627"/>
+      </p:ext>
+    </p:extLst>
+  </p:cSld>
+  <p:clrMapOvr>
+    <a:masterClrMapping/>
+  </p:clrMapOvr>
+</p:notes>
+</file>
+
 <file path=ppt/slideLayouts/slideLayout1.xml><?xml version="1.0" encoding="utf-8"?>
 <p:sldLayout xmlns:a="http://schemas.openxmlformats.org/drawingml/2006/main" xmlns:r="http://schemas.openxmlformats.org/officeDocument/2006/relationships" xmlns:p="http://schemas.openxmlformats.org/presentationml/2006/main" type="title" preserve="1">
   <p:cSld name="Title Slide">
@@ -1366,7 +1451,7 @@
           <a:bodyPr/>
           <a:lstStyle/>
           <a:p>
-            <a:fld id="{D3293E42-2F99-4BEB-99C7-C79532C6B3AF}" type="datetimeFigureOut">
+            <a:fld id="{8259C229-453F-4394-B51A-797A3367E16E}" type="datetime1">
               <a:rPr lang="en-US" smtClean="0"/>
               <a:t>12/21/2025</a:t>
             </a:fld>
@@ -1564,7 +1649,7 @@
           <a:bodyPr/>
           <a:lstStyle/>
           <a:p>
-            <a:fld id="{D3293E42-2F99-4BEB-99C7-C79532C6B3AF}" type="datetimeFigureOut">
+            <a:fld id="{6057E978-2881-47AF-ACC3-08FF7650973B}" type="datetime1">
               <a:rPr lang="en-US" smtClean="0"/>
               <a:t>12/21/2025</a:t>
             </a:fld>
@@ -1772,7 +1857,7 @@
           <a:bodyPr/>
           <a:lstStyle/>
           <a:p>
-            <a:fld id="{D3293E42-2F99-4BEB-99C7-C79532C6B3AF}" type="datetimeFigureOut">
+            <a:fld id="{A7CA62DE-1B98-4A03-91FB-88B144514278}" type="datetime1">
               <a:rPr lang="en-US" smtClean="0"/>
               <a:t>12/21/2025</a:t>
             </a:fld>
@@ -2024,9 +2109,8 @@
           <a:bodyPr/>
           <a:lstStyle/>
           <a:p>
-            <a:fld id="{1D8BD707-D9CF-40AE-B4C6-C98DA3205C09}" type="datetimeFigureOut">
+            <a:fld id="{A88BCFA3-515C-429A-B169-7B62C7816B68}" type="datetime1">
               <a:rPr lang="en-US" smtClean="0"/>
-              <a:pPr/>
               <a:t>12/21/2025</a:t>
             </a:fld>
             <a:endParaRPr lang="en-US"/>
@@ -2194,9 +2278,8 @@
           <a:bodyPr/>
           <a:lstStyle/>
           <a:p>
-            <a:fld id="{1D8BD707-D9CF-40AE-B4C6-C98DA3205C09}" type="datetimeFigureOut">
+            <a:fld id="{54F53DBF-7995-4A5F-BA67-5743F2B68CF1}" type="datetime1">
               <a:rPr lang="en-US" smtClean="0"/>
-              <a:pPr/>
               <a:t>12/21/2025</a:t>
             </a:fld>
             <a:endParaRPr lang="en-US"/>
@@ -2441,9 +2524,8 @@
           <a:bodyPr/>
           <a:lstStyle/>
           <a:p>
-            <a:fld id="{1D8BD707-D9CF-40AE-B4C6-C98DA3205C09}" type="datetimeFigureOut">
+            <a:fld id="{2B0E9EDF-BB1A-4A42-BDE1-3558E5001E91}" type="datetime1">
               <a:rPr lang="en-US" smtClean="0"/>
-              <a:pPr/>
               <a:t>12/21/2025</a:t>
             </a:fld>
             <a:endParaRPr lang="en-US"/>
@@ -2728,9 +2810,8 @@
           <a:bodyPr/>
           <a:lstStyle/>
           <a:p>
-            <a:fld id="{1D8BD707-D9CF-40AE-B4C6-C98DA3205C09}" type="datetimeFigureOut">
+            <a:fld id="{588D6FCB-75F4-4237-9562-45954B3877AD}" type="datetime1">
               <a:rPr lang="en-US" smtClean="0"/>
-              <a:pPr/>
               <a:t>12/21/2025</a:t>
             </a:fld>
             <a:endParaRPr lang="en-US"/>
@@ -3149,9 +3230,8 @@
           <a:bodyPr/>
           <a:lstStyle/>
           <a:p>
-            <a:fld id="{1D8BD707-D9CF-40AE-B4C6-C98DA3205C09}" type="datetimeFigureOut">
+            <a:fld id="{243EEBE1-0B0E-4E67-836A-FDBBF7812AAB}" type="datetime1">
               <a:rPr lang="en-US" smtClean="0"/>
-              <a:pPr/>
               <a:t>12/21/2025</a:t>
             </a:fld>
             <a:endParaRPr lang="en-US"/>
@@ -3268,9 +3348,8 @@
           <a:bodyPr/>
           <a:lstStyle/>
           <a:p>
-            <a:fld id="{1D8BD707-D9CF-40AE-B4C6-C98DA3205C09}" type="datetimeFigureOut">
+            <a:fld id="{43B26D62-A79A-442D-858F-09CA66CADAEC}" type="datetime1">
               <a:rPr lang="en-US" smtClean="0"/>
-              <a:pPr/>
               <a:t>12/21/2025</a:t>
             </a:fld>
             <a:endParaRPr lang="en-US"/>
@@ -3365,9 +3444,8 @@
           <a:bodyPr/>
           <a:lstStyle/>
           <a:p>
-            <a:fld id="{1D8BD707-D9CF-40AE-B4C6-C98DA3205C09}" type="datetimeFigureOut">
+            <a:fld id="{F3E6D2F2-CBC9-419A-A049-BA72D00D648B}" type="datetime1">
               <a:rPr lang="en-US" smtClean="0"/>
-              <a:pPr/>
               <a:t>12/21/2025</a:t>
             </a:fld>
             <a:endParaRPr lang="en-US"/>
@@ -3642,9 +3720,8 @@
           <a:bodyPr/>
           <a:lstStyle/>
           <a:p>
-            <a:fld id="{1D8BD707-D9CF-40AE-B4C6-C98DA3205C09}" type="datetimeFigureOut">
+            <a:fld id="{F4B030C5-62E2-4D2D-B4E6-3A3F61A30DD8}" type="datetime1">
               <a:rPr lang="en-US" smtClean="0"/>
-              <a:pPr/>
               <a:t>12/21/2025</a:t>
             </a:fld>
             <a:endParaRPr lang="en-US"/>
@@ -3830,7 +3907,7 @@
           <a:bodyPr/>
           <a:lstStyle/>
           <a:p>
-            <a:fld id="{D3293E42-2F99-4BEB-99C7-C79532C6B3AF}" type="datetimeFigureOut">
+            <a:fld id="{2695081B-8486-491C-9F42-938F6E0917DF}" type="datetime1">
               <a:rPr lang="en-US" smtClean="0"/>
               <a:t>12/21/2025</a:t>
             </a:fld>
@@ -4094,9 +4171,8 @@
           <a:bodyPr/>
           <a:lstStyle/>
           <a:p>
-            <a:fld id="{1D8BD707-D9CF-40AE-B4C6-C98DA3205C09}" type="datetimeFigureOut">
+            <a:fld id="{911E09CB-D813-457C-90C1-12D0DC69DE88}" type="datetime1">
               <a:rPr lang="en-US" smtClean="0"/>
-              <a:pPr/>
               <a:t>12/21/2025</a:t>
             </a:fld>
             <a:endParaRPr lang="en-US"/>
@@ -4264,9 +4340,8 @@
           <a:bodyPr/>
           <a:lstStyle/>
           <a:p>
-            <a:fld id="{1D8BD707-D9CF-40AE-B4C6-C98DA3205C09}" type="datetimeFigureOut">
+            <a:fld id="{2A9A7B9F-6C84-4BD3-A7B7-82BD40CCBC23}" type="datetime1">
               <a:rPr lang="en-US" smtClean="0"/>
-              <a:pPr/>
               <a:t>12/21/2025</a:t>
             </a:fld>
             <a:endParaRPr lang="en-US"/>
@@ -4444,9 +4519,8 @@
           <a:bodyPr/>
           <a:lstStyle/>
           <a:p>
-            <a:fld id="{1D8BD707-D9CF-40AE-B4C6-C98DA3205C09}" type="datetimeFigureOut">
+            <a:fld id="{F484A07E-35D4-422F-8AE9-44760155F424}" type="datetime1">
               <a:rPr lang="en-US" smtClean="0"/>
-              <a:pPr/>
               <a:t>12/21/2025</a:t>
             </a:fld>
             <a:endParaRPr lang="en-US"/>
@@ -4709,7 +4783,7 @@
           <a:bodyPr/>
           <a:lstStyle/>
           <a:p>
-            <a:fld id="{D3293E42-2F99-4BEB-99C7-C79532C6B3AF}" type="datetimeFigureOut">
+            <a:fld id="{E897E350-EC19-40F5-A611-4A292D903368}" type="datetime1">
               <a:rPr lang="en-US" smtClean="0"/>
               <a:t>12/21/2025</a:t>
             </a:fld>
@@ -4974,7 +5048,7 @@
           <a:bodyPr/>
           <a:lstStyle/>
           <a:p>
-            <a:fld id="{D3293E42-2F99-4BEB-99C7-C79532C6B3AF}" type="datetimeFigureOut">
+            <a:fld id="{8FDA4CD2-C87C-4784-B967-1E8B4889ED69}" type="datetime1">
               <a:rPr lang="en-US" smtClean="0"/>
               <a:t>12/21/2025</a:t>
             </a:fld>
@@ -5386,7 +5460,7 @@
           <a:bodyPr/>
           <a:lstStyle/>
           <a:p>
-            <a:fld id="{D3293E42-2F99-4BEB-99C7-C79532C6B3AF}" type="datetimeFigureOut">
+            <a:fld id="{FE58D454-0E49-4A3F-84DE-00DC09A8E53C}" type="datetime1">
               <a:rPr lang="en-US" smtClean="0"/>
               <a:t>12/21/2025</a:t>
             </a:fld>
@@ -5527,7 +5601,7 @@
           <a:bodyPr/>
           <a:lstStyle/>
           <a:p>
-            <a:fld id="{D3293E42-2F99-4BEB-99C7-C79532C6B3AF}" type="datetimeFigureOut">
+            <a:fld id="{06913A14-D600-4F3E-9098-79CC3C64E988}" type="datetime1">
               <a:rPr lang="en-US" smtClean="0"/>
               <a:t>12/21/2025</a:t>
             </a:fld>
@@ -5640,7 +5714,7 @@
           <a:bodyPr/>
           <a:lstStyle/>
           <a:p>
-            <a:fld id="{D3293E42-2F99-4BEB-99C7-C79532C6B3AF}" type="datetimeFigureOut">
+            <a:fld id="{E01B3B84-90E8-45D9-83F3-996CD30F6243}" type="datetime1">
               <a:rPr lang="en-US" smtClean="0"/>
               <a:t>12/21/2025</a:t>
             </a:fld>
@@ -5951,7 +6025,7 @@
           <a:bodyPr/>
           <a:lstStyle/>
           <a:p>
-            <a:fld id="{D3293E42-2F99-4BEB-99C7-C79532C6B3AF}" type="datetimeFigureOut">
+            <a:fld id="{AD565D64-1C9F-480E-BC3E-FFEB362EB348}" type="datetime1">
               <a:rPr lang="en-US" smtClean="0"/>
               <a:t>12/21/2025</a:t>
             </a:fld>
@@ -6239,7 +6313,7 @@
           <a:bodyPr/>
           <a:lstStyle/>
           <a:p>
-            <a:fld id="{D3293E42-2F99-4BEB-99C7-C79532C6B3AF}" type="datetimeFigureOut">
+            <a:fld id="{3986C942-1682-4FF9-8694-70746DBEC4AF}" type="datetime1">
               <a:rPr lang="en-US" smtClean="0"/>
               <a:t>12/21/2025</a:t>
             </a:fld>
@@ -6480,7 +6554,7 @@
             </a:lvl1pPr>
           </a:lstStyle>
           <a:p>
-            <a:fld id="{D3293E42-2F99-4BEB-99C7-C79532C6B3AF}" type="datetimeFigureOut">
+            <a:fld id="{29D396BA-3B73-484D-B4A2-531CA9AF6E7C}" type="datetime1">
               <a:rPr lang="en-US" smtClean="0"/>
               <a:t>12/21/2025</a:t>
             </a:fld>
@@ -6599,6 +6673,7 @@
     <p:sldLayoutId id="2147483658" r:id="rId10"/>
     <p:sldLayoutId id="2147483659" r:id="rId11"/>
   </p:sldLayoutIdLst>
+  <p:hf hdr="0" ftr="0" dt="0"/>
   <p:txStyles>
     <p:titleStyle>
       <a:lvl1pPr algn="l" defTabSz="914400" rtl="0" eaLnBrk="1" latinLnBrk="0" hangingPunct="1">
@@ -7030,9 +7105,8 @@
             </a:lvl1pPr>
           </a:lstStyle>
           <a:p>
-            <a:fld id="{1D8BD707-D9CF-40AE-B4C6-C98DA3205C09}" type="datetimeFigureOut">
+            <a:fld id="{6566022D-4E37-41BD-AB94-591BED3BB92B}" type="datetime1">
               <a:rPr lang="en-US" smtClean="0"/>
-              <a:pPr/>
               <a:t>12/21/2025</a:t>
             </a:fld>
             <a:endParaRPr lang="en-US"/>
@@ -7139,6 +7213,7 @@
     <p:sldLayoutId id="2147483670" r:id="rId10"/>
     <p:sldLayoutId id="2147483671" r:id="rId11"/>
   </p:sldLayoutIdLst>
+  <p:hf hdr="0" ftr="0" dt="0"/>
   <p:txStyles>
     <p:titleStyle>
       <a:lvl1pPr algn="ctr" defTabSz="609630" rtl="0" eaLnBrk="1" latinLnBrk="0" hangingPunct="1">
@@ -7610,6 +7685,138 @@
           </p:txBody>
         </p:sp>
       </p:grpSp>
+      <p:sp>
+        <p:nvSpPr>
+          <p:cNvPr id="6" name="Slide Number Placeholder 18">
+            <a:extLst>
+              <a:ext uri="{FF2B5EF4-FFF2-40B4-BE49-F238E27FC236}">
+                <a16:creationId xmlns:a16="http://schemas.microsoft.com/office/drawing/2014/main" id="{C9B37EA8-F069-1B78-2F1A-DC25B1CFA039}"/>
+              </a:ext>
+            </a:extLst>
+          </p:cNvPr>
+          <p:cNvSpPr txBox="1">
+            <a:spLocks/>
+          </p:cNvSpPr>
+          <p:nvPr/>
+        </p:nvSpPr>
+        <p:spPr>
+          <a:xfrm>
+            <a:off x="26748" y="6401483"/>
+            <a:ext cx="405421" cy="365125"/>
+          </a:xfrm>
+          <a:prstGeom prst="rect">
+            <a:avLst/>
+          </a:prstGeom>
+        </p:spPr>
+        <p:txBody>
+          <a:bodyPr vert="horz" lIns="91440" tIns="45720" rIns="91440" bIns="45720" rtlCol="0" anchor="ctr"/>
+          <a:lstStyle>
+            <a:defPPr>
+              <a:defRPr lang="en-US"/>
+            </a:defPPr>
+            <a:lvl1pPr marL="0" algn="r" defTabSz="914400" rtl="0" eaLnBrk="1" latinLnBrk="0" hangingPunct="1">
+              <a:defRPr sz="1200" kern="1200">
+                <a:solidFill>
+                  <a:schemeClr val="tx1">
+                    <a:tint val="82000"/>
+                  </a:schemeClr>
+                </a:solidFill>
+                <a:latin typeface="+mn-lt"/>
+                <a:ea typeface="+mn-ea"/>
+                <a:cs typeface="+mn-cs"/>
+              </a:defRPr>
+            </a:lvl1pPr>
+            <a:lvl2pPr marL="457200" algn="l" defTabSz="914400" rtl="0" eaLnBrk="1" latinLnBrk="0" hangingPunct="1">
+              <a:defRPr sz="1800" kern="1200">
+                <a:solidFill>
+                  <a:schemeClr val="tx1"/>
+                </a:solidFill>
+                <a:latin typeface="+mn-lt"/>
+                <a:ea typeface="+mn-ea"/>
+                <a:cs typeface="+mn-cs"/>
+              </a:defRPr>
+            </a:lvl2pPr>
+            <a:lvl3pPr marL="914400" algn="l" defTabSz="914400" rtl="0" eaLnBrk="1" latinLnBrk="0" hangingPunct="1">
+              <a:defRPr sz="1800" kern="1200">
+                <a:solidFill>
+                  <a:schemeClr val="tx1"/>
+                </a:solidFill>
+                <a:latin typeface="+mn-lt"/>
+                <a:ea typeface="+mn-ea"/>
+                <a:cs typeface="+mn-cs"/>
+              </a:defRPr>
+            </a:lvl3pPr>
+            <a:lvl4pPr marL="1371600" algn="l" defTabSz="914400" rtl="0" eaLnBrk="1" latinLnBrk="0" hangingPunct="1">
+              <a:defRPr sz="1800" kern="1200">
+                <a:solidFill>
+                  <a:schemeClr val="tx1"/>
+                </a:solidFill>
+                <a:latin typeface="+mn-lt"/>
+                <a:ea typeface="+mn-ea"/>
+                <a:cs typeface="+mn-cs"/>
+              </a:defRPr>
+            </a:lvl4pPr>
+            <a:lvl5pPr marL="1828800" algn="l" defTabSz="914400" rtl="0" eaLnBrk="1" latinLnBrk="0" hangingPunct="1">
+              <a:defRPr sz="1800" kern="1200">
+                <a:solidFill>
+                  <a:schemeClr val="tx1"/>
+                </a:solidFill>
+                <a:latin typeface="+mn-lt"/>
+                <a:ea typeface="+mn-ea"/>
+                <a:cs typeface="+mn-cs"/>
+              </a:defRPr>
+            </a:lvl5pPr>
+            <a:lvl6pPr marL="2286000" algn="l" defTabSz="914400" rtl="0" eaLnBrk="1" latinLnBrk="0" hangingPunct="1">
+              <a:defRPr sz="1800" kern="1200">
+                <a:solidFill>
+                  <a:schemeClr val="tx1"/>
+                </a:solidFill>
+                <a:latin typeface="+mn-lt"/>
+                <a:ea typeface="+mn-ea"/>
+                <a:cs typeface="+mn-cs"/>
+              </a:defRPr>
+            </a:lvl6pPr>
+            <a:lvl7pPr marL="2743200" algn="l" defTabSz="914400" rtl="0" eaLnBrk="1" latinLnBrk="0" hangingPunct="1">
+              <a:defRPr sz="1800" kern="1200">
+                <a:solidFill>
+                  <a:schemeClr val="tx1"/>
+                </a:solidFill>
+                <a:latin typeface="+mn-lt"/>
+                <a:ea typeface="+mn-ea"/>
+                <a:cs typeface="+mn-cs"/>
+              </a:defRPr>
+            </a:lvl7pPr>
+            <a:lvl8pPr marL="3200400" algn="l" defTabSz="914400" rtl="0" eaLnBrk="1" latinLnBrk="0" hangingPunct="1">
+              <a:defRPr sz="1800" kern="1200">
+                <a:solidFill>
+                  <a:schemeClr val="tx1"/>
+                </a:solidFill>
+                <a:latin typeface="+mn-lt"/>
+                <a:ea typeface="+mn-ea"/>
+                <a:cs typeface="+mn-cs"/>
+              </a:defRPr>
+            </a:lvl8pPr>
+            <a:lvl9pPr marL="3657600" algn="l" defTabSz="914400" rtl="0" eaLnBrk="1" latinLnBrk="0" hangingPunct="1">
+              <a:defRPr sz="1800" kern="1200">
+                <a:solidFill>
+                  <a:schemeClr val="tx1"/>
+                </a:solidFill>
+                <a:latin typeface="+mn-lt"/>
+                <a:ea typeface="+mn-ea"/>
+                <a:cs typeface="+mn-cs"/>
+              </a:defRPr>
+            </a:lvl9pPr>
+          </a:lstStyle>
+          <a:p>
+            <a:fld id="{8F1D01A0-D233-4FA1-8698-D063092A8F39}" type="slidenum">
+              <a:rPr lang="en-US" sz="3200" b="1" smtClean="0"/>
+              <a:pPr/>
+              <a:t>1</a:t>
+            </a:fld>
+            <a:endParaRPr lang="en-US" sz="3200" b="1" dirty="0"/>
+          </a:p>
+        </p:txBody>
+      </p:sp>
     </p:spTree>
     <p:extLst>
       <p:ext uri="{BB962C8B-B14F-4D97-AF65-F5344CB8AC3E}">
@@ -7813,8 +8020,8 @@
         </p:blipFill>
         <p:spPr bwMode="auto">
           <a:xfrm>
-            <a:off x="2963526" y="1090441"/>
-            <a:ext cx="5968453" cy="1994925"/>
+            <a:off x="1895890" y="1261700"/>
+            <a:ext cx="8103726" cy="2708629"/>
           </a:xfrm>
           <a:prstGeom prst="rect">
             <a:avLst/>
@@ -7853,7 +8060,7 @@
         </p:blipFill>
         <p:spPr>
           <a:xfrm>
-            <a:off x="7626721" y="2675056"/>
+            <a:off x="8142113" y="5102316"/>
             <a:ext cx="2324424" cy="952633"/>
           </a:xfrm>
           <a:prstGeom prst="rect">
@@ -7863,10 +8070,10 @@
       </p:pic>
       <p:pic>
         <p:nvPicPr>
-          <p:cNvPr id="7" name="Picture 6">
-            <a:extLst>
-              <a:ext uri="{FF2B5EF4-FFF2-40B4-BE49-F238E27FC236}">
-                <a16:creationId xmlns:a16="http://schemas.microsoft.com/office/drawing/2014/main" id="{B15DFCA5-1455-413B-7DE9-1EB134DD1184}"/>
+          <p:cNvPr id="6" name="Picture 5">
+            <a:extLst>
+              <a:ext uri="{FF2B5EF4-FFF2-40B4-BE49-F238E27FC236}">
+                <a16:creationId xmlns:a16="http://schemas.microsoft.com/office/drawing/2014/main" id="{6C19C8C8-AE29-F783-8FDA-AA5AA0843081}"/>
               </a:ext>
             </a:extLst>
           </p:cNvPr>
@@ -7883,44 +8090,83 @@
         </p:blipFill>
         <p:spPr>
           <a:xfrm>
-            <a:off x="279106" y="3681055"/>
-            <a:ext cx="3942351" cy="1994925"/>
+            <a:off x="7898553" y="3501544"/>
+            <a:ext cx="2076740" cy="724001"/>
           </a:xfrm>
           <a:prstGeom prst="rect">
             <a:avLst/>
           </a:prstGeom>
         </p:spPr>
       </p:pic>
-      <p:pic>
-        <p:nvPicPr>
-          <p:cNvPr id="10" name="Picture 9">
-            <a:extLst>
-              <a:ext uri="{FF2B5EF4-FFF2-40B4-BE49-F238E27FC236}">
-                <a16:creationId xmlns:a16="http://schemas.microsoft.com/office/drawing/2014/main" id="{99371544-A92F-ACFB-65AD-3F490B354D19}"/>
-              </a:ext>
-            </a:extLst>
-          </p:cNvPr>
-          <p:cNvPicPr>
-            <a:picLocks noChangeAspect="1"/>
-          </p:cNvPicPr>
+      <p:sp>
+        <p:nvSpPr>
+          <p:cNvPr id="8" name="TextBox 7">
+            <a:extLst>
+              <a:ext uri="{FF2B5EF4-FFF2-40B4-BE49-F238E27FC236}">
+                <a16:creationId xmlns:a16="http://schemas.microsoft.com/office/drawing/2014/main" id="{FC0EFEDA-DC37-AFDE-9966-271933945A45}"/>
+              </a:ext>
+            </a:extLst>
+          </p:cNvPr>
+          <p:cNvSpPr txBox="1"/>
           <p:nvPr/>
-        </p:nvPicPr>
-        <p:blipFill>
-          <a:blip r:embed="rId9"/>
-          <a:stretch>
-            <a:fillRect/>
-          </a:stretch>
-        </p:blipFill>
+        </p:nvSpPr>
         <p:spPr>
-          <a:xfrm>
-            <a:off x="6601005" y="3429000"/>
-            <a:ext cx="4375855" cy="3163979"/>
+          <a:xfrm flipH="1">
+            <a:off x="5398671" y="3933180"/>
+            <a:ext cx="1098164" cy="369332"/>
           </a:xfrm>
           <a:prstGeom prst="rect">
             <a:avLst/>
           </a:prstGeom>
+          <a:noFill/>
         </p:spPr>
-      </p:pic>
+        <p:txBody>
+          <a:bodyPr wrap="square" rtlCol="0">
+            <a:spAutoFit/>
+          </a:bodyPr>
+          <a:lstStyle/>
+          <a:p>
+            <a:r>
+              <a:rPr lang="en-US" b="1" dirty="0"/>
+              <a:t>Fig 1.17</a:t>
+            </a:r>
+          </a:p>
+        </p:txBody>
+      </p:sp>
+      <p:sp>
+        <p:nvSpPr>
+          <p:cNvPr id="11" name="Slide Number Placeholder 18">
+            <a:extLst>
+              <a:ext uri="{FF2B5EF4-FFF2-40B4-BE49-F238E27FC236}">
+                <a16:creationId xmlns:a16="http://schemas.microsoft.com/office/drawing/2014/main" id="{73C65B2D-C9E8-F984-BACE-7703839D8D55}"/>
+              </a:ext>
+            </a:extLst>
+          </p:cNvPr>
+          <p:cNvSpPr>
+            <a:spLocks noGrp="1"/>
+          </p:cNvSpPr>
+          <p:nvPr>
+            <p:ph type="sldNum" sz="quarter" idx="12"/>
+          </p:nvPr>
+        </p:nvSpPr>
+        <p:spPr>
+          <a:xfrm>
+            <a:off x="26748" y="6401483"/>
+            <a:ext cx="649908" cy="365125"/>
+          </a:xfrm>
+        </p:spPr>
+        <p:txBody>
+          <a:bodyPr/>
+          <a:lstStyle/>
+          <a:p>
+            <a:fld id="{8F1D01A0-D233-4FA1-8698-D063092A8F39}" type="slidenum">
+              <a:rPr lang="en-US" sz="3200" b="1" smtClean="0"/>
+              <a:t>10</a:t>
+            </a:fld>
+            <a:endParaRPr lang="en-US" sz="3200" b="1" dirty="0"/>
+          </a:p>
+        </p:txBody>
+      </p:sp>
     </p:spTree>
     <p:extLst>
       <p:ext uri="{BB962C8B-B14F-4D97-AF65-F5344CB8AC3E}">
@@ -8039,6 +8285,167 @@
               <a:rPr lang="en-US" dirty="0"/>
               <a:t>I will now hand over to 2207008, who will explain the next steps of the project.</a:t>
             </a:r>
+          </a:p>
+        </p:txBody>
+      </p:sp>
+      <p:sp>
+        <p:nvSpPr>
+          <p:cNvPr id="6" name="Slide Number Placeholder 5">
+            <a:extLst>
+              <a:ext uri="{FF2B5EF4-FFF2-40B4-BE49-F238E27FC236}">
+                <a16:creationId xmlns:a16="http://schemas.microsoft.com/office/drawing/2014/main" id="{0FB1336F-7E39-6DEE-AE4B-6A0A1F0B6759}"/>
+              </a:ext>
+            </a:extLst>
+          </p:cNvPr>
+          <p:cNvSpPr>
+            <a:spLocks noGrp="1"/>
+          </p:cNvSpPr>
+          <p:nvPr>
+            <p:ph type="sldNum" sz="quarter" idx="12"/>
+          </p:nvPr>
+        </p:nvSpPr>
+        <p:spPr/>
+        <p:txBody>
+          <a:bodyPr/>
+          <a:lstStyle/>
+          <a:p>
+            <a:fld id="{8F1D01A0-D233-4FA1-8698-D063092A8F39}" type="slidenum">
+              <a:rPr lang="en-US" smtClean="0"/>
+              <a:t>11</a:t>
+            </a:fld>
+            <a:endParaRPr lang="en-US"/>
+          </a:p>
+        </p:txBody>
+      </p:sp>
+      <p:sp>
+        <p:nvSpPr>
+          <p:cNvPr id="7" name="Slide Number Placeholder 18">
+            <a:extLst>
+              <a:ext uri="{FF2B5EF4-FFF2-40B4-BE49-F238E27FC236}">
+                <a16:creationId xmlns:a16="http://schemas.microsoft.com/office/drawing/2014/main" id="{BF90A07C-A0DE-1C2F-1296-73B8F992F6C2}"/>
+              </a:ext>
+            </a:extLst>
+          </p:cNvPr>
+          <p:cNvSpPr txBox="1">
+            <a:spLocks/>
+          </p:cNvSpPr>
+          <p:nvPr/>
+        </p:nvSpPr>
+        <p:spPr>
+          <a:xfrm>
+            <a:off x="26748" y="6401483"/>
+            <a:ext cx="659052" cy="365125"/>
+          </a:xfrm>
+          <a:prstGeom prst="rect">
+            <a:avLst/>
+          </a:prstGeom>
+        </p:spPr>
+        <p:txBody>
+          <a:bodyPr vert="horz" lIns="91440" tIns="45720" rIns="91440" bIns="45720" rtlCol="0" anchor="ctr"/>
+          <a:lstStyle>
+            <a:defPPr>
+              <a:defRPr lang="en-US"/>
+            </a:defPPr>
+            <a:lvl1pPr marL="0" algn="r" defTabSz="914400" rtl="0" eaLnBrk="1" latinLnBrk="0" hangingPunct="1">
+              <a:defRPr sz="1200" kern="1200">
+                <a:solidFill>
+                  <a:schemeClr val="tx1">
+                    <a:tint val="82000"/>
+                  </a:schemeClr>
+                </a:solidFill>
+                <a:latin typeface="+mn-lt"/>
+                <a:ea typeface="+mn-ea"/>
+                <a:cs typeface="+mn-cs"/>
+              </a:defRPr>
+            </a:lvl1pPr>
+            <a:lvl2pPr marL="457200" algn="l" defTabSz="914400" rtl="0" eaLnBrk="1" latinLnBrk="0" hangingPunct="1">
+              <a:defRPr sz="1800" kern="1200">
+                <a:solidFill>
+                  <a:schemeClr val="tx1"/>
+                </a:solidFill>
+                <a:latin typeface="+mn-lt"/>
+                <a:ea typeface="+mn-ea"/>
+                <a:cs typeface="+mn-cs"/>
+              </a:defRPr>
+            </a:lvl2pPr>
+            <a:lvl3pPr marL="914400" algn="l" defTabSz="914400" rtl="0" eaLnBrk="1" latinLnBrk="0" hangingPunct="1">
+              <a:defRPr sz="1800" kern="1200">
+                <a:solidFill>
+                  <a:schemeClr val="tx1"/>
+                </a:solidFill>
+                <a:latin typeface="+mn-lt"/>
+                <a:ea typeface="+mn-ea"/>
+                <a:cs typeface="+mn-cs"/>
+              </a:defRPr>
+            </a:lvl3pPr>
+            <a:lvl4pPr marL="1371600" algn="l" defTabSz="914400" rtl="0" eaLnBrk="1" latinLnBrk="0" hangingPunct="1">
+              <a:defRPr sz="1800" kern="1200">
+                <a:solidFill>
+                  <a:schemeClr val="tx1"/>
+                </a:solidFill>
+                <a:latin typeface="+mn-lt"/>
+                <a:ea typeface="+mn-ea"/>
+                <a:cs typeface="+mn-cs"/>
+              </a:defRPr>
+            </a:lvl4pPr>
+            <a:lvl5pPr marL="1828800" algn="l" defTabSz="914400" rtl="0" eaLnBrk="1" latinLnBrk="0" hangingPunct="1">
+              <a:defRPr sz="1800" kern="1200">
+                <a:solidFill>
+                  <a:schemeClr val="tx1"/>
+                </a:solidFill>
+                <a:latin typeface="+mn-lt"/>
+                <a:ea typeface="+mn-ea"/>
+                <a:cs typeface="+mn-cs"/>
+              </a:defRPr>
+            </a:lvl5pPr>
+            <a:lvl6pPr marL="2286000" algn="l" defTabSz="914400" rtl="0" eaLnBrk="1" latinLnBrk="0" hangingPunct="1">
+              <a:defRPr sz="1800" kern="1200">
+                <a:solidFill>
+                  <a:schemeClr val="tx1"/>
+                </a:solidFill>
+                <a:latin typeface="+mn-lt"/>
+                <a:ea typeface="+mn-ea"/>
+                <a:cs typeface="+mn-cs"/>
+              </a:defRPr>
+            </a:lvl6pPr>
+            <a:lvl7pPr marL="2743200" algn="l" defTabSz="914400" rtl="0" eaLnBrk="1" latinLnBrk="0" hangingPunct="1">
+              <a:defRPr sz="1800" kern="1200">
+                <a:solidFill>
+                  <a:schemeClr val="tx1"/>
+                </a:solidFill>
+                <a:latin typeface="+mn-lt"/>
+                <a:ea typeface="+mn-ea"/>
+                <a:cs typeface="+mn-cs"/>
+              </a:defRPr>
+            </a:lvl7pPr>
+            <a:lvl8pPr marL="3200400" algn="l" defTabSz="914400" rtl="0" eaLnBrk="1" latinLnBrk="0" hangingPunct="1">
+              <a:defRPr sz="1800" kern="1200">
+                <a:solidFill>
+                  <a:schemeClr val="tx1"/>
+                </a:solidFill>
+                <a:latin typeface="+mn-lt"/>
+                <a:ea typeface="+mn-ea"/>
+                <a:cs typeface="+mn-cs"/>
+              </a:defRPr>
+            </a:lvl8pPr>
+            <a:lvl9pPr marL="3657600" algn="l" defTabSz="914400" rtl="0" eaLnBrk="1" latinLnBrk="0" hangingPunct="1">
+              <a:defRPr sz="1800" kern="1200">
+                <a:solidFill>
+                  <a:schemeClr val="tx1"/>
+                </a:solidFill>
+                <a:latin typeface="+mn-lt"/>
+                <a:ea typeface="+mn-ea"/>
+                <a:cs typeface="+mn-cs"/>
+              </a:defRPr>
+            </a:lvl9pPr>
+          </a:lstStyle>
+          <a:p>
+            <a:fld id="{8F1D01A0-D233-4FA1-8698-D063092A8F39}" type="slidenum">
+              <a:rPr lang="en-US" sz="3200" b="1" smtClean="0"/>
+              <a:pPr/>
+              <a:t>11</a:t>
+            </a:fld>
+            <a:endParaRPr lang="en-US" sz="3200" b="1" dirty="0"/>
           </a:p>
         </p:txBody>
       </p:sp>
@@ -8293,6 +8700,294 @@
           </p:txBody>
         </p:sp>
       </p:grpSp>
+      <p:sp>
+        <p:nvSpPr>
+          <p:cNvPr id="9" name="Slide Number Placeholder 8">
+            <a:extLst>
+              <a:ext uri="{FF2B5EF4-FFF2-40B4-BE49-F238E27FC236}">
+                <a16:creationId xmlns:a16="http://schemas.microsoft.com/office/drawing/2014/main" id="{8DC4C3A1-EA5F-0A28-2A5F-1067EC9F2EBB}"/>
+              </a:ext>
+            </a:extLst>
+          </p:cNvPr>
+          <p:cNvSpPr>
+            <a:spLocks noGrp="1"/>
+          </p:cNvSpPr>
+          <p:nvPr>
+            <p:ph type="sldNum" sz="quarter" idx="12"/>
+          </p:nvPr>
+        </p:nvSpPr>
+        <p:spPr/>
+        <p:txBody>
+          <a:bodyPr/>
+          <a:lstStyle/>
+          <a:p>
+            <a:fld id="{8F1D01A0-D233-4FA1-8698-D063092A8F39}" type="slidenum">
+              <a:rPr lang="en-US" smtClean="0"/>
+              <a:t>12</a:t>
+            </a:fld>
+            <a:endParaRPr lang="en-US"/>
+          </a:p>
+        </p:txBody>
+      </p:sp>
+      <p:sp>
+        <p:nvSpPr>
+          <p:cNvPr id="10" name="Slide Number Placeholder 18">
+            <a:extLst>
+              <a:ext uri="{FF2B5EF4-FFF2-40B4-BE49-F238E27FC236}">
+                <a16:creationId xmlns:a16="http://schemas.microsoft.com/office/drawing/2014/main" id="{7E98E96E-D022-059B-E41B-0B16CB1F576B}"/>
+              </a:ext>
+            </a:extLst>
+          </p:cNvPr>
+          <p:cNvSpPr txBox="1">
+            <a:spLocks/>
+          </p:cNvSpPr>
+          <p:nvPr/>
+        </p:nvSpPr>
+        <p:spPr>
+          <a:xfrm>
+            <a:off x="26748" y="6401483"/>
+            <a:ext cx="405421" cy="365125"/>
+          </a:xfrm>
+          <a:prstGeom prst="rect">
+            <a:avLst/>
+          </a:prstGeom>
+        </p:spPr>
+        <p:txBody>
+          <a:bodyPr vert="horz" lIns="91440" tIns="45720" rIns="91440" bIns="45720" rtlCol="0" anchor="ctr"/>
+          <a:lstStyle>
+            <a:defPPr>
+              <a:defRPr lang="en-US"/>
+            </a:defPPr>
+            <a:lvl1pPr marL="0" algn="r" defTabSz="914400" rtl="0" eaLnBrk="1" latinLnBrk="0" hangingPunct="1">
+              <a:defRPr sz="1200" kern="1200">
+                <a:solidFill>
+                  <a:schemeClr val="tx1">
+                    <a:tint val="82000"/>
+                  </a:schemeClr>
+                </a:solidFill>
+                <a:latin typeface="+mn-lt"/>
+                <a:ea typeface="+mn-ea"/>
+                <a:cs typeface="+mn-cs"/>
+              </a:defRPr>
+            </a:lvl1pPr>
+            <a:lvl2pPr marL="457200" algn="l" defTabSz="914400" rtl="0" eaLnBrk="1" latinLnBrk="0" hangingPunct="1">
+              <a:defRPr sz="1800" kern="1200">
+                <a:solidFill>
+                  <a:schemeClr val="tx1"/>
+                </a:solidFill>
+                <a:latin typeface="+mn-lt"/>
+                <a:ea typeface="+mn-ea"/>
+                <a:cs typeface="+mn-cs"/>
+              </a:defRPr>
+            </a:lvl2pPr>
+            <a:lvl3pPr marL="914400" algn="l" defTabSz="914400" rtl="0" eaLnBrk="1" latinLnBrk="0" hangingPunct="1">
+              <a:defRPr sz="1800" kern="1200">
+                <a:solidFill>
+                  <a:schemeClr val="tx1"/>
+                </a:solidFill>
+                <a:latin typeface="+mn-lt"/>
+                <a:ea typeface="+mn-ea"/>
+                <a:cs typeface="+mn-cs"/>
+              </a:defRPr>
+            </a:lvl3pPr>
+            <a:lvl4pPr marL="1371600" algn="l" defTabSz="914400" rtl="0" eaLnBrk="1" latinLnBrk="0" hangingPunct="1">
+              <a:defRPr sz="1800" kern="1200">
+                <a:solidFill>
+                  <a:schemeClr val="tx1"/>
+                </a:solidFill>
+                <a:latin typeface="+mn-lt"/>
+                <a:ea typeface="+mn-ea"/>
+                <a:cs typeface="+mn-cs"/>
+              </a:defRPr>
+            </a:lvl4pPr>
+            <a:lvl5pPr marL="1828800" algn="l" defTabSz="914400" rtl="0" eaLnBrk="1" latinLnBrk="0" hangingPunct="1">
+              <a:defRPr sz="1800" kern="1200">
+                <a:solidFill>
+                  <a:schemeClr val="tx1"/>
+                </a:solidFill>
+                <a:latin typeface="+mn-lt"/>
+                <a:ea typeface="+mn-ea"/>
+                <a:cs typeface="+mn-cs"/>
+              </a:defRPr>
+            </a:lvl5pPr>
+            <a:lvl6pPr marL="2286000" algn="l" defTabSz="914400" rtl="0" eaLnBrk="1" latinLnBrk="0" hangingPunct="1">
+              <a:defRPr sz="1800" kern="1200">
+                <a:solidFill>
+                  <a:schemeClr val="tx1"/>
+                </a:solidFill>
+                <a:latin typeface="+mn-lt"/>
+                <a:ea typeface="+mn-ea"/>
+                <a:cs typeface="+mn-cs"/>
+              </a:defRPr>
+            </a:lvl6pPr>
+            <a:lvl7pPr marL="2743200" algn="l" defTabSz="914400" rtl="0" eaLnBrk="1" latinLnBrk="0" hangingPunct="1">
+              <a:defRPr sz="1800" kern="1200">
+                <a:solidFill>
+                  <a:schemeClr val="tx1"/>
+                </a:solidFill>
+                <a:latin typeface="+mn-lt"/>
+                <a:ea typeface="+mn-ea"/>
+                <a:cs typeface="+mn-cs"/>
+              </a:defRPr>
+            </a:lvl7pPr>
+            <a:lvl8pPr marL="3200400" algn="l" defTabSz="914400" rtl="0" eaLnBrk="1" latinLnBrk="0" hangingPunct="1">
+              <a:defRPr sz="1800" kern="1200">
+                <a:solidFill>
+                  <a:schemeClr val="tx1"/>
+                </a:solidFill>
+                <a:latin typeface="+mn-lt"/>
+                <a:ea typeface="+mn-ea"/>
+                <a:cs typeface="+mn-cs"/>
+              </a:defRPr>
+            </a:lvl8pPr>
+            <a:lvl9pPr marL="3657600" algn="l" defTabSz="914400" rtl="0" eaLnBrk="1" latinLnBrk="0" hangingPunct="1">
+              <a:defRPr sz="1800" kern="1200">
+                <a:solidFill>
+                  <a:schemeClr val="tx1"/>
+                </a:solidFill>
+                <a:latin typeface="+mn-lt"/>
+                <a:ea typeface="+mn-ea"/>
+                <a:cs typeface="+mn-cs"/>
+              </a:defRPr>
+            </a:lvl9pPr>
+          </a:lstStyle>
+          <a:p>
+            <a:endParaRPr lang="en-US" sz="3200" b="1" dirty="0"/>
+          </a:p>
+        </p:txBody>
+      </p:sp>
+      <p:sp>
+        <p:nvSpPr>
+          <p:cNvPr id="11" name="Slide Number Placeholder 18">
+            <a:extLst>
+              <a:ext uri="{FF2B5EF4-FFF2-40B4-BE49-F238E27FC236}">
+                <a16:creationId xmlns:a16="http://schemas.microsoft.com/office/drawing/2014/main" id="{B73F3354-744A-6605-0DAA-CAE702F6E9BB}"/>
+              </a:ext>
+            </a:extLst>
+          </p:cNvPr>
+          <p:cNvSpPr txBox="1">
+            <a:spLocks/>
+          </p:cNvSpPr>
+          <p:nvPr/>
+        </p:nvSpPr>
+        <p:spPr>
+          <a:xfrm>
+            <a:off x="26748" y="6401483"/>
+            <a:ext cx="659052" cy="365125"/>
+          </a:xfrm>
+          <a:prstGeom prst="rect">
+            <a:avLst/>
+          </a:prstGeom>
+        </p:spPr>
+        <p:txBody>
+          <a:bodyPr vert="horz" lIns="91440" tIns="45720" rIns="91440" bIns="45720" rtlCol="0" anchor="ctr"/>
+          <a:lstStyle>
+            <a:defPPr>
+              <a:defRPr lang="en-US"/>
+            </a:defPPr>
+            <a:lvl1pPr marL="0" algn="r" defTabSz="914400" rtl="0" eaLnBrk="1" latinLnBrk="0" hangingPunct="1">
+              <a:defRPr sz="1200" kern="1200">
+                <a:solidFill>
+                  <a:schemeClr val="tx1">
+                    <a:tint val="82000"/>
+                  </a:schemeClr>
+                </a:solidFill>
+                <a:latin typeface="+mn-lt"/>
+                <a:ea typeface="+mn-ea"/>
+                <a:cs typeface="+mn-cs"/>
+              </a:defRPr>
+            </a:lvl1pPr>
+            <a:lvl2pPr marL="457200" algn="l" defTabSz="914400" rtl="0" eaLnBrk="1" latinLnBrk="0" hangingPunct="1">
+              <a:defRPr sz="1800" kern="1200">
+                <a:solidFill>
+                  <a:schemeClr val="tx1"/>
+                </a:solidFill>
+                <a:latin typeface="+mn-lt"/>
+                <a:ea typeface="+mn-ea"/>
+                <a:cs typeface="+mn-cs"/>
+              </a:defRPr>
+            </a:lvl2pPr>
+            <a:lvl3pPr marL="914400" algn="l" defTabSz="914400" rtl="0" eaLnBrk="1" latinLnBrk="0" hangingPunct="1">
+              <a:defRPr sz="1800" kern="1200">
+                <a:solidFill>
+                  <a:schemeClr val="tx1"/>
+                </a:solidFill>
+                <a:latin typeface="+mn-lt"/>
+                <a:ea typeface="+mn-ea"/>
+                <a:cs typeface="+mn-cs"/>
+              </a:defRPr>
+            </a:lvl3pPr>
+            <a:lvl4pPr marL="1371600" algn="l" defTabSz="914400" rtl="0" eaLnBrk="1" latinLnBrk="0" hangingPunct="1">
+              <a:defRPr sz="1800" kern="1200">
+                <a:solidFill>
+                  <a:schemeClr val="tx1"/>
+                </a:solidFill>
+                <a:latin typeface="+mn-lt"/>
+                <a:ea typeface="+mn-ea"/>
+                <a:cs typeface="+mn-cs"/>
+              </a:defRPr>
+            </a:lvl4pPr>
+            <a:lvl5pPr marL="1828800" algn="l" defTabSz="914400" rtl="0" eaLnBrk="1" latinLnBrk="0" hangingPunct="1">
+              <a:defRPr sz="1800" kern="1200">
+                <a:solidFill>
+                  <a:schemeClr val="tx1"/>
+                </a:solidFill>
+                <a:latin typeface="+mn-lt"/>
+                <a:ea typeface="+mn-ea"/>
+                <a:cs typeface="+mn-cs"/>
+              </a:defRPr>
+            </a:lvl5pPr>
+            <a:lvl6pPr marL="2286000" algn="l" defTabSz="914400" rtl="0" eaLnBrk="1" latinLnBrk="0" hangingPunct="1">
+              <a:defRPr sz="1800" kern="1200">
+                <a:solidFill>
+                  <a:schemeClr val="tx1"/>
+                </a:solidFill>
+                <a:latin typeface="+mn-lt"/>
+                <a:ea typeface="+mn-ea"/>
+                <a:cs typeface="+mn-cs"/>
+              </a:defRPr>
+            </a:lvl6pPr>
+            <a:lvl7pPr marL="2743200" algn="l" defTabSz="914400" rtl="0" eaLnBrk="1" latinLnBrk="0" hangingPunct="1">
+              <a:defRPr sz="1800" kern="1200">
+                <a:solidFill>
+                  <a:schemeClr val="tx1"/>
+                </a:solidFill>
+                <a:latin typeface="+mn-lt"/>
+                <a:ea typeface="+mn-ea"/>
+                <a:cs typeface="+mn-cs"/>
+              </a:defRPr>
+            </a:lvl7pPr>
+            <a:lvl8pPr marL="3200400" algn="l" defTabSz="914400" rtl="0" eaLnBrk="1" latinLnBrk="0" hangingPunct="1">
+              <a:defRPr sz="1800" kern="1200">
+                <a:solidFill>
+                  <a:schemeClr val="tx1"/>
+                </a:solidFill>
+                <a:latin typeface="+mn-lt"/>
+                <a:ea typeface="+mn-ea"/>
+                <a:cs typeface="+mn-cs"/>
+              </a:defRPr>
+            </a:lvl8pPr>
+            <a:lvl9pPr marL="3657600" algn="l" defTabSz="914400" rtl="0" eaLnBrk="1" latinLnBrk="0" hangingPunct="1">
+              <a:defRPr sz="1800" kern="1200">
+                <a:solidFill>
+                  <a:schemeClr val="tx1"/>
+                </a:solidFill>
+                <a:latin typeface="+mn-lt"/>
+                <a:ea typeface="+mn-ea"/>
+                <a:cs typeface="+mn-cs"/>
+              </a:defRPr>
+            </a:lvl9pPr>
+          </a:lstStyle>
+          <a:p>
+            <a:fld id="{8F1D01A0-D233-4FA1-8698-D063092A8F39}" type="slidenum">
+              <a:rPr lang="en-US" sz="3200" b="1" smtClean="0"/>
+              <a:pPr/>
+              <a:t>12</a:t>
+            </a:fld>
+            <a:endParaRPr lang="en-US" sz="3200" b="1" dirty="0"/>
+          </a:p>
+        </p:txBody>
+      </p:sp>
     </p:spTree>
   </p:cSld>
   <p:clrMapOvr>
@@ -8859,6 +9554,168 @@
           </a:prstGeom>
         </p:spPr>
       </p:pic>
+      <p:sp>
+        <p:nvSpPr>
+          <p:cNvPr id="20" name="Slide Number Placeholder 19">
+            <a:extLst>
+              <a:ext uri="{FF2B5EF4-FFF2-40B4-BE49-F238E27FC236}">
+                <a16:creationId xmlns:a16="http://schemas.microsoft.com/office/drawing/2014/main" id="{D4909F67-0F83-268C-24EA-F8EE78360663}"/>
+              </a:ext>
+            </a:extLst>
+          </p:cNvPr>
+          <p:cNvSpPr>
+            <a:spLocks noGrp="1"/>
+          </p:cNvSpPr>
+          <p:nvPr>
+            <p:ph type="sldNum" sz="quarter" idx="12"/>
+          </p:nvPr>
+        </p:nvSpPr>
+        <p:spPr/>
+        <p:txBody>
+          <a:bodyPr/>
+          <a:lstStyle/>
+          <a:p>
+            <a:fld id="{B6F15528-21DE-4FAA-801E-634DDDAF4B2B}" type="slidenum">
+              <a:rPr lang="en-US" smtClean="0"/>
+              <a:pPr/>
+              <a:t>13</a:t>
+            </a:fld>
+            <a:endParaRPr lang="en-US"/>
+          </a:p>
+        </p:txBody>
+      </p:sp>
+      <p:sp>
+        <p:nvSpPr>
+          <p:cNvPr id="21" name="Slide Number Placeholder 18">
+            <a:extLst>
+              <a:ext uri="{FF2B5EF4-FFF2-40B4-BE49-F238E27FC236}">
+                <a16:creationId xmlns:a16="http://schemas.microsoft.com/office/drawing/2014/main" id="{E7EA9EF7-AA5A-24D3-243A-A819A0675EA4}"/>
+              </a:ext>
+            </a:extLst>
+          </p:cNvPr>
+          <p:cNvSpPr txBox="1">
+            <a:spLocks/>
+          </p:cNvSpPr>
+          <p:nvPr/>
+        </p:nvSpPr>
+        <p:spPr>
+          <a:xfrm>
+            <a:off x="26748" y="6401483"/>
+            <a:ext cx="659052" cy="365125"/>
+          </a:xfrm>
+          <a:prstGeom prst="rect">
+            <a:avLst/>
+          </a:prstGeom>
+        </p:spPr>
+        <p:txBody>
+          <a:bodyPr vert="horz" lIns="91440" tIns="45720" rIns="91440" bIns="45720" rtlCol="0" anchor="ctr"/>
+          <a:lstStyle>
+            <a:defPPr>
+              <a:defRPr lang="en-US"/>
+            </a:defPPr>
+            <a:lvl1pPr marL="0" algn="r" defTabSz="914400" rtl="0" eaLnBrk="1" latinLnBrk="0" hangingPunct="1">
+              <a:defRPr sz="1200" kern="1200">
+                <a:solidFill>
+                  <a:schemeClr val="tx1">
+                    <a:tint val="82000"/>
+                  </a:schemeClr>
+                </a:solidFill>
+                <a:latin typeface="+mn-lt"/>
+                <a:ea typeface="+mn-ea"/>
+                <a:cs typeface="+mn-cs"/>
+              </a:defRPr>
+            </a:lvl1pPr>
+            <a:lvl2pPr marL="457200" algn="l" defTabSz="914400" rtl="0" eaLnBrk="1" latinLnBrk="0" hangingPunct="1">
+              <a:defRPr sz="1800" kern="1200">
+                <a:solidFill>
+                  <a:schemeClr val="tx1"/>
+                </a:solidFill>
+                <a:latin typeface="+mn-lt"/>
+                <a:ea typeface="+mn-ea"/>
+                <a:cs typeface="+mn-cs"/>
+              </a:defRPr>
+            </a:lvl2pPr>
+            <a:lvl3pPr marL="914400" algn="l" defTabSz="914400" rtl="0" eaLnBrk="1" latinLnBrk="0" hangingPunct="1">
+              <a:defRPr sz="1800" kern="1200">
+                <a:solidFill>
+                  <a:schemeClr val="tx1"/>
+                </a:solidFill>
+                <a:latin typeface="+mn-lt"/>
+                <a:ea typeface="+mn-ea"/>
+                <a:cs typeface="+mn-cs"/>
+              </a:defRPr>
+            </a:lvl3pPr>
+            <a:lvl4pPr marL="1371600" algn="l" defTabSz="914400" rtl="0" eaLnBrk="1" latinLnBrk="0" hangingPunct="1">
+              <a:defRPr sz="1800" kern="1200">
+                <a:solidFill>
+                  <a:schemeClr val="tx1"/>
+                </a:solidFill>
+                <a:latin typeface="+mn-lt"/>
+                <a:ea typeface="+mn-ea"/>
+                <a:cs typeface="+mn-cs"/>
+              </a:defRPr>
+            </a:lvl4pPr>
+            <a:lvl5pPr marL="1828800" algn="l" defTabSz="914400" rtl="0" eaLnBrk="1" latinLnBrk="0" hangingPunct="1">
+              <a:defRPr sz="1800" kern="1200">
+                <a:solidFill>
+                  <a:schemeClr val="tx1"/>
+                </a:solidFill>
+                <a:latin typeface="+mn-lt"/>
+                <a:ea typeface="+mn-ea"/>
+                <a:cs typeface="+mn-cs"/>
+              </a:defRPr>
+            </a:lvl5pPr>
+            <a:lvl6pPr marL="2286000" algn="l" defTabSz="914400" rtl="0" eaLnBrk="1" latinLnBrk="0" hangingPunct="1">
+              <a:defRPr sz="1800" kern="1200">
+                <a:solidFill>
+                  <a:schemeClr val="tx1"/>
+                </a:solidFill>
+                <a:latin typeface="+mn-lt"/>
+                <a:ea typeface="+mn-ea"/>
+                <a:cs typeface="+mn-cs"/>
+              </a:defRPr>
+            </a:lvl6pPr>
+            <a:lvl7pPr marL="2743200" algn="l" defTabSz="914400" rtl="0" eaLnBrk="1" latinLnBrk="0" hangingPunct="1">
+              <a:defRPr sz="1800" kern="1200">
+                <a:solidFill>
+                  <a:schemeClr val="tx1"/>
+                </a:solidFill>
+                <a:latin typeface="+mn-lt"/>
+                <a:ea typeface="+mn-ea"/>
+                <a:cs typeface="+mn-cs"/>
+              </a:defRPr>
+            </a:lvl7pPr>
+            <a:lvl8pPr marL="3200400" algn="l" defTabSz="914400" rtl="0" eaLnBrk="1" latinLnBrk="0" hangingPunct="1">
+              <a:defRPr sz="1800" kern="1200">
+                <a:solidFill>
+                  <a:schemeClr val="tx1"/>
+                </a:solidFill>
+                <a:latin typeface="+mn-lt"/>
+                <a:ea typeface="+mn-ea"/>
+                <a:cs typeface="+mn-cs"/>
+              </a:defRPr>
+            </a:lvl8pPr>
+            <a:lvl9pPr marL="3657600" algn="l" defTabSz="914400" rtl="0" eaLnBrk="1" latinLnBrk="0" hangingPunct="1">
+              <a:defRPr sz="1800" kern="1200">
+                <a:solidFill>
+                  <a:schemeClr val="tx1"/>
+                </a:solidFill>
+                <a:latin typeface="+mn-lt"/>
+                <a:ea typeface="+mn-ea"/>
+                <a:cs typeface="+mn-cs"/>
+              </a:defRPr>
+            </a:lvl9pPr>
+          </a:lstStyle>
+          <a:p>
+            <a:fld id="{8F1D01A0-D233-4FA1-8698-D063092A8F39}" type="slidenum">
+              <a:rPr lang="en-US" sz="3200" b="1" smtClean="0"/>
+              <a:pPr/>
+              <a:t>13</a:t>
+            </a:fld>
+            <a:endParaRPr lang="en-US" sz="3200" b="1" dirty="0"/>
+          </a:p>
+        </p:txBody>
+      </p:sp>
     </p:spTree>
   </p:cSld>
   <p:clrMapOvr>
@@ -9469,7 +10326,7 @@
         </p:blipFill>
         <p:spPr>
           <a:xfrm>
-            <a:off x="6227309" y="2627739"/>
+            <a:off x="6242935" y="2625085"/>
             <a:ext cx="5459233" cy="1772803"/>
           </a:xfrm>
           <a:prstGeom prst="rect">
@@ -9499,7 +10356,7 @@
         </p:blipFill>
         <p:spPr>
           <a:xfrm>
-            <a:off x="6476027" y="4635512"/>
+            <a:off x="6546432" y="4690244"/>
             <a:ext cx="4663844" cy="1924391"/>
           </a:xfrm>
           <a:prstGeom prst="rect">
@@ -9507,6 +10364,308 @@
           </a:prstGeom>
         </p:spPr>
       </p:pic>
+      <p:sp>
+        <p:nvSpPr>
+          <p:cNvPr id="6" name="TextBox 5">
+            <a:extLst>
+              <a:ext uri="{FF2B5EF4-FFF2-40B4-BE49-F238E27FC236}">
+                <a16:creationId xmlns:a16="http://schemas.microsoft.com/office/drawing/2014/main" id="{457513B7-BA98-7A6C-C194-6043C33BF565}"/>
+              </a:ext>
+            </a:extLst>
+          </p:cNvPr>
+          <p:cNvSpPr txBox="1"/>
+          <p:nvPr/>
+        </p:nvSpPr>
+        <p:spPr>
+          <a:xfrm flipH="1">
+            <a:off x="444500" y="6152372"/>
+            <a:ext cx="917104" cy="369332"/>
+          </a:xfrm>
+          <a:prstGeom prst="rect">
+            <a:avLst/>
+          </a:prstGeom>
+          <a:noFill/>
+        </p:spPr>
+        <p:txBody>
+          <a:bodyPr wrap="square" rtlCol="0">
+            <a:spAutoFit/>
+          </a:bodyPr>
+          <a:lstStyle/>
+          <a:p>
+            <a:r>
+              <a:rPr lang="en-US" b="1" dirty="0"/>
+              <a:t>Fig 2.1</a:t>
+            </a:r>
+          </a:p>
+        </p:txBody>
+      </p:sp>
+      <p:sp>
+        <p:nvSpPr>
+          <p:cNvPr id="7" name="TextBox 6">
+            <a:extLst>
+              <a:ext uri="{FF2B5EF4-FFF2-40B4-BE49-F238E27FC236}">
+                <a16:creationId xmlns:a16="http://schemas.microsoft.com/office/drawing/2014/main" id="{9342735D-5956-985E-7EF9-A040AE9CC856}"/>
+              </a:ext>
+            </a:extLst>
+          </p:cNvPr>
+          <p:cNvSpPr txBox="1"/>
+          <p:nvPr/>
+        </p:nvSpPr>
+        <p:spPr>
+          <a:xfrm flipH="1">
+            <a:off x="4473956" y="6200466"/>
+            <a:ext cx="917104" cy="369332"/>
+          </a:xfrm>
+          <a:prstGeom prst="rect">
+            <a:avLst/>
+          </a:prstGeom>
+          <a:noFill/>
+        </p:spPr>
+        <p:txBody>
+          <a:bodyPr wrap="square" rtlCol="0">
+            <a:spAutoFit/>
+          </a:bodyPr>
+          <a:lstStyle/>
+          <a:p>
+            <a:r>
+              <a:rPr lang="en-US" b="1" dirty="0"/>
+              <a:t>Fig 2.2</a:t>
+            </a:r>
+          </a:p>
+        </p:txBody>
+      </p:sp>
+      <p:sp>
+        <p:nvSpPr>
+          <p:cNvPr id="8" name="TextBox 7">
+            <a:extLst>
+              <a:ext uri="{FF2B5EF4-FFF2-40B4-BE49-F238E27FC236}">
+                <a16:creationId xmlns:a16="http://schemas.microsoft.com/office/drawing/2014/main" id="{58570997-D8C3-0C59-E5EE-0D129DDEEA40}"/>
+              </a:ext>
+            </a:extLst>
+          </p:cNvPr>
+          <p:cNvSpPr txBox="1"/>
+          <p:nvPr/>
+        </p:nvSpPr>
+        <p:spPr>
+          <a:xfrm flipH="1">
+            <a:off x="8344703" y="4369006"/>
+            <a:ext cx="917104" cy="369332"/>
+          </a:xfrm>
+          <a:prstGeom prst="rect">
+            <a:avLst/>
+          </a:prstGeom>
+          <a:noFill/>
+        </p:spPr>
+        <p:txBody>
+          <a:bodyPr wrap="square" rtlCol="0">
+            <a:spAutoFit/>
+          </a:bodyPr>
+          <a:lstStyle/>
+          <a:p>
+            <a:r>
+              <a:rPr lang="en-US" b="1" dirty="0"/>
+              <a:t>Fig 2.3</a:t>
+            </a:r>
+          </a:p>
+        </p:txBody>
+      </p:sp>
+      <p:sp>
+        <p:nvSpPr>
+          <p:cNvPr id="9" name="TextBox 8">
+            <a:extLst>
+              <a:ext uri="{FF2B5EF4-FFF2-40B4-BE49-F238E27FC236}">
+                <a16:creationId xmlns:a16="http://schemas.microsoft.com/office/drawing/2014/main" id="{3F5B5F76-ABED-C073-11A0-4660461B4893}"/>
+              </a:ext>
+            </a:extLst>
+          </p:cNvPr>
+          <p:cNvSpPr txBox="1"/>
+          <p:nvPr/>
+        </p:nvSpPr>
+        <p:spPr>
+          <a:xfrm flipH="1">
+            <a:off x="8503412" y="6537659"/>
+            <a:ext cx="917104" cy="369332"/>
+          </a:xfrm>
+          <a:prstGeom prst="rect">
+            <a:avLst/>
+          </a:prstGeom>
+          <a:noFill/>
+        </p:spPr>
+        <p:txBody>
+          <a:bodyPr wrap="square" rtlCol="0">
+            <a:spAutoFit/>
+          </a:bodyPr>
+          <a:lstStyle/>
+          <a:p>
+            <a:r>
+              <a:rPr lang="en-US" b="1" dirty="0"/>
+              <a:t>Fig 2.4</a:t>
+            </a:r>
+          </a:p>
+        </p:txBody>
+      </p:sp>
+      <p:sp>
+        <p:nvSpPr>
+          <p:cNvPr id="14" name="Slide Number Placeholder 13">
+            <a:extLst>
+              <a:ext uri="{FF2B5EF4-FFF2-40B4-BE49-F238E27FC236}">
+                <a16:creationId xmlns:a16="http://schemas.microsoft.com/office/drawing/2014/main" id="{D7B8D11D-8F78-DA10-9986-ADCD7960B710}"/>
+              </a:ext>
+            </a:extLst>
+          </p:cNvPr>
+          <p:cNvSpPr>
+            <a:spLocks noGrp="1"/>
+          </p:cNvSpPr>
+          <p:nvPr>
+            <p:ph type="sldNum" sz="quarter" idx="12"/>
+          </p:nvPr>
+        </p:nvSpPr>
+        <p:spPr/>
+        <p:txBody>
+          <a:bodyPr/>
+          <a:lstStyle/>
+          <a:p>
+            <a:fld id="{B6F15528-21DE-4FAA-801E-634DDDAF4B2B}" type="slidenum">
+              <a:rPr lang="en-US" smtClean="0"/>
+              <a:pPr/>
+              <a:t>14</a:t>
+            </a:fld>
+            <a:endParaRPr lang="en-US"/>
+          </a:p>
+        </p:txBody>
+      </p:sp>
+      <p:sp>
+        <p:nvSpPr>
+          <p:cNvPr id="15" name="Slide Number Placeholder 18">
+            <a:extLst>
+              <a:ext uri="{FF2B5EF4-FFF2-40B4-BE49-F238E27FC236}">
+                <a16:creationId xmlns:a16="http://schemas.microsoft.com/office/drawing/2014/main" id="{D286587E-C323-0497-562D-43E404304EF4}"/>
+              </a:ext>
+            </a:extLst>
+          </p:cNvPr>
+          <p:cNvSpPr txBox="1">
+            <a:spLocks/>
+          </p:cNvSpPr>
+          <p:nvPr/>
+        </p:nvSpPr>
+        <p:spPr>
+          <a:xfrm>
+            <a:off x="26748" y="6401483"/>
+            <a:ext cx="659052" cy="365125"/>
+          </a:xfrm>
+          <a:prstGeom prst="rect">
+            <a:avLst/>
+          </a:prstGeom>
+        </p:spPr>
+        <p:txBody>
+          <a:bodyPr vert="horz" lIns="91440" tIns="45720" rIns="91440" bIns="45720" rtlCol="0" anchor="ctr"/>
+          <a:lstStyle>
+            <a:defPPr>
+              <a:defRPr lang="en-US"/>
+            </a:defPPr>
+            <a:lvl1pPr marL="0" algn="r" defTabSz="914400" rtl="0" eaLnBrk="1" latinLnBrk="0" hangingPunct="1">
+              <a:defRPr sz="1200" kern="1200">
+                <a:solidFill>
+                  <a:schemeClr val="tx1">
+                    <a:tint val="82000"/>
+                  </a:schemeClr>
+                </a:solidFill>
+                <a:latin typeface="+mn-lt"/>
+                <a:ea typeface="+mn-ea"/>
+                <a:cs typeface="+mn-cs"/>
+              </a:defRPr>
+            </a:lvl1pPr>
+            <a:lvl2pPr marL="457200" algn="l" defTabSz="914400" rtl="0" eaLnBrk="1" latinLnBrk="0" hangingPunct="1">
+              <a:defRPr sz="1800" kern="1200">
+                <a:solidFill>
+                  <a:schemeClr val="tx1"/>
+                </a:solidFill>
+                <a:latin typeface="+mn-lt"/>
+                <a:ea typeface="+mn-ea"/>
+                <a:cs typeface="+mn-cs"/>
+              </a:defRPr>
+            </a:lvl2pPr>
+            <a:lvl3pPr marL="914400" algn="l" defTabSz="914400" rtl="0" eaLnBrk="1" latinLnBrk="0" hangingPunct="1">
+              <a:defRPr sz="1800" kern="1200">
+                <a:solidFill>
+                  <a:schemeClr val="tx1"/>
+                </a:solidFill>
+                <a:latin typeface="+mn-lt"/>
+                <a:ea typeface="+mn-ea"/>
+                <a:cs typeface="+mn-cs"/>
+              </a:defRPr>
+            </a:lvl3pPr>
+            <a:lvl4pPr marL="1371600" algn="l" defTabSz="914400" rtl="0" eaLnBrk="1" latinLnBrk="0" hangingPunct="1">
+              <a:defRPr sz="1800" kern="1200">
+                <a:solidFill>
+                  <a:schemeClr val="tx1"/>
+                </a:solidFill>
+                <a:latin typeface="+mn-lt"/>
+                <a:ea typeface="+mn-ea"/>
+                <a:cs typeface="+mn-cs"/>
+              </a:defRPr>
+            </a:lvl4pPr>
+            <a:lvl5pPr marL="1828800" algn="l" defTabSz="914400" rtl="0" eaLnBrk="1" latinLnBrk="0" hangingPunct="1">
+              <a:defRPr sz="1800" kern="1200">
+                <a:solidFill>
+                  <a:schemeClr val="tx1"/>
+                </a:solidFill>
+                <a:latin typeface="+mn-lt"/>
+                <a:ea typeface="+mn-ea"/>
+                <a:cs typeface="+mn-cs"/>
+              </a:defRPr>
+            </a:lvl5pPr>
+            <a:lvl6pPr marL="2286000" algn="l" defTabSz="914400" rtl="0" eaLnBrk="1" latinLnBrk="0" hangingPunct="1">
+              <a:defRPr sz="1800" kern="1200">
+                <a:solidFill>
+                  <a:schemeClr val="tx1"/>
+                </a:solidFill>
+                <a:latin typeface="+mn-lt"/>
+                <a:ea typeface="+mn-ea"/>
+                <a:cs typeface="+mn-cs"/>
+              </a:defRPr>
+            </a:lvl6pPr>
+            <a:lvl7pPr marL="2743200" algn="l" defTabSz="914400" rtl="0" eaLnBrk="1" latinLnBrk="0" hangingPunct="1">
+              <a:defRPr sz="1800" kern="1200">
+                <a:solidFill>
+                  <a:schemeClr val="tx1"/>
+                </a:solidFill>
+                <a:latin typeface="+mn-lt"/>
+                <a:ea typeface="+mn-ea"/>
+                <a:cs typeface="+mn-cs"/>
+              </a:defRPr>
+            </a:lvl7pPr>
+            <a:lvl8pPr marL="3200400" algn="l" defTabSz="914400" rtl="0" eaLnBrk="1" latinLnBrk="0" hangingPunct="1">
+              <a:defRPr sz="1800" kern="1200">
+                <a:solidFill>
+                  <a:schemeClr val="tx1"/>
+                </a:solidFill>
+                <a:latin typeface="+mn-lt"/>
+                <a:ea typeface="+mn-ea"/>
+                <a:cs typeface="+mn-cs"/>
+              </a:defRPr>
+            </a:lvl8pPr>
+            <a:lvl9pPr marL="3657600" algn="l" defTabSz="914400" rtl="0" eaLnBrk="1" latinLnBrk="0" hangingPunct="1">
+              <a:defRPr sz="1800" kern="1200">
+                <a:solidFill>
+                  <a:schemeClr val="tx1"/>
+                </a:solidFill>
+                <a:latin typeface="+mn-lt"/>
+                <a:ea typeface="+mn-ea"/>
+                <a:cs typeface="+mn-cs"/>
+              </a:defRPr>
+            </a:lvl9pPr>
+          </a:lstStyle>
+          <a:p>
+            <a:fld id="{8F1D01A0-D233-4FA1-8698-D063092A8F39}" type="slidenum">
+              <a:rPr lang="en-US" sz="3200" b="1" smtClean="0"/>
+              <a:pPr/>
+              <a:t>14</a:t>
+            </a:fld>
+            <a:endParaRPr lang="en-US" sz="3200" b="1" dirty="0"/>
+          </a:p>
+        </p:txBody>
+      </p:sp>
     </p:spTree>
   </p:cSld>
   <p:clrMapOvr>
@@ -9968,6 +11127,168 @@
           </p:txBody>
         </p:sp>
       </p:grpSp>
+      <p:sp>
+        <p:nvSpPr>
+          <p:cNvPr id="17" name="Slide Number Placeholder 16">
+            <a:extLst>
+              <a:ext uri="{FF2B5EF4-FFF2-40B4-BE49-F238E27FC236}">
+                <a16:creationId xmlns:a16="http://schemas.microsoft.com/office/drawing/2014/main" id="{B6394979-FE71-7F32-4588-4BF6B1A5BDF6}"/>
+              </a:ext>
+            </a:extLst>
+          </p:cNvPr>
+          <p:cNvSpPr>
+            <a:spLocks noGrp="1"/>
+          </p:cNvSpPr>
+          <p:nvPr>
+            <p:ph type="sldNum" sz="quarter" idx="12"/>
+          </p:nvPr>
+        </p:nvSpPr>
+        <p:spPr/>
+        <p:txBody>
+          <a:bodyPr/>
+          <a:lstStyle/>
+          <a:p>
+            <a:fld id="{B6F15528-21DE-4FAA-801E-634DDDAF4B2B}" type="slidenum">
+              <a:rPr lang="en-US" smtClean="0"/>
+              <a:pPr/>
+              <a:t>15</a:t>
+            </a:fld>
+            <a:endParaRPr lang="en-US"/>
+          </a:p>
+        </p:txBody>
+      </p:sp>
+      <p:sp>
+        <p:nvSpPr>
+          <p:cNvPr id="18" name="Slide Number Placeholder 18">
+            <a:extLst>
+              <a:ext uri="{FF2B5EF4-FFF2-40B4-BE49-F238E27FC236}">
+                <a16:creationId xmlns:a16="http://schemas.microsoft.com/office/drawing/2014/main" id="{5F79E145-C17A-2CE6-036C-D420836BD779}"/>
+              </a:ext>
+            </a:extLst>
+          </p:cNvPr>
+          <p:cNvSpPr txBox="1">
+            <a:spLocks/>
+          </p:cNvSpPr>
+          <p:nvPr/>
+        </p:nvSpPr>
+        <p:spPr>
+          <a:xfrm>
+            <a:off x="26748" y="6401483"/>
+            <a:ext cx="659052" cy="365125"/>
+          </a:xfrm>
+          <a:prstGeom prst="rect">
+            <a:avLst/>
+          </a:prstGeom>
+        </p:spPr>
+        <p:txBody>
+          <a:bodyPr vert="horz" lIns="91440" tIns="45720" rIns="91440" bIns="45720" rtlCol="0" anchor="ctr"/>
+          <a:lstStyle>
+            <a:defPPr>
+              <a:defRPr lang="en-US"/>
+            </a:defPPr>
+            <a:lvl1pPr marL="0" algn="r" defTabSz="914400" rtl="0" eaLnBrk="1" latinLnBrk="0" hangingPunct="1">
+              <a:defRPr sz="1200" kern="1200">
+                <a:solidFill>
+                  <a:schemeClr val="tx1">
+                    <a:tint val="82000"/>
+                  </a:schemeClr>
+                </a:solidFill>
+                <a:latin typeface="+mn-lt"/>
+                <a:ea typeface="+mn-ea"/>
+                <a:cs typeface="+mn-cs"/>
+              </a:defRPr>
+            </a:lvl1pPr>
+            <a:lvl2pPr marL="457200" algn="l" defTabSz="914400" rtl="0" eaLnBrk="1" latinLnBrk="0" hangingPunct="1">
+              <a:defRPr sz="1800" kern="1200">
+                <a:solidFill>
+                  <a:schemeClr val="tx1"/>
+                </a:solidFill>
+                <a:latin typeface="+mn-lt"/>
+                <a:ea typeface="+mn-ea"/>
+                <a:cs typeface="+mn-cs"/>
+              </a:defRPr>
+            </a:lvl2pPr>
+            <a:lvl3pPr marL="914400" algn="l" defTabSz="914400" rtl="0" eaLnBrk="1" latinLnBrk="0" hangingPunct="1">
+              <a:defRPr sz="1800" kern="1200">
+                <a:solidFill>
+                  <a:schemeClr val="tx1"/>
+                </a:solidFill>
+                <a:latin typeface="+mn-lt"/>
+                <a:ea typeface="+mn-ea"/>
+                <a:cs typeface="+mn-cs"/>
+              </a:defRPr>
+            </a:lvl3pPr>
+            <a:lvl4pPr marL="1371600" algn="l" defTabSz="914400" rtl="0" eaLnBrk="1" latinLnBrk="0" hangingPunct="1">
+              <a:defRPr sz="1800" kern="1200">
+                <a:solidFill>
+                  <a:schemeClr val="tx1"/>
+                </a:solidFill>
+                <a:latin typeface="+mn-lt"/>
+                <a:ea typeface="+mn-ea"/>
+                <a:cs typeface="+mn-cs"/>
+              </a:defRPr>
+            </a:lvl4pPr>
+            <a:lvl5pPr marL="1828800" algn="l" defTabSz="914400" rtl="0" eaLnBrk="1" latinLnBrk="0" hangingPunct="1">
+              <a:defRPr sz="1800" kern="1200">
+                <a:solidFill>
+                  <a:schemeClr val="tx1"/>
+                </a:solidFill>
+                <a:latin typeface="+mn-lt"/>
+                <a:ea typeface="+mn-ea"/>
+                <a:cs typeface="+mn-cs"/>
+              </a:defRPr>
+            </a:lvl5pPr>
+            <a:lvl6pPr marL="2286000" algn="l" defTabSz="914400" rtl="0" eaLnBrk="1" latinLnBrk="0" hangingPunct="1">
+              <a:defRPr sz="1800" kern="1200">
+                <a:solidFill>
+                  <a:schemeClr val="tx1"/>
+                </a:solidFill>
+                <a:latin typeface="+mn-lt"/>
+                <a:ea typeface="+mn-ea"/>
+                <a:cs typeface="+mn-cs"/>
+              </a:defRPr>
+            </a:lvl6pPr>
+            <a:lvl7pPr marL="2743200" algn="l" defTabSz="914400" rtl="0" eaLnBrk="1" latinLnBrk="0" hangingPunct="1">
+              <a:defRPr sz="1800" kern="1200">
+                <a:solidFill>
+                  <a:schemeClr val="tx1"/>
+                </a:solidFill>
+                <a:latin typeface="+mn-lt"/>
+                <a:ea typeface="+mn-ea"/>
+                <a:cs typeface="+mn-cs"/>
+              </a:defRPr>
+            </a:lvl7pPr>
+            <a:lvl8pPr marL="3200400" algn="l" defTabSz="914400" rtl="0" eaLnBrk="1" latinLnBrk="0" hangingPunct="1">
+              <a:defRPr sz="1800" kern="1200">
+                <a:solidFill>
+                  <a:schemeClr val="tx1"/>
+                </a:solidFill>
+                <a:latin typeface="+mn-lt"/>
+                <a:ea typeface="+mn-ea"/>
+                <a:cs typeface="+mn-cs"/>
+              </a:defRPr>
+            </a:lvl8pPr>
+            <a:lvl9pPr marL="3657600" algn="l" defTabSz="914400" rtl="0" eaLnBrk="1" latinLnBrk="0" hangingPunct="1">
+              <a:defRPr sz="1800" kern="1200">
+                <a:solidFill>
+                  <a:schemeClr val="tx1"/>
+                </a:solidFill>
+                <a:latin typeface="+mn-lt"/>
+                <a:ea typeface="+mn-ea"/>
+                <a:cs typeface="+mn-cs"/>
+              </a:defRPr>
+            </a:lvl9pPr>
+          </a:lstStyle>
+          <a:p>
+            <a:fld id="{8F1D01A0-D233-4FA1-8698-D063092A8F39}" type="slidenum">
+              <a:rPr lang="en-US" sz="3200" b="1" smtClean="0"/>
+              <a:pPr/>
+              <a:t>15</a:t>
+            </a:fld>
+            <a:endParaRPr lang="en-US" sz="3200" b="1" dirty="0"/>
+          </a:p>
+        </p:txBody>
+      </p:sp>
     </p:spTree>
   </p:cSld>
   <p:clrMapOvr>
@@ -10599,6 +11920,168 @@
           </a:prstGeom>
         </p:spPr>
       </p:pic>
+      <p:sp>
+        <p:nvSpPr>
+          <p:cNvPr id="22" name="Slide Number Placeholder 21">
+            <a:extLst>
+              <a:ext uri="{FF2B5EF4-FFF2-40B4-BE49-F238E27FC236}">
+                <a16:creationId xmlns:a16="http://schemas.microsoft.com/office/drawing/2014/main" id="{60102ADD-5535-12AD-FC19-F974D6B58D6D}"/>
+              </a:ext>
+            </a:extLst>
+          </p:cNvPr>
+          <p:cNvSpPr>
+            <a:spLocks noGrp="1"/>
+          </p:cNvSpPr>
+          <p:nvPr>
+            <p:ph type="sldNum" sz="quarter" idx="12"/>
+          </p:nvPr>
+        </p:nvSpPr>
+        <p:spPr/>
+        <p:txBody>
+          <a:bodyPr/>
+          <a:lstStyle/>
+          <a:p>
+            <a:fld id="{B6F15528-21DE-4FAA-801E-634DDDAF4B2B}" type="slidenum">
+              <a:rPr lang="en-US" smtClean="0"/>
+              <a:pPr/>
+              <a:t>16</a:t>
+            </a:fld>
+            <a:endParaRPr lang="en-US"/>
+          </a:p>
+        </p:txBody>
+      </p:sp>
+      <p:sp>
+        <p:nvSpPr>
+          <p:cNvPr id="23" name="Slide Number Placeholder 18">
+            <a:extLst>
+              <a:ext uri="{FF2B5EF4-FFF2-40B4-BE49-F238E27FC236}">
+                <a16:creationId xmlns:a16="http://schemas.microsoft.com/office/drawing/2014/main" id="{CB152C73-6705-C0C7-932F-A5329CE029E5}"/>
+              </a:ext>
+            </a:extLst>
+          </p:cNvPr>
+          <p:cNvSpPr txBox="1">
+            <a:spLocks/>
+          </p:cNvSpPr>
+          <p:nvPr/>
+        </p:nvSpPr>
+        <p:spPr>
+          <a:xfrm>
+            <a:off x="26748" y="6401483"/>
+            <a:ext cx="659052" cy="365125"/>
+          </a:xfrm>
+          <a:prstGeom prst="rect">
+            <a:avLst/>
+          </a:prstGeom>
+        </p:spPr>
+        <p:txBody>
+          <a:bodyPr vert="horz" lIns="91440" tIns="45720" rIns="91440" bIns="45720" rtlCol="0" anchor="ctr"/>
+          <a:lstStyle>
+            <a:defPPr>
+              <a:defRPr lang="en-US"/>
+            </a:defPPr>
+            <a:lvl1pPr marL="0" algn="r" defTabSz="914400" rtl="0" eaLnBrk="1" latinLnBrk="0" hangingPunct="1">
+              <a:defRPr sz="1200" kern="1200">
+                <a:solidFill>
+                  <a:schemeClr val="tx1">
+                    <a:tint val="82000"/>
+                  </a:schemeClr>
+                </a:solidFill>
+                <a:latin typeface="+mn-lt"/>
+                <a:ea typeface="+mn-ea"/>
+                <a:cs typeface="+mn-cs"/>
+              </a:defRPr>
+            </a:lvl1pPr>
+            <a:lvl2pPr marL="457200" algn="l" defTabSz="914400" rtl="0" eaLnBrk="1" latinLnBrk="0" hangingPunct="1">
+              <a:defRPr sz="1800" kern="1200">
+                <a:solidFill>
+                  <a:schemeClr val="tx1"/>
+                </a:solidFill>
+                <a:latin typeface="+mn-lt"/>
+                <a:ea typeface="+mn-ea"/>
+                <a:cs typeface="+mn-cs"/>
+              </a:defRPr>
+            </a:lvl2pPr>
+            <a:lvl3pPr marL="914400" algn="l" defTabSz="914400" rtl="0" eaLnBrk="1" latinLnBrk="0" hangingPunct="1">
+              <a:defRPr sz="1800" kern="1200">
+                <a:solidFill>
+                  <a:schemeClr val="tx1"/>
+                </a:solidFill>
+                <a:latin typeface="+mn-lt"/>
+                <a:ea typeface="+mn-ea"/>
+                <a:cs typeface="+mn-cs"/>
+              </a:defRPr>
+            </a:lvl3pPr>
+            <a:lvl4pPr marL="1371600" algn="l" defTabSz="914400" rtl="0" eaLnBrk="1" latinLnBrk="0" hangingPunct="1">
+              <a:defRPr sz="1800" kern="1200">
+                <a:solidFill>
+                  <a:schemeClr val="tx1"/>
+                </a:solidFill>
+                <a:latin typeface="+mn-lt"/>
+                <a:ea typeface="+mn-ea"/>
+                <a:cs typeface="+mn-cs"/>
+              </a:defRPr>
+            </a:lvl4pPr>
+            <a:lvl5pPr marL="1828800" algn="l" defTabSz="914400" rtl="0" eaLnBrk="1" latinLnBrk="0" hangingPunct="1">
+              <a:defRPr sz="1800" kern="1200">
+                <a:solidFill>
+                  <a:schemeClr val="tx1"/>
+                </a:solidFill>
+                <a:latin typeface="+mn-lt"/>
+                <a:ea typeface="+mn-ea"/>
+                <a:cs typeface="+mn-cs"/>
+              </a:defRPr>
+            </a:lvl5pPr>
+            <a:lvl6pPr marL="2286000" algn="l" defTabSz="914400" rtl="0" eaLnBrk="1" latinLnBrk="0" hangingPunct="1">
+              <a:defRPr sz="1800" kern="1200">
+                <a:solidFill>
+                  <a:schemeClr val="tx1"/>
+                </a:solidFill>
+                <a:latin typeface="+mn-lt"/>
+                <a:ea typeface="+mn-ea"/>
+                <a:cs typeface="+mn-cs"/>
+              </a:defRPr>
+            </a:lvl6pPr>
+            <a:lvl7pPr marL="2743200" algn="l" defTabSz="914400" rtl="0" eaLnBrk="1" latinLnBrk="0" hangingPunct="1">
+              <a:defRPr sz="1800" kern="1200">
+                <a:solidFill>
+                  <a:schemeClr val="tx1"/>
+                </a:solidFill>
+                <a:latin typeface="+mn-lt"/>
+                <a:ea typeface="+mn-ea"/>
+                <a:cs typeface="+mn-cs"/>
+              </a:defRPr>
+            </a:lvl7pPr>
+            <a:lvl8pPr marL="3200400" algn="l" defTabSz="914400" rtl="0" eaLnBrk="1" latinLnBrk="0" hangingPunct="1">
+              <a:defRPr sz="1800" kern="1200">
+                <a:solidFill>
+                  <a:schemeClr val="tx1"/>
+                </a:solidFill>
+                <a:latin typeface="+mn-lt"/>
+                <a:ea typeface="+mn-ea"/>
+                <a:cs typeface="+mn-cs"/>
+              </a:defRPr>
+            </a:lvl8pPr>
+            <a:lvl9pPr marL="3657600" algn="l" defTabSz="914400" rtl="0" eaLnBrk="1" latinLnBrk="0" hangingPunct="1">
+              <a:defRPr sz="1800" kern="1200">
+                <a:solidFill>
+                  <a:schemeClr val="tx1"/>
+                </a:solidFill>
+                <a:latin typeface="+mn-lt"/>
+                <a:ea typeface="+mn-ea"/>
+                <a:cs typeface="+mn-cs"/>
+              </a:defRPr>
+            </a:lvl9pPr>
+          </a:lstStyle>
+          <a:p>
+            <a:fld id="{8F1D01A0-D233-4FA1-8698-D063092A8F39}" type="slidenum">
+              <a:rPr lang="en-US" sz="3200" b="1" smtClean="0"/>
+              <a:pPr/>
+              <a:t>16</a:t>
+            </a:fld>
+            <a:endParaRPr lang="en-US" sz="3200" b="1" dirty="0"/>
+          </a:p>
+        </p:txBody>
+      </p:sp>
     </p:spTree>
   </p:cSld>
   <p:clrMapOvr>
@@ -10866,6 +12349,203 @@
           </a:prstGeom>
         </p:spPr>
       </p:pic>
+      <p:sp>
+        <p:nvSpPr>
+          <p:cNvPr id="6" name="TextBox 5">
+            <a:extLst>
+              <a:ext uri="{FF2B5EF4-FFF2-40B4-BE49-F238E27FC236}">
+                <a16:creationId xmlns:a16="http://schemas.microsoft.com/office/drawing/2014/main" id="{DFBA2C5E-58FC-A7C6-EE82-9805A47072A9}"/>
+              </a:ext>
+            </a:extLst>
+          </p:cNvPr>
+          <p:cNvSpPr txBox="1"/>
+          <p:nvPr/>
+        </p:nvSpPr>
+        <p:spPr>
+          <a:xfrm flipH="1">
+            <a:off x="4001891" y="5342998"/>
+            <a:ext cx="917104" cy="369332"/>
+          </a:xfrm>
+          <a:prstGeom prst="rect">
+            <a:avLst/>
+          </a:prstGeom>
+          <a:noFill/>
+        </p:spPr>
+        <p:txBody>
+          <a:bodyPr wrap="square" rtlCol="0">
+            <a:spAutoFit/>
+          </a:bodyPr>
+          <a:lstStyle/>
+          <a:p>
+            <a:r>
+              <a:rPr lang="en-US" b="1" dirty="0"/>
+              <a:t>Fig 2.5</a:t>
+            </a:r>
+          </a:p>
+        </p:txBody>
+      </p:sp>
+      <p:sp>
+        <p:nvSpPr>
+          <p:cNvPr id="10" name="Slide Number Placeholder 9">
+            <a:extLst>
+              <a:ext uri="{FF2B5EF4-FFF2-40B4-BE49-F238E27FC236}">
+                <a16:creationId xmlns:a16="http://schemas.microsoft.com/office/drawing/2014/main" id="{4C91106C-50B8-0672-58F6-BEABB36F2287}"/>
+              </a:ext>
+            </a:extLst>
+          </p:cNvPr>
+          <p:cNvSpPr>
+            <a:spLocks noGrp="1"/>
+          </p:cNvSpPr>
+          <p:nvPr>
+            <p:ph type="sldNum" sz="quarter" idx="12"/>
+          </p:nvPr>
+        </p:nvSpPr>
+        <p:spPr/>
+        <p:txBody>
+          <a:bodyPr/>
+          <a:lstStyle/>
+          <a:p>
+            <a:fld id="{B6F15528-21DE-4FAA-801E-634DDDAF4B2B}" type="slidenum">
+              <a:rPr lang="en-US" smtClean="0"/>
+              <a:pPr/>
+              <a:t>17</a:t>
+            </a:fld>
+            <a:endParaRPr lang="en-US"/>
+          </a:p>
+        </p:txBody>
+      </p:sp>
+      <p:sp>
+        <p:nvSpPr>
+          <p:cNvPr id="11" name="Slide Number Placeholder 18">
+            <a:extLst>
+              <a:ext uri="{FF2B5EF4-FFF2-40B4-BE49-F238E27FC236}">
+                <a16:creationId xmlns:a16="http://schemas.microsoft.com/office/drawing/2014/main" id="{A0F2D4E9-B964-DCF5-C9F2-6A0C511F758B}"/>
+              </a:ext>
+            </a:extLst>
+          </p:cNvPr>
+          <p:cNvSpPr txBox="1">
+            <a:spLocks/>
+          </p:cNvSpPr>
+          <p:nvPr/>
+        </p:nvSpPr>
+        <p:spPr>
+          <a:xfrm>
+            <a:off x="26748" y="6401483"/>
+            <a:ext cx="659052" cy="365125"/>
+          </a:xfrm>
+          <a:prstGeom prst="rect">
+            <a:avLst/>
+          </a:prstGeom>
+        </p:spPr>
+        <p:txBody>
+          <a:bodyPr vert="horz" lIns="91440" tIns="45720" rIns="91440" bIns="45720" rtlCol="0" anchor="ctr"/>
+          <a:lstStyle>
+            <a:defPPr>
+              <a:defRPr lang="en-US"/>
+            </a:defPPr>
+            <a:lvl1pPr marL="0" algn="r" defTabSz="914400" rtl="0" eaLnBrk="1" latinLnBrk="0" hangingPunct="1">
+              <a:defRPr sz="1200" kern="1200">
+                <a:solidFill>
+                  <a:schemeClr val="tx1">
+                    <a:tint val="82000"/>
+                  </a:schemeClr>
+                </a:solidFill>
+                <a:latin typeface="+mn-lt"/>
+                <a:ea typeface="+mn-ea"/>
+                <a:cs typeface="+mn-cs"/>
+              </a:defRPr>
+            </a:lvl1pPr>
+            <a:lvl2pPr marL="457200" algn="l" defTabSz="914400" rtl="0" eaLnBrk="1" latinLnBrk="0" hangingPunct="1">
+              <a:defRPr sz="1800" kern="1200">
+                <a:solidFill>
+                  <a:schemeClr val="tx1"/>
+                </a:solidFill>
+                <a:latin typeface="+mn-lt"/>
+                <a:ea typeface="+mn-ea"/>
+                <a:cs typeface="+mn-cs"/>
+              </a:defRPr>
+            </a:lvl2pPr>
+            <a:lvl3pPr marL="914400" algn="l" defTabSz="914400" rtl="0" eaLnBrk="1" latinLnBrk="0" hangingPunct="1">
+              <a:defRPr sz="1800" kern="1200">
+                <a:solidFill>
+                  <a:schemeClr val="tx1"/>
+                </a:solidFill>
+                <a:latin typeface="+mn-lt"/>
+                <a:ea typeface="+mn-ea"/>
+                <a:cs typeface="+mn-cs"/>
+              </a:defRPr>
+            </a:lvl3pPr>
+            <a:lvl4pPr marL="1371600" algn="l" defTabSz="914400" rtl="0" eaLnBrk="1" latinLnBrk="0" hangingPunct="1">
+              <a:defRPr sz="1800" kern="1200">
+                <a:solidFill>
+                  <a:schemeClr val="tx1"/>
+                </a:solidFill>
+                <a:latin typeface="+mn-lt"/>
+                <a:ea typeface="+mn-ea"/>
+                <a:cs typeface="+mn-cs"/>
+              </a:defRPr>
+            </a:lvl4pPr>
+            <a:lvl5pPr marL="1828800" algn="l" defTabSz="914400" rtl="0" eaLnBrk="1" latinLnBrk="0" hangingPunct="1">
+              <a:defRPr sz="1800" kern="1200">
+                <a:solidFill>
+                  <a:schemeClr val="tx1"/>
+                </a:solidFill>
+                <a:latin typeface="+mn-lt"/>
+                <a:ea typeface="+mn-ea"/>
+                <a:cs typeface="+mn-cs"/>
+              </a:defRPr>
+            </a:lvl5pPr>
+            <a:lvl6pPr marL="2286000" algn="l" defTabSz="914400" rtl="0" eaLnBrk="1" latinLnBrk="0" hangingPunct="1">
+              <a:defRPr sz="1800" kern="1200">
+                <a:solidFill>
+                  <a:schemeClr val="tx1"/>
+                </a:solidFill>
+                <a:latin typeface="+mn-lt"/>
+                <a:ea typeface="+mn-ea"/>
+                <a:cs typeface="+mn-cs"/>
+              </a:defRPr>
+            </a:lvl6pPr>
+            <a:lvl7pPr marL="2743200" algn="l" defTabSz="914400" rtl="0" eaLnBrk="1" latinLnBrk="0" hangingPunct="1">
+              <a:defRPr sz="1800" kern="1200">
+                <a:solidFill>
+                  <a:schemeClr val="tx1"/>
+                </a:solidFill>
+                <a:latin typeface="+mn-lt"/>
+                <a:ea typeface="+mn-ea"/>
+                <a:cs typeface="+mn-cs"/>
+              </a:defRPr>
+            </a:lvl7pPr>
+            <a:lvl8pPr marL="3200400" algn="l" defTabSz="914400" rtl="0" eaLnBrk="1" latinLnBrk="0" hangingPunct="1">
+              <a:defRPr sz="1800" kern="1200">
+                <a:solidFill>
+                  <a:schemeClr val="tx1"/>
+                </a:solidFill>
+                <a:latin typeface="+mn-lt"/>
+                <a:ea typeface="+mn-ea"/>
+                <a:cs typeface="+mn-cs"/>
+              </a:defRPr>
+            </a:lvl8pPr>
+            <a:lvl9pPr marL="3657600" algn="l" defTabSz="914400" rtl="0" eaLnBrk="1" latinLnBrk="0" hangingPunct="1">
+              <a:defRPr sz="1800" kern="1200">
+                <a:solidFill>
+                  <a:schemeClr val="tx1"/>
+                </a:solidFill>
+                <a:latin typeface="+mn-lt"/>
+                <a:ea typeface="+mn-ea"/>
+                <a:cs typeface="+mn-cs"/>
+              </a:defRPr>
+            </a:lvl9pPr>
+          </a:lstStyle>
+          <a:p>
+            <a:fld id="{8F1D01A0-D233-4FA1-8698-D063092A8F39}" type="slidenum">
+              <a:rPr lang="en-US" sz="3200" b="1" smtClean="0"/>
+              <a:pPr/>
+              <a:t>17</a:t>
+            </a:fld>
+            <a:endParaRPr lang="en-US" sz="3200" b="1" dirty="0"/>
+          </a:p>
+        </p:txBody>
+      </p:sp>
     </p:spTree>
   </p:cSld>
   <p:clrMapOvr>
@@ -10961,6 +12641,138 @@
               <a:rPr lang="en-US" dirty="0"/>
               <a:t>I will now hand over to 2207009, who will explain the next steps of the project.</a:t>
             </a:r>
+          </a:p>
+        </p:txBody>
+      </p:sp>
+      <p:sp>
+        <p:nvSpPr>
+          <p:cNvPr id="7" name="Slide Number Placeholder 18">
+            <a:extLst>
+              <a:ext uri="{FF2B5EF4-FFF2-40B4-BE49-F238E27FC236}">
+                <a16:creationId xmlns:a16="http://schemas.microsoft.com/office/drawing/2014/main" id="{40E9A4BF-FA70-05FB-DF9E-BDC3666F0C79}"/>
+              </a:ext>
+            </a:extLst>
+          </p:cNvPr>
+          <p:cNvSpPr txBox="1">
+            <a:spLocks/>
+          </p:cNvSpPr>
+          <p:nvPr/>
+        </p:nvSpPr>
+        <p:spPr>
+          <a:xfrm>
+            <a:off x="26748" y="6401483"/>
+            <a:ext cx="659052" cy="365125"/>
+          </a:xfrm>
+          <a:prstGeom prst="rect">
+            <a:avLst/>
+          </a:prstGeom>
+        </p:spPr>
+        <p:txBody>
+          <a:bodyPr vert="horz" lIns="91440" tIns="45720" rIns="91440" bIns="45720" rtlCol="0" anchor="ctr"/>
+          <a:lstStyle>
+            <a:defPPr>
+              <a:defRPr lang="en-US"/>
+            </a:defPPr>
+            <a:lvl1pPr marL="0" algn="r" defTabSz="914400" rtl="0" eaLnBrk="1" latinLnBrk="0" hangingPunct="1">
+              <a:defRPr sz="1200" kern="1200">
+                <a:solidFill>
+                  <a:schemeClr val="tx1">
+                    <a:tint val="82000"/>
+                  </a:schemeClr>
+                </a:solidFill>
+                <a:latin typeface="+mn-lt"/>
+                <a:ea typeface="+mn-ea"/>
+                <a:cs typeface="+mn-cs"/>
+              </a:defRPr>
+            </a:lvl1pPr>
+            <a:lvl2pPr marL="457200" algn="l" defTabSz="914400" rtl="0" eaLnBrk="1" latinLnBrk="0" hangingPunct="1">
+              <a:defRPr sz="1800" kern="1200">
+                <a:solidFill>
+                  <a:schemeClr val="tx1"/>
+                </a:solidFill>
+                <a:latin typeface="+mn-lt"/>
+                <a:ea typeface="+mn-ea"/>
+                <a:cs typeface="+mn-cs"/>
+              </a:defRPr>
+            </a:lvl2pPr>
+            <a:lvl3pPr marL="914400" algn="l" defTabSz="914400" rtl="0" eaLnBrk="1" latinLnBrk="0" hangingPunct="1">
+              <a:defRPr sz="1800" kern="1200">
+                <a:solidFill>
+                  <a:schemeClr val="tx1"/>
+                </a:solidFill>
+                <a:latin typeface="+mn-lt"/>
+                <a:ea typeface="+mn-ea"/>
+                <a:cs typeface="+mn-cs"/>
+              </a:defRPr>
+            </a:lvl3pPr>
+            <a:lvl4pPr marL="1371600" algn="l" defTabSz="914400" rtl="0" eaLnBrk="1" latinLnBrk="0" hangingPunct="1">
+              <a:defRPr sz="1800" kern="1200">
+                <a:solidFill>
+                  <a:schemeClr val="tx1"/>
+                </a:solidFill>
+                <a:latin typeface="+mn-lt"/>
+                <a:ea typeface="+mn-ea"/>
+                <a:cs typeface="+mn-cs"/>
+              </a:defRPr>
+            </a:lvl4pPr>
+            <a:lvl5pPr marL="1828800" algn="l" defTabSz="914400" rtl="0" eaLnBrk="1" latinLnBrk="0" hangingPunct="1">
+              <a:defRPr sz="1800" kern="1200">
+                <a:solidFill>
+                  <a:schemeClr val="tx1"/>
+                </a:solidFill>
+                <a:latin typeface="+mn-lt"/>
+                <a:ea typeface="+mn-ea"/>
+                <a:cs typeface="+mn-cs"/>
+              </a:defRPr>
+            </a:lvl5pPr>
+            <a:lvl6pPr marL="2286000" algn="l" defTabSz="914400" rtl="0" eaLnBrk="1" latinLnBrk="0" hangingPunct="1">
+              <a:defRPr sz="1800" kern="1200">
+                <a:solidFill>
+                  <a:schemeClr val="tx1"/>
+                </a:solidFill>
+                <a:latin typeface="+mn-lt"/>
+                <a:ea typeface="+mn-ea"/>
+                <a:cs typeface="+mn-cs"/>
+              </a:defRPr>
+            </a:lvl6pPr>
+            <a:lvl7pPr marL="2743200" algn="l" defTabSz="914400" rtl="0" eaLnBrk="1" latinLnBrk="0" hangingPunct="1">
+              <a:defRPr sz="1800" kern="1200">
+                <a:solidFill>
+                  <a:schemeClr val="tx1"/>
+                </a:solidFill>
+                <a:latin typeface="+mn-lt"/>
+                <a:ea typeface="+mn-ea"/>
+                <a:cs typeface="+mn-cs"/>
+              </a:defRPr>
+            </a:lvl7pPr>
+            <a:lvl8pPr marL="3200400" algn="l" defTabSz="914400" rtl="0" eaLnBrk="1" latinLnBrk="0" hangingPunct="1">
+              <a:defRPr sz="1800" kern="1200">
+                <a:solidFill>
+                  <a:schemeClr val="tx1"/>
+                </a:solidFill>
+                <a:latin typeface="+mn-lt"/>
+                <a:ea typeface="+mn-ea"/>
+                <a:cs typeface="+mn-cs"/>
+              </a:defRPr>
+            </a:lvl8pPr>
+            <a:lvl9pPr marL="3657600" algn="l" defTabSz="914400" rtl="0" eaLnBrk="1" latinLnBrk="0" hangingPunct="1">
+              <a:defRPr sz="1800" kern="1200">
+                <a:solidFill>
+                  <a:schemeClr val="tx1"/>
+                </a:solidFill>
+                <a:latin typeface="+mn-lt"/>
+                <a:ea typeface="+mn-ea"/>
+                <a:cs typeface="+mn-cs"/>
+              </a:defRPr>
+            </a:lvl9pPr>
+          </a:lstStyle>
+          <a:p>
+            <a:fld id="{8F1D01A0-D233-4FA1-8698-D063092A8F39}" type="slidenum">
+              <a:rPr lang="en-US" sz="3200" b="1" smtClean="0"/>
+              <a:pPr/>
+              <a:t>18</a:t>
+            </a:fld>
+            <a:endParaRPr lang="en-US" sz="3200" b="1" dirty="0"/>
           </a:p>
         </p:txBody>
       </p:sp>
@@ -11198,7 +13010,7 @@
                   <a:cs typeface="HK Grotesk"/>
                   <a:sym typeface="HK Grotesk"/>
                 </a:rPr>
-                <a:t>Role: Implementation &amp; README.md template</a:t>
+                <a:t>Role: Implementation &amp; created README.md template</a:t>
               </a:r>
             </a:p>
           </p:txBody>
@@ -11251,6 +13063,138 @@
           </p:txBody>
         </p:sp>
       </p:grpSp>
+      <p:sp>
+        <p:nvSpPr>
+          <p:cNvPr id="6" name="Slide Number Placeholder 18">
+            <a:extLst>
+              <a:ext uri="{FF2B5EF4-FFF2-40B4-BE49-F238E27FC236}">
+                <a16:creationId xmlns:a16="http://schemas.microsoft.com/office/drawing/2014/main" id="{2DD90CEF-6551-B54D-A776-AEE356C20DCE}"/>
+              </a:ext>
+            </a:extLst>
+          </p:cNvPr>
+          <p:cNvSpPr txBox="1">
+            <a:spLocks/>
+          </p:cNvSpPr>
+          <p:nvPr/>
+        </p:nvSpPr>
+        <p:spPr>
+          <a:xfrm>
+            <a:off x="26748" y="6401483"/>
+            <a:ext cx="659052" cy="365125"/>
+          </a:xfrm>
+          <a:prstGeom prst="rect">
+            <a:avLst/>
+          </a:prstGeom>
+        </p:spPr>
+        <p:txBody>
+          <a:bodyPr vert="horz" lIns="91440" tIns="45720" rIns="91440" bIns="45720" rtlCol="0" anchor="ctr"/>
+          <a:lstStyle>
+            <a:defPPr>
+              <a:defRPr lang="en-US"/>
+            </a:defPPr>
+            <a:lvl1pPr marL="0" algn="r" defTabSz="914400" rtl="0" eaLnBrk="1" latinLnBrk="0" hangingPunct="1">
+              <a:defRPr sz="1200" kern="1200">
+                <a:solidFill>
+                  <a:schemeClr val="tx1">
+                    <a:tint val="82000"/>
+                  </a:schemeClr>
+                </a:solidFill>
+                <a:latin typeface="+mn-lt"/>
+                <a:ea typeface="+mn-ea"/>
+                <a:cs typeface="+mn-cs"/>
+              </a:defRPr>
+            </a:lvl1pPr>
+            <a:lvl2pPr marL="457200" algn="l" defTabSz="914400" rtl="0" eaLnBrk="1" latinLnBrk="0" hangingPunct="1">
+              <a:defRPr sz="1800" kern="1200">
+                <a:solidFill>
+                  <a:schemeClr val="tx1"/>
+                </a:solidFill>
+                <a:latin typeface="+mn-lt"/>
+                <a:ea typeface="+mn-ea"/>
+                <a:cs typeface="+mn-cs"/>
+              </a:defRPr>
+            </a:lvl2pPr>
+            <a:lvl3pPr marL="914400" algn="l" defTabSz="914400" rtl="0" eaLnBrk="1" latinLnBrk="0" hangingPunct="1">
+              <a:defRPr sz="1800" kern="1200">
+                <a:solidFill>
+                  <a:schemeClr val="tx1"/>
+                </a:solidFill>
+                <a:latin typeface="+mn-lt"/>
+                <a:ea typeface="+mn-ea"/>
+                <a:cs typeface="+mn-cs"/>
+              </a:defRPr>
+            </a:lvl3pPr>
+            <a:lvl4pPr marL="1371600" algn="l" defTabSz="914400" rtl="0" eaLnBrk="1" latinLnBrk="0" hangingPunct="1">
+              <a:defRPr sz="1800" kern="1200">
+                <a:solidFill>
+                  <a:schemeClr val="tx1"/>
+                </a:solidFill>
+                <a:latin typeface="+mn-lt"/>
+                <a:ea typeface="+mn-ea"/>
+                <a:cs typeface="+mn-cs"/>
+              </a:defRPr>
+            </a:lvl4pPr>
+            <a:lvl5pPr marL="1828800" algn="l" defTabSz="914400" rtl="0" eaLnBrk="1" latinLnBrk="0" hangingPunct="1">
+              <a:defRPr sz="1800" kern="1200">
+                <a:solidFill>
+                  <a:schemeClr val="tx1"/>
+                </a:solidFill>
+                <a:latin typeface="+mn-lt"/>
+                <a:ea typeface="+mn-ea"/>
+                <a:cs typeface="+mn-cs"/>
+              </a:defRPr>
+            </a:lvl5pPr>
+            <a:lvl6pPr marL="2286000" algn="l" defTabSz="914400" rtl="0" eaLnBrk="1" latinLnBrk="0" hangingPunct="1">
+              <a:defRPr sz="1800" kern="1200">
+                <a:solidFill>
+                  <a:schemeClr val="tx1"/>
+                </a:solidFill>
+                <a:latin typeface="+mn-lt"/>
+                <a:ea typeface="+mn-ea"/>
+                <a:cs typeface="+mn-cs"/>
+              </a:defRPr>
+            </a:lvl6pPr>
+            <a:lvl7pPr marL="2743200" algn="l" defTabSz="914400" rtl="0" eaLnBrk="1" latinLnBrk="0" hangingPunct="1">
+              <a:defRPr sz="1800" kern="1200">
+                <a:solidFill>
+                  <a:schemeClr val="tx1"/>
+                </a:solidFill>
+                <a:latin typeface="+mn-lt"/>
+                <a:ea typeface="+mn-ea"/>
+                <a:cs typeface="+mn-cs"/>
+              </a:defRPr>
+            </a:lvl7pPr>
+            <a:lvl8pPr marL="3200400" algn="l" defTabSz="914400" rtl="0" eaLnBrk="1" latinLnBrk="0" hangingPunct="1">
+              <a:defRPr sz="1800" kern="1200">
+                <a:solidFill>
+                  <a:schemeClr val="tx1"/>
+                </a:solidFill>
+                <a:latin typeface="+mn-lt"/>
+                <a:ea typeface="+mn-ea"/>
+                <a:cs typeface="+mn-cs"/>
+              </a:defRPr>
+            </a:lvl8pPr>
+            <a:lvl9pPr marL="3657600" algn="l" defTabSz="914400" rtl="0" eaLnBrk="1" latinLnBrk="0" hangingPunct="1">
+              <a:defRPr sz="1800" kern="1200">
+                <a:solidFill>
+                  <a:schemeClr val="tx1"/>
+                </a:solidFill>
+                <a:latin typeface="+mn-lt"/>
+                <a:ea typeface="+mn-ea"/>
+                <a:cs typeface="+mn-cs"/>
+              </a:defRPr>
+            </a:lvl9pPr>
+          </a:lstStyle>
+          <a:p>
+            <a:fld id="{8F1D01A0-D233-4FA1-8698-D063092A8F39}" type="slidenum">
+              <a:rPr lang="en-US" sz="3200" b="1" smtClean="0"/>
+              <a:pPr/>
+              <a:t>19</a:t>
+            </a:fld>
+            <a:endParaRPr lang="en-US" sz="3200" b="1" dirty="0"/>
+          </a:p>
+        </p:txBody>
+      </p:sp>
     </p:spTree>
     <p:extLst>
       <p:ext uri="{BB962C8B-B14F-4D97-AF65-F5344CB8AC3E}">
@@ -11538,6 +13482,138 @@
           </p:txBody>
         </p:sp>
       </p:grpSp>
+      <p:sp>
+        <p:nvSpPr>
+          <p:cNvPr id="10" name="Slide Number Placeholder 18">
+            <a:extLst>
+              <a:ext uri="{FF2B5EF4-FFF2-40B4-BE49-F238E27FC236}">
+                <a16:creationId xmlns:a16="http://schemas.microsoft.com/office/drawing/2014/main" id="{5F7AD10F-BC21-27A7-BE8C-9EAF9A89F945}"/>
+              </a:ext>
+            </a:extLst>
+          </p:cNvPr>
+          <p:cNvSpPr txBox="1">
+            <a:spLocks/>
+          </p:cNvSpPr>
+          <p:nvPr/>
+        </p:nvSpPr>
+        <p:spPr>
+          <a:xfrm>
+            <a:off x="26748" y="6401483"/>
+            <a:ext cx="405421" cy="365125"/>
+          </a:xfrm>
+          <a:prstGeom prst="rect">
+            <a:avLst/>
+          </a:prstGeom>
+        </p:spPr>
+        <p:txBody>
+          <a:bodyPr vert="horz" lIns="91440" tIns="45720" rIns="91440" bIns="45720" rtlCol="0" anchor="ctr"/>
+          <a:lstStyle>
+            <a:defPPr>
+              <a:defRPr lang="en-US"/>
+            </a:defPPr>
+            <a:lvl1pPr marL="0" algn="r" defTabSz="914400" rtl="0" eaLnBrk="1" latinLnBrk="0" hangingPunct="1">
+              <a:defRPr sz="1200" kern="1200">
+                <a:solidFill>
+                  <a:schemeClr val="tx1">
+                    <a:tint val="82000"/>
+                  </a:schemeClr>
+                </a:solidFill>
+                <a:latin typeface="+mn-lt"/>
+                <a:ea typeface="+mn-ea"/>
+                <a:cs typeface="+mn-cs"/>
+              </a:defRPr>
+            </a:lvl1pPr>
+            <a:lvl2pPr marL="457200" algn="l" defTabSz="914400" rtl="0" eaLnBrk="1" latinLnBrk="0" hangingPunct="1">
+              <a:defRPr sz="1800" kern="1200">
+                <a:solidFill>
+                  <a:schemeClr val="tx1"/>
+                </a:solidFill>
+                <a:latin typeface="+mn-lt"/>
+                <a:ea typeface="+mn-ea"/>
+                <a:cs typeface="+mn-cs"/>
+              </a:defRPr>
+            </a:lvl2pPr>
+            <a:lvl3pPr marL="914400" algn="l" defTabSz="914400" rtl="0" eaLnBrk="1" latinLnBrk="0" hangingPunct="1">
+              <a:defRPr sz="1800" kern="1200">
+                <a:solidFill>
+                  <a:schemeClr val="tx1"/>
+                </a:solidFill>
+                <a:latin typeface="+mn-lt"/>
+                <a:ea typeface="+mn-ea"/>
+                <a:cs typeface="+mn-cs"/>
+              </a:defRPr>
+            </a:lvl3pPr>
+            <a:lvl4pPr marL="1371600" algn="l" defTabSz="914400" rtl="0" eaLnBrk="1" latinLnBrk="0" hangingPunct="1">
+              <a:defRPr sz="1800" kern="1200">
+                <a:solidFill>
+                  <a:schemeClr val="tx1"/>
+                </a:solidFill>
+                <a:latin typeface="+mn-lt"/>
+                <a:ea typeface="+mn-ea"/>
+                <a:cs typeface="+mn-cs"/>
+              </a:defRPr>
+            </a:lvl4pPr>
+            <a:lvl5pPr marL="1828800" algn="l" defTabSz="914400" rtl="0" eaLnBrk="1" latinLnBrk="0" hangingPunct="1">
+              <a:defRPr sz="1800" kern="1200">
+                <a:solidFill>
+                  <a:schemeClr val="tx1"/>
+                </a:solidFill>
+                <a:latin typeface="+mn-lt"/>
+                <a:ea typeface="+mn-ea"/>
+                <a:cs typeface="+mn-cs"/>
+              </a:defRPr>
+            </a:lvl5pPr>
+            <a:lvl6pPr marL="2286000" algn="l" defTabSz="914400" rtl="0" eaLnBrk="1" latinLnBrk="0" hangingPunct="1">
+              <a:defRPr sz="1800" kern="1200">
+                <a:solidFill>
+                  <a:schemeClr val="tx1"/>
+                </a:solidFill>
+                <a:latin typeface="+mn-lt"/>
+                <a:ea typeface="+mn-ea"/>
+                <a:cs typeface="+mn-cs"/>
+              </a:defRPr>
+            </a:lvl6pPr>
+            <a:lvl7pPr marL="2743200" algn="l" defTabSz="914400" rtl="0" eaLnBrk="1" latinLnBrk="0" hangingPunct="1">
+              <a:defRPr sz="1800" kern="1200">
+                <a:solidFill>
+                  <a:schemeClr val="tx1"/>
+                </a:solidFill>
+                <a:latin typeface="+mn-lt"/>
+                <a:ea typeface="+mn-ea"/>
+                <a:cs typeface="+mn-cs"/>
+              </a:defRPr>
+            </a:lvl7pPr>
+            <a:lvl8pPr marL="3200400" algn="l" defTabSz="914400" rtl="0" eaLnBrk="1" latinLnBrk="0" hangingPunct="1">
+              <a:defRPr sz="1800" kern="1200">
+                <a:solidFill>
+                  <a:schemeClr val="tx1"/>
+                </a:solidFill>
+                <a:latin typeface="+mn-lt"/>
+                <a:ea typeface="+mn-ea"/>
+                <a:cs typeface="+mn-cs"/>
+              </a:defRPr>
+            </a:lvl8pPr>
+            <a:lvl9pPr marL="3657600" algn="l" defTabSz="914400" rtl="0" eaLnBrk="1" latinLnBrk="0" hangingPunct="1">
+              <a:defRPr sz="1800" kern="1200">
+                <a:solidFill>
+                  <a:schemeClr val="tx1"/>
+                </a:solidFill>
+                <a:latin typeface="+mn-lt"/>
+                <a:ea typeface="+mn-ea"/>
+                <a:cs typeface="+mn-cs"/>
+              </a:defRPr>
+            </a:lvl9pPr>
+          </a:lstStyle>
+          <a:p>
+            <a:fld id="{8F1D01A0-D233-4FA1-8698-D063092A8F39}" type="slidenum">
+              <a:rPr lang="en-US" sz="3200" b="1" smtClean="0"/>
+              <a:pPr/>
+              <a:t>2</a:t>
+            </a:fld>
+            <a:endParaRPr lang="en-US" sz="3200" b="1" dirty="0"/>
+          </a:p>
+        </p:txBody>
+      </p:sp>
     </p:spTree>
     <p:extLst>
       <p:ext uri="{BB962C8B-B14F-4D97-AF65-F5344CB8AC3E}">
@@ -11878,7 +13954,7 @@
         </p:blipFill>
         <p:spPr>
           <a:xfrm>
-            <a:off x="3446257" y="3367366"/>
+            <a:off x="3453783" y="3300831"/>
             <a:ext cx="2649743" cy="3056145"/>
           </a:xfrm>
           <a:prstGeom prst="rect">
@@ -12182,6 +14258,308 @@
               </a:rPr>
               <a:t> </a:t>
             </a:r>
+          </a:p>
+        </p:txBody>
+      </p:sp>
+      <p:sp>
+        <p:nvSpPr>
+          <p:cNvPr id="2" name="TextBox 1">
+            <a:extLst>
+              <a:ext uri="{FF2B5EF4-FFF2-40B4-BE49-F238E27FC236}">
+                <a16:creationId xmlns:a16="http://schemas.microsoft.com/office/drawing/2014/main" id="{893E515E-C1FF-5FBF-9C5D-EADE2876CB58}"/>
+              </a:ext>
+            </a:extLst>
+          </p:cNvPr>
+          <p:cNvSpPr txBox="1"/>
+          <p:nvPr/>
+        </p:nvSpPr>
+        <p:spPr>
+          <a:xfrm flipH="1">
+            <a:off x="1413164" y="5797597"/>
+            <a:ext cx="917104" cy="369332"/>
+          </a:xfrm>
+          <a:prstGeom prst="rect">
+            <a:avLst/>
+          </a:prstGeom>
+          <a:noFill/>
+        </p:spPr>
+        <p:txBody>
+          <a:bodyPr wrap="square" rtlCol="0">
+            <a:spAutoFit/>
+          </a:bodyPr>
+          <a:lstStyle/>
+          <a:p>
+            <a:r>
+              <a:rPr lang="en-US" b="1" dirty="0"/>
+              <a:t>Fig 3.1</a:t>
+            </a:r>
+          </a:p>
+        </p:txBody>
+      </p:sp>
+      <p:sp>
+        <p:nvSpPr>
+          <p:cNvPr id="3" name="TextBox 2">
+            <a:extLst>
+              <a:ext uri="{FF2B5EF4-FFF2-40B4-BE49-F238E27FC236}">
+                <a16:creationId xmlns:a16="http://schemas.microsoft.com/office/drawing/2014/main" id="{F7B9A3A2-2D69-D4F8-7404-B99482FFDD1C}"/>
+              </a:ext>
+            </a:extLst>
+          </p:cNvPr>
+          <p:cNvSpPr txBox="1"/>
+          <p:nvPr/>
+        </p:nvSpPr>
+        <p:spPr>
+          <a:xfrm flipH="1">
+            <a:off x="4412996" y="6423511"/>
+            <a:ext cx="917104" cy="369332"/>
+          </a:xfrm>
+          <a:prstGeom prst="rect">
+            <a:avLst/>
+          </a:prstGeom>
+          <a:noFill/>
+        </p:spPr>
+        <p:txBody>
+          <a:bodyPr wrap="square" rtlCol="0">
+            <a:spAutoFit/>
+          </a:bodyPr>
+          <a:lstStyle/>
+          <a:p>
+            <a:r>
+              <a:rPr lang="en-US" b="1" dirty="0"/>
+              <a:t>Fig 3.2</a:t>
+            </a:r>
+          </a:p>
+        </p:txBody>
+      </p:sp>
+      <p:pic>
+        <p:nvPicPr>
+          <p:cNvPr id="5" name="Picture 4">
+            <a:extLst>
+              <a:ext uri="{FF2B5EF4-FFF2-40B4-BE49-F238E27FC236}">
+                <a16:creationId xmlns:a16="http://schemas.microsoft.com/office/drawing/2014/main" id="{ACBE128C-9F49-E28F-2C67-E27EC12021B4}"/>
+              </a:ext>
+            </a:extLst>
+          </p:cNvPr>
+          <p:cNvPicPr>
+            <a:picLocks noChangeAspect="1"/>
+          </p:cNvPicPr>
+          <p:nvPr/>
+        </p:nvPicPr>
+        <p:blipFill>
+          <a:blip r:embed="rId7"/>
+          <a:stretch>
+            <a:fillRect/>
+          </a:stretch>
+        </p:blipFill>
+        <p:spPr>
+          <a:xfrm>
+            <a:off x="5257047" y="2499721"/>
+            <a:ext cx="971686" cy="352474"/>
+          </a:xfrm>
+          <a:prstGeom prst="rect">
+            <a:avLst/>
+          </a:prstGeom>
+        </p:spPr>
+      </p:pic>
+      <p:sp>
+        <p:nvSpPr>
+          <p:cNvPr id="6" name="TextBox 5">
+            <a:extLst>
+              <a:ext uri="{FF2B5EF4-FFF2-40B4-BE49-F238E27FC236}">
+                <a16:creationId xmlns:a16="http://schemas.microsoft.com/office/drawing/2014/main" id="{F257DD15-9164-AA5C-324D-BA4A7068D72A}"/>
+              </a:ext>
+            </a:extLst>
+          </p:cNvPr>
+          <p:cNvSpPr txBox="1"/>
+          <p:nvPr/>
+        </p:nvSpPr>
+        <p:spPr>
+          <a:xfrm flipH="1">
+            <a:off x="8882949" y="3823940"/>
+            <a:ext cx="917104" cy="369332"/>
+          </a:xfrm>
+          <a:prstGeom prst="rect">
+            <a:avLst/>
+          </a:prstGeom>
+          <a:noFill/>
+        </p:spPr>
+        <p:txBody>
+          <a:bodyPr wrap="square" rtlCol="0">
+            <a:spAutoFit/>
+          </a:bodyPr>
+          <a:lstStyle/>
+          <a:p>
+            <a:r>
+              <a:rPr lang="en-US" b="1" dirty="0"/>
+              <a:t>Fig 3.3</a:t>
+            </a:r>
+          </a:p>
+        </p:txBody>
+      </p:sp>
+      <p:sp>
+        <p:nvSpPr>
+          <p:cNvPr id="7" name="TextBox 6">
+            <a:extLst>
+              <a:ext uri="{FF2B5EF4-FFF2-40B4-BE49-F238E27FC236}">
+                <a16:creationId xmlns:a16="http://schemas.microsoft.com/office/drawing/2014/main" id="{FF19CB7D-8853-CC1F-D020-5BED62A052F4}"/>
+              </a:ext>
+            </a:extLst>
+          </p:cNvPr>
+          <p:cNvSpPr txBox="1"/>
+          <p:nvPr/>
+        </p:nvSpPr>
+        <p:spPr>
+          <a:xfrm flipH="1">
+            <a:off x="8911592" y="6434742"/>
+            <a:ext cx="917104" cy="369332"/>
+          </a:xfrm>
+          <a:prstGeom prst="rect">
+            <a:avLst/>
+          </a:prstGeom>
+          <a:noFill/>
+        </p:spPr>
+        <p:txBody>
+          <a:bodyPr wrap="square" rtlCol="0">
+            <a:spAutoFit/>
+          </a:bodyPr>
+          <a:lstStyle/>
+          <a:p>
+            <a:r>
+              <a:rPr lang="en-US" b="1" dirty="0"/>
+              <a:t>Fig 3.4</a:t>
+            </a:r>
+          </a:p>
+        </p:txBody>
+      </p:sp>
+      <p:sp>
+        <p:nvSpPr>
+          <p:cNvPr id="10" name="Slide Number Placeholder 18">
+            <a:extLst>
+              <a:ext uri="{FF2B5EF4-FFF2-40B4-BE49-F238E27FC236}">
+                <a16:creationId xmlns:a16="http://schemas.microsoft.com/office/drawing/2014/main" id="{5F099957-E0D3-0FA0-E244-812DCD8757B7}"/>
+              </a:ext>
+            </a:extLst>
+          </p:cNvPr>
+          <p:cNvSpPr txBox="1">
+            <a:spLocks/>
+          </p:cNvSpPr>
+          <p:nvPr/>
+        </p:nvSpPr>
+        <p:spPr>
+          <a:xfrm>
+            <a:off x="26748" y="6401483"/>
+            <a:ext cx="659052" cy="365125"/>
+          </a:xfrm>
+          <a:prstGeom prst="rect">
+            <a:avLst/>
+          </a:prstGeom>
+        </p:spPr>
+        <p:txBody>
+          <a:bodyPr vert="horz" lIns="91440" tIns="45720" rIns="91440" bIns="45720" rtlCol="0" anchor="ctr"/>
+          <a:lstStyle>
+            <a:defPPr>
+              <a:defRPr lang="en-US"/>
+            </a:defPPr>
+            <a:lvl1pPr marL="0" algn="r" defTabSz="914400" rtl="0" eaLnBrk="1" latinLnBrk="0" hangingPunct="1">
+              <a:defRPr sz="1200" kern="1200">
+                <a:solidFill>
+                  <a:schemeClr val="tx1">
+                    <a:tint val="82000"/>
+                  </a:schemeClr>
+                </a:solidFill>
+                <a:latin typeface="+mn-lt"/>
+                <a:ea typeface="+mn-ea"/>
+                <a:cs typeface="+mn-cs"/>
+              </a:defRPr>
+            </a:lvl1pPr>
+            <a:lvl2pPr marL="457200" algn="l" defTabSz="914400" rtl="0" eaLnBrk="1" latinLnBrk="0" hangingPunct="1">
+              <a:defRPr sz="1800" kern="1200">
+                <a:solidFill>
+                  <a:schemeClr val="tx1"/>
+                </a:solidFill>
+                <a:latin typeface="+mn-lt"/>
+                <a:ea typeface="+mn-ea"/>
+                <a:cs typeface="+mn-cs"/>
+              </a:defRPr>
+            </a:lvl2pPr>
+            <a:lvl3pPr marL="914400" algn="l" defTabSz="914400" rtl="0" eaLnBrk="1" latinLnBrk="0" hangingPunct="1">
+              <a:defRPr sz="1800" kern="1200">
+                <a:solidFill>
+                  <a:schemeClr val="tx1"/>
+                </a:solidFill>
+                <a:latin typeface="+mn-lt"/>
+                <a:ea typeface="+mn-ea"/>
+                <a:cs typeface="+mn-cs"/>
+              </a:defRPr>
+            </a:lvl3pPr>
+            <a:lvl4pPr marL="1371600" algn="l" defTabSz="914400" rtl="0" eaLnBrk="1" latinLnBrk="0" hangingPunct="1">
+              <a:defRPr sz="1800" kern="1200">
+                <a:solidFill>
+                  <a:schemeClr val="tx1"/>
+                </a:solidFill>
+                <a:latin typeface="+mn-lt"/>
+                <a:ea typeface="+mn-ea"/>
+                <a:cs typeface="+mn-cs"/>
+              </a:defRPr>
+            </a:lvl4pPr>
+            <a:lvl5pPr marL="1828800" algn="l" defTabSz="914400" rtl="0" eaLnBrk="1" latinLnBrk="0" hangingPunct="1">
+              <a:defRPr sz="1800" kern="1200">
+                <a:solidFill>
+                  <a:schemeClr val="tx1"/>
+                </a:solidFill>
+                <a:latin typeface="+mn-lt"/>
+                <a:ea typeface="+mn-ea"/>
+                <a:cs typeface="+mn-cs"/>
+              </a:defRPr>
+            </a:lvl5pPr>
+            <a:lvl6pPr marL="2286000" algn="l" defTabSz="914400" rtl="0" eaLnBrk="1" latinLnBrk="0" hangingPunct="1">
+              <a:defRPr sz="1800" kern="1200">
+                <a:solidFill>
+                  <a:schemeClr val="tx1"/>
+                </a:solidFill>
+                <a:latin typeface="+mn-lt"/>
+                <a:ea typeface="+mn-ea"/>
+                <a:cs typeface="+mn-cs"/>
+              </a:defRPr>
+            </a:lvl6pPr>
+            <a:lvl7pPr marL="2743200" algn="l" defTabSz="914400" rtl="0" eaLnBrk="1" latinLnBrk="0" hangingPunct="1">
+              <a:defRPr sz="1800" kern="1200">
+                <a:solidFill>
+                  <a:schemeClr val="tx1"/>
+                </a:solidFill>
+                <a:latin typeface="+mn-lt"/>
+                <a:ea typeface="+mn-ea"/>
+                <a:cs typeface="+mn-cs"/>
+              </a:defRPr>
+            </a:lvl7pPr>
+            <a:lvl8pPr marL="3200400" algn="l" defTabSz="914400" rtl="0" eaLnBrk="1" latinLnBrk="0" hangingPunct="1">
+              <a:defRPr sz="1800" kern="1200">
+                <a:solidFill>
+                  <a:schemeClr val="tx1"/>
+                </a:solidFill>
+                <a:latin typeface="+mn-lt"/>
+                <a:ea typeface="+mn-ea"/>
+                <a:cs typeface="+mn-cs"/>
+              </a:defRPr>
+            </a:lvl8pPr>
+            <a:lvl9pPr marL="3657600" algn="l" defTabSz="914400" rtl="0" eaLnBrk="1" latinLnBrk="0" hangingPunct="1">
+              <a:defRPr sz="1800" kern="1200">
+                <a:solidFill>
+                  <a:schemeClr val="tx1"/>
+                </a:solidFill>
+                <a:latin typeface="+mn-lt"/>
+                <a:ea typeface="+mn-ea"/>
+                <a:cs typeface="+mn-cs"/>
+              </a:defRPr>
+            </a:lvl9pPr>
+          </a:lstStyle>
+          <a:p>
+            <a:fld id="{8F1D01A0-D233-4FA1-8698-D063092A8F39}" type="slidenum">
+              <a:rPr lang="en-US" sz="3200" b="1" smtClean="0"/>
+              <a:pPr/>
+              <a:t>20</a:t>
+            </a:fld>
+            <a:endParaRPr lang="en-US" sz="3200" b="1" dirty="0"/>
           </a:p>
         </p:txBody>
       </p:sp>
@@ -12756,6 +15134,138 @@
           </p:txBody>
         </p:sp>
       </p:grpSp>
+      <p:sp>
+        <p:nvSpPr>
+          <p:cNvPr id="18" name="Slide Number Placeholder 18">
+            <a:extLst>
+              <a:ext uri="{FF2B5EF4-FFF2-40B4-BE49-F238E27FC236}">
+                <a16:creationId xmlns:a16="http://schemas.microsoft.com/office/drawing/2014/main" id="{B72F2896-0ABF-AF32-D827-F256D2CA65E4}"/>
+              </a:ext>
+            </a:extLst>
+          </p:cNvPr>
+          <p:cNvSpPr txBox="1">
+            <a:spLocks/>
+          </p:cNvSpPr>
+          <p:nvPr/>
+        </p:nvSpPr>
+        <p:spPr>
+          <a:xfrm>
+            <a:off x="26748" y="6401483"/>
+            <a:ext cx="659052" cy="365125"/>
+          </a:xfrm>
+          <a:prstGeom prst="rect">
+            <a:avLst/>
+          </a:prstGeom>
+        </p:spPr>
+        <p:txBody>
+          <a:bodyPr vert="horz" lIns="91440" tIns="45720" rIns="91440" bIns="45720" rtlCol="0" anchor="ctr"/>
+          <a:lstStyle>
+            <a:defPPr>
+              <a:defRPr lang="en-US"/>
+            </a:defPPr>
+            <a:lvl1pPr marL="0" algn="r" defTabSz="914400" rtl="0" eaLnBrk="1" latinLnBrk="0" hangingPunct="1">
+              <a:defRPr sz="1200" kern="1200">
+                <a:solidFill>
+                  <a:schemeClr val="tx1">
+                    <a:tint val="82000"/>
+                  </a:schemeClr>
+                </a:solidFill>
+                <a:latin typeface="+mn-lt"/>
+                <a:ea typeface="+mn-ea"/>
+                <a:cs typeface="+mn-cs"/>
+              </a:defRPr>
+            </a:lvl1pPr>
+            <a:lvl2pPr marL="457200" algn="l" defTabSz="914400" rtl="0" eaLnBrk="1" latinLnBrk="0" hangingPunct="1">
+              <a:defRPr sz="1800" kern="1200">
+                <a:solidFill>
+                  <a:schemeClr val="tx1"/>
+                </a:solidFill>
+                <a:latin typeface="+mn-lt"/>
+                <a:ea typeface="+mn-ea"/>
+                <a:cs typeface="+mn-cs"/>
+              </a:defRPr>
+            </a:lvl2pPr>
+            <a:lvl3pPr marL="914400" algn="l" defTabSz="914400" rtl="0" eaLnBrk="1" latinLnBrk="0" hangingPunct="1">
+              <a:defRPr sz="1800" kern="1200">
+                <a:solidFill>
+                  <a:schemeClr val="tx1"/>
+                </a:solidFill>
+                <a:latin typeface="+mn-lt"/>
+                <a:ea typeface="+mn-ea"/>
+                <a:cs typeface="+mn-cs"/>
+              </a:defRPr>
+            </a:lvl3pPr>
+            <a:lvl4pPr marL="1371600" algn="l" defTabSz="914400" rtl="0" eaLnBrk="1" latinLnBrk="0" hangingPunct="1">
+              <a:defRPr sz="1800" kern="1200">
+                <a:solidFill>
+                  <a:schemeClr val="tx1"/>
+                </a:solidFill>
+                <a:latin typeface="+mn-lt"/>
+                <a:ea typeface="+mn-ea"/>
+                <a:cs typeface="+mn-cs"/>
+              </a:defRPr>
+            </a:lvl4pPr>
+            <a:lvl5pPr marL="1828800" algn="l" defTabSz="914400" rtl="0" eaLnBrk="1" latinLnBrk="0" hangingPunct="1">
+              <a:defRPr sz="1800" kern="1200">
+                <a:solidFill>
+                  <a:schemeClr val="tx1"/>
+                </a:solidFill>
+                <a:latin typeface="+mn-lt"/>
+                <a:ea typeface="+mn-ea"/>
+                <a:cs typeface="+mn-cs"/>
+              </a:defRPr>
+            </a:lvl5pPr>
+            <a:lvl6pPr marL="2286000" algn="l" defTabSz="914400" rtl="0" eaLnBrk="1" latinLnBrk="0" hangingPunct="1">
+              <a:defRPr sz="1800" kern="1200">
+                <a:solidFill>
+                  <a:schemeClr val="tx1"/>
+                </a:solidFill>
+                <a:latin typeface="+mn-lt"/>
+                <a:ea typeface="+mn-ea"/>
+                <a:cs typeface="+mn-cs"/>
+              </a:defRPr>
+            </a:lvl6pPr>
+            <a:lvl7pPr marL="2743200" algn="l" defTabSz="914400" rtl="0" eaLnBrk="1" latinLnBrk="0" hangingPunct="1">
+              <a:defRPr sz="1800" kern="1200">
+                <a:solidFill>
+                  <a:schemeClr val="tx1"/>
+                </a:solidFill>
+                <a:latin typeface="+mn-lt"/>
+                <a:ea typeface="+mn-ea"/>
+                <a:cs typeface="+mn-cs"/>
+              </a:defRPr>
+            </a:lvl7pPr>
+            <a:lvl8pPr marL="3200400" algn="l" defTabSz="914400" rtl="0" eaLnBrk="1" latinLnBrk="0" hangingPunct="1">
+              <a:defRPr sz="1800" kern="1200">
+                <a:solidFill>
+                  <a:schemeClr val="tx1"/>
+                </a:solidFill>
+                <a:latin typeface="+mn-lt"/>
+                <a:ea typeface="+mn-ea"/>
+                <a:cs typeface="+mn-cs"/>
+              </a:defRPr>
+            </a:lvl8pPr>
+            <a:lvl9pPr marL="3657600" algn="l" defTabSz="914400" rtl="0" eaLnBrk="1" latinLnBrk="0" hangingPunct="1">
+              <a:defRPr sz="1800" kern="1200">
+                <a:solidFill>
+                  <a:schemeClr val="tx1"/>
+                </a:solidFill>
+                <a:latin typeface="+mn-lt"/>
+                <a:ea typeface="+mn-ea"/>
+                <a:cs typeface="+mn-cs"/>
+              </a:defRPr>
+            </a:lvl9pPr>
+          </a:lstStyle>
+          <a:p>
+            <a:fld id="{8F1D01A0-D233-4FA1-8698-D063092A8F39}" type="slidenum">
+              <a:rPr lang="en-US" sz="3200" b="1" smtClean="0"/>
+              <a:pPr/>
+              <a:t>21</a:t>
+            </a:fld>
+            <a:endParaRPr lang="en-US" sz="3200" b="1" dirty="0"/>
+          </a:p>
+        </p:txBody>
+      </p:sp>
     </p:spTree>
     <p:extLst>
       <p:ext uri="{BB962C8B-B14F-4D97-AF65-F5344CB8AC3E}">
@@ -12871,9 +15381,9 @@
         <p:grpSpPr>
           <a:xfrm>
             <a:off x="5238750" y="444500"/>
-            <a:ext cx="2876550" cy="1954974"/>
+            <a:ext cx="2876550" cy="1698494"/>
             <a:chOff x="0" y="12700"/>
-            <a:chExt cx="5753100" cy="3909946"/>
+            <a:chExt cx="5753100" cy="3396986"/>
           </a:xfrm>
         </p:grpSpPr>
         <p:sp>
@@ -12928,7 +15438,7 @@
           <p:spPr>
             <a:xfrm>
               <a:off x="0" y="1900555"/>
-              <a:ext cx="5753100" cy="2022091"/>
+              <a:ext cx="5753100" cy="1509131"/>
             </a:xfrm>
             <a:prstGeom prst="rect">
               <a:avLst/>
@@ -12951,7 +15461,7 @@
                     <a:schemeClr val="bg1"/>
                   </a:solidFill>
                 </a:rPr>
-                <a:t>It determines the best-fit straight line for the given data using the least square regression to minimize the total error.</a:t>
+                <a:t>It determines the best-fit straight line for the given data using the least square method.</a:t>
               </a:r>
               <a:endParaRPr lang="en-US" sz="1400" dirty="0">
                 <a:solidFill>
@@ -13108,7 +15618,7 @@
                     <a:schemeClr val="bg1"/>
                   </a:solidFill>
                 </a:rPr>
-                <a:t>It fits exponential, logarithmic, or power curves by converting them into a linear form and applying the least square regression.</a:t>
+                <a:t>It fits exponential, logarithmic, or power curves by converting them into a linear form and applying the least square method.</a:t>
               </a:r>
               <a:endParaRPr lang="en-US" sz="1400" dirty="0">
                 <a:solidFill>
@@ -13185,9 +15695,9 @@
         <p:grpSpPr>
           <a:xfrm>
             <a:off x="5238750" y="3429000"/>
-            <a:ext cx="2876550" cy="2235835"/>
+            <a:ext cx="2876550" cy="1722875"/>
             <a:chOff x="0" y="12700"/>
-            <a:chExt cx="5753100" cy="4471667"/>
+            <a:chExt cx="5753100" cy="3445748"/>
           </a:xfrm>
         </p:grpSpPr>
         <p:sp>
@@ -13242,7 +15752,7 @@
           <p:spPr>
             <a:xfrm>
               <a:off x="0" y="1949317"/>
-              <a:ext cx="5753100" cy="2535050"/>
+              <a:ext cx="5753100" cy="1509131"/>
             </a:xfrm>
             <a:prstGeom prst="rect">
               <a:avLst/>
@@ -13265,7 +15775,7 @@
                     <a:schemeClr val="bg1"/>
                   </a:solidFill>
                 </a:rPr>
-                <a:t>It fits a polynomial curve for the given data by using the least square regression to minimize the squared differences between actual and calculated values.</a:t>
+                <a:t>It fits a polynomial curve for the given data by using the least square method.</a:t>
               </a:r>
               <a:endParaRPr lang="en-US" sz="1400" dirty="0">
                 <a:solidFill>
@@ -13363,6 +15873,138 @@
               </a:rPr>
               <a:t>Curve Fitting: Regression</a:t>
             </a:r>
+          </a:p>
+        </p:txBody>
+      </p:sp>
+      <p:sp>
+        <p:nvSpPr>
+          <p:cNvPr id="18" name="Slide Number Placeholder 18">
+            <a:extLst>
+              <a:ext uri="{FF2B5EF4-FFF2-40B4-BE49-F238E27FC236}">
+                <a16:creationId xmlns:a16="http://schemas.microsoft.com/office/drawing/2014/main" id="{6C7AA464-7AA2-5CBB-3558-CE139AEBBDFF}"/>
+              </a:ext>
+            </a:extLst>
+          </p:cNvPr>
+          <p:cNvSpPr txBox="1">
+            <a:spLocks/>
+          </p:cNvSpPr>
+          <p:nvPr/>
+        </p:nvSpPr>
+        <p:spPr>
+          <a:xfrm>
+            <a:off x="26748" y="6401483"/>
+            <a:ext cx="659052" cy="365125"/>
+          </a:xfrm>
+          <a:prstGeom prst="rect">
+            <a:avLst/>
+          </a:prstGeom>
+        </p:spPr>
+        <p:txBody>
+          <a:bodyPr vert="horz" lIns="91440" tIns="45720" rIns="91440" bIns="45720" rtlCol="0" anchor="ctr"/>
+          <a:lstStyle>
+            <a:defPPr>
+              <a:defRPr lang="en-US"/>
+            </a:defPPr>
+            <a:lvl1pPr marL="0" algn="r" defTabSz="914400" rtl="0" eaLnBrk="1" latinLnBrk="0" hangingPunct="1">
+              <a:defRPr sz="1200" kern="1200">
+                <a:solidFill>
+                  <a:schemeClr val="tx1">
+                    <a:tint val="82000"/>
+                  </a:schemeClr>
+                </a:solidFill>
+                <a:latin typeface="+mn-lt"/>
+                <a:ea typeface="+mn-ea"/>
+                <a:cs typeface="+mn-cs"/>
+              </a:defRPr>
+            </a:lvl1pPr>
+            <a:lvl2pPr marL="457200" algn="l" defTabSz="914400" rtl="0" eaLnBrk="1" latinLnBrk="0" hangingPunct="1">
+              <a:defRPr sz="1800" kern="1200">
+                <a:solidFill>
+                  <a:schemeClr val="tx1"/>
+                </a:solidFill>
+                <a:latin typeface="+mn-lt"/>
+                <a:ea typeface="+mn-ea"/>
+                <a:cs typeface="+mn-cs"/>
+              </a:defRPr>
+            </a:lvl2pPr>
+            <a:lvl3pPr marL="914400" algn="l" defTabSz="914400" rtl="0" eaLnBrk="1" latinLnBrk="0" hangingPunct="1">
+              <a:defRPr sz="1800" kern="1200">
+                <a:solidFill>
+                  <a:schemeClr val="tx1"/>
+                </a:solidFill>
+                <a:latin typeface="+mn-lt"/>
+                <a:ea typeface="+mn-ea"/>
+                <a:cs typeface="+mn-cs"/>
+              </a:defRPr>
+            </a:lvl3pPr>
+            <a:lvl4pPr marL="1371600" algn="l" defTabSz="914400" rtl="0" eaLnBrk="1" latinLnBrk="0" hangingPunct="1">
+              <a:defRPr sz="1800" kern="1200">
+                <a:solidFill>
+                  <a:schemeClr val="tx1"/>
+                </a:solidFill>
+                <a:latin typeface="+mn-lt"/>
+                <a:ea typeface="+mn-ea"/>
+                <a:cs typeface="+mn-cs"/>
+              </a:defRPr>
+            </a:lvl4pPr>
+            <a:lvl5pPr marL="1828800" algn="l" defTabSz="914400" rtl="0" eaLnBrk="1" latinLnBrk="0" hangingPunct="1">
+              <a:defRPr sz="1800" kern="1200">
+                <a:solidFill>
+                  <a:schemeClr val="tx1"/>
+                </a:solidFill>
+                <a:latin typeface="+mn-lt"/>
+                <a:ea typeface="+mn-ea"/>
+                <a:cs typeface="+mn-cs"/>
+              </a:defRPr>
+            </a:lvl5pPr>
+            <a:lvl6pPr marL="2286000" algn="l" defTabSz="914400" rtl="0" eaLnBrk="1" latinLnBrk="0" hangingPunct="1">
+              <a:defRPr sz="1800" kern="1200">
+                <a:solidFill>
+                  <a:schemeClr val="tx1"/>
+                </a:solidFill>
+                <a:latin typeface="+mn-lt"/>
+                <a:ea typeface="+mn-ea"/>
+                <a:cs typeface="+mn-cs"/>
+              </a:defRPr>
+            </a:lvl6pPr>
+            <a:lvl7pPr marL="2743200" algn="l" defTabSz="914400" rtl="0" eaLnBrk="1" latinLnBrk="0" hangingPunct="1">
+              <a:defRPr sz="1800" kern="1200">
+                <a:solidFill>
+                  <a:schemeClr val="tx1"/>
+                </a:solidFill>
+                <a:latin typeface="+mn-lt"/>
+                <a:ea typeface="+mn-ea"/>
+                <a:cs typeface="+mn-cs"/>
+              </a:defRPr>
+            </a:lvl7pPr>
+            <a:lvl8pPr marL="3200400" algn="l" defTabSz="914400" rtl="0" eaLnBrk="1" latinLnBrk="0" hangingPunct="1">
+              <a:defRPr sz="1800" kern="1200">
+                <a:solidFill>
+                  <a:schemeClr val="tx1"/>
+                </a:solidFill>
+                <a:latin typeface="+mn-lt"/>
+                <a:ea typeface="+mn-ea"/>
+                <a:cs typeface="+mn-cs"/>
+              </a:defRPr>
+            </a:lvl8pPr>
+            <a:lvl9pPr marL="3657600" algn="l" defTabSz="914400" rtl="0" eaLnBrk="1" latinLnBrk="0" hangingPunct="1">
+              <a:defRPr sz="1800" kern="1200">
+                <a:solidFill>
+                  <a:schemeClr val="tx1"/>
+                </a:solidFill>
+                <a:latin typeface="+mn-lt"/>
+                <a:ea typeface="+mn-ea"/>
+                <a:cs typeface="+mn-cs"/>
+              </a:defRPr>
+            </a:lvl9pPr>
+          </a:lstStyle>
+          <a:p>
+            <a:fld id="{8F1D01A0-D233-4FA1-8698-D063092A8F39}" type="slidenum">
+              <a:rPr lang="en-US" sz="3200" b="1" smtClean="0"/>
+              <a:pPr/>
+              <a:t>22</a:t>
+            </a:fld>
+            <a:endParaRPr lang="en-US" sz="3200" b="1" dirty="0"/>
           </a:p>
         </p:txBody>
       </p:sp>
@@ -13896,6 +16538,243 @@
           </a:prstGeom>
         </p:spPr>
       </p:pic>
+      <p:sp>
+        <p:nvSpPr>
+          <p:cNvPr id="9" name="TextBox 8">
+            <a:extLst>
+              <a:ext uri="{FF2B5EF4-FFF2-40B4-BE49-F238E27FC236}">
+                <a16:creationId xmlns:a16="http://schemas.microsoft.com/office/drawing/2014/main" id="{6FADD87D-6077-B4C2-712B-B59586F76AB6}"/>
+              </a:ext>
+            </a:extLst>
+          </p:cNvPr>
+          <p:cNvSpPr txBox="1"/>
+          <p:nvPr/>
+        </p:nvSpPr>
+        <p:spPr>
+          <a:xfrm flipH="1">
+            <a:off x="4264890" y="3542387"/>
+            <a:ext cx="917104" cy="369332"/>
+          </a:xfrm>
+          <a:prstGeom prst="rect">
+            <a:avLst/>
+          </a:prstGeom>
+          <a:noFill/>
+        </p:spPr>
+        <p:txBody>
+          <a:bodyPr wrap="square" rtlCol="0">
+            <a:spAutoFit/>
+          </a:bodyPr>
+          <a:lstStyle/>
+          <a:p>
+            <a:r>
+              <a:rPr lang="en-US" b="1" dirty="0"/>
+              <a:t>Fig 3.5</a:t>
+            </a:r>
+          </a:p>
+        </p:txBody>
+      </p:sp>
+      <p:sp>
+        <p:nvSpPr>
+          <p:cNvPr id="11" name="TextBox 10">
+            <a:extLst>
+              <a:ext uri="{FF2B5EF4-FFF2-40B4-BE49-F238E27FC236}">
+                <a16:creationId xmlns:a16="http://schemas.microsoft.com/office/drawing/2014/main" id="{E442C590-C77D-C4A0-7D0F-02D47FDF9EBD}"/>
+              </a:ext>
+            </a:extLst>
+          </p:cNvPr>
+          <p:cNvSpPr txBox="1"/>
+          <p:nvPr/>
+        </p:nvSpPr>
+        <p:spPr>
+          <a:xfrm flipH="1">
+            <a:off x="4532375" y="6133000"/>
+            <a:ext cx="917104" cy="369332"/>
+          </a:xfrm>
+          <a:prstGeom prst="rect">
+            <a:avLst/>
+          </a:prstGeom>
+          <a:noFill/>
+        </p:spPr>
+        <p:txBody>
+          <a:bodyPr wrap="square" rtlCol="0">
+            <a:spAutoFit/>
+          </a:bodyPr>
+          <a:lstStyle/>
+          <a:p>
+            <a:r>
+              <a:rPr lang="en-US" b="1" dirty="0"/>
+              <a:t>Fig 3.6</a:t>
+            </a:r>
+          </a:p>
+        </p:txBody>
+      </p:sp>
+      <p:sp>
+        <p:nvSpPr>
+          <p:cNvPr id="15" name="TextBox 14">
+            <a:extLst>
+              <a:ext uri="{FF2B5EF4-FFF2-40B4-BE49-F238E27FC236}">
+                <a16:creationId xmlns:a16="http://schemas.microsoft.com/office/drawing/2014/main" id="{601E9AE1-E372-2B1F-D1EE-73D2EB9DAF14}"/>
+              </a:ext>
+            </a:extLst>
+          </p:cNvPr>
+          <p:cNvSpPr txBox="1"/>
+          <p:nvPr/>
+        </p:nvSpPr>
+        <p:spPr>
+          <a:xfrm flipH="1">
+            <a:off x="10182260" y="3727053"/>
+            <a:ext cx="917104" cy="369332"/>
+          </a:xfrm>
+          <a:prstGeom prst="rect">
+            <a:avLst/>
+          </a:prstGeom>
+          <a:noFill/>
+        </p:spPr>
+        <p:txBody>
+          <a:bodyPr wrap="square" rtlCol="0">
+            <a:spAutoFit/>
+          </a:bodyPr>
+          <a:lstStyle/>
+          <a:p>
+            <a:r>
+              <a:rPr lang="en-US" b="1" dirty="0"/>
+              <a:t>Fig 3.7</a:t>
+            </a:r>
+          </a:p>
+        </p:txBody>
+      </p:sp>
+      <p:sp>
+        <p:nvSpPr>
+          <p:cNvPr id="22" name="Slide Number Placeholder 18">
+            <a:extLst>
+              <a:ext uri="{FF2B5EF4-FFF2-40B4-BE49-F238E27FC236}">
+                <a16:creationId xmlns:a16="http://schemas.microsoft.com/office/drawing/2014/main" id="{6F532C54-D363-B4AF-9F97-EAE3F1246B31}"/>
+              </a:ext>
+            </a:extLst>
+          </p:cNvPr>
+          <p:cNvSpPr txBox="1">
+            <a:spLocks/>
+          </p:cNvSpPr>
+          <p:nvPr/>
+        </p:nvSpPr>
+        <p:spPr>
+          <a:xfrm>
+            <a:off x="26748" y="6401483"/>
+            <a:ext cx="659052" cy="365125"/>
+          </a:xfrm>
+          <a:prstGeom prst="rect">
+            <a:avLst/>
+          </a:prstGeom>
+        </p:spPr>
+        <p:txBody>
+          <a:bodyPr vert="horz" lIns="91440" tIns="45720" rIns="91440" bIns="45720" rtlCol="0" anchor="ctr"/>
+          <a:lstStyle>
+            <a:defPPr>
+              <a:defRPr lang="en-US"/>
+            </a:defPPr>
+            <a:lvl1pPr marL="0" algn="r" defTabSz="914400" rtl="0" eaLnBrk="1" latinLnBrk="0" hangingPunct="1">
+              <a:defRPr sz="1200" kern="1200">
+                <a:solidFill>
+                  <a:schemeClr val="tx1">
+                    <a:tint val="82000"/>
+                  </a:schemeClr>
+                </a:solidFill>
+                <a:latin typeface="+mn-lt"/>
+                <a:ea typeface="+mn-ea"/>
+                <a:cs typeface="+mn-cs"/>
+              </a:defRPr>
+            </a:lvl1pPr>
+            <a:lvl2pPr marL="457200" algn="l" defTabSz="914400" rtl="0" eaLnBrk="1" latinLnBrk="0" hangingPunct="1">
+              <a:defRPr sz="1800" kern="1200">
+                <a:solidFill>
+                  <a:schemeClr val="tx1"/>
+                </a:solidFill>
+                <a:latin typeface="+mn-lt"/>
+                <a:ea typeface="+mn-ea"/>
+                <a:cs typeface="+mn-cs"/>
+              </a:defRPr>
+            </a:lvl2pPr>
+            <a:lvl3pPr marL="914400" algn="l" defTabSz="914400" rtl="0" eaLnBrk="1" latinLnBrk="0" hangingPunct="1">
+              <a:defRPr sz="1800" kern="1200">
+                <a:solidFill>
+                  <a:schemeClr val="tx1"/>
+                </a:solidFill>
+                <a:latin typeface="+mn-lt"/>
+                <a:ea typeface="+mn-ea"/>
+                <a:cs typeface="+mn-cs"/>
+              </a:defRPr>
+            </a:lvl3pPr>
+            <a:lvl4pPr marL="1371600" algn="l" defTabSz="914400" rtl="0" eaLnBrk="1" latinLnBrk="0" hangingPunct="1">
+              <a:defRPr sz="1800" kern="1200">
+                <a:solidFill>
+                  <a:schemeClr val="tx1"/>
+                </a:solidFill>
+                <a:latin typeface="+mn-lt"/>
+                <a:ea typeface="+mn-ea"/>
+                <a:cs typeface="+mn-cs"/>
+              </a:defRPr>
+            </a:lvl4pPr>
+            <a:lvl5pPr marL="1828800" algn="l" defTabSz="914400" rtl="0" eaLnBrk="1" latinLnBrk="0" hangingPunct="1">
+              <a:defRPr sz="1800" kern="1200">
+                <a:solidFill>
+                  <a:schemeClr val="tx1"/>
+                </a:solidFill>
+                <a:latin typeface="+mn-lt"/>
+                <a:ea typeface="+mn-ea"/>
+                <a:cs typeface="+mn-cs"/>
+              </a:defRPr>
+            </a:lvl5pPr>
+            <a:lvl6pPr marL="2286000" algn="l" defTabSz="914400" rtl="0" eaLnBrk="1" latinLnBrk="0" hangingPunct="1">
+              <a:defRPr sz="1800" kern="1200">
+                <a:solidFill>
+                  <a:schemeClr val="tx1"/>
+                </a:solidFill>
+                <a:latin typeface="+mn-lt"/>
+                <a:ea typeface="+mn-ea"/>
+                <a:cs typeface="+mn-cs"/>
+              </a:defRPr>
+            </a:lvl6pPr>
+            <a:lvl7pPr marL="2743200" algn="l" defTabSz="914400" rtl="0" eaLnBrk="1" latinLnBrk="0" hangingPunct="1">
+              <a:defRPr sz="1800" kern="1200">
+                <a:solidFill>
+                  <a:schemeClr val="tx1"/>
+                </a:solidFill>
+                <a:latin typeface="+mn-lt"/>
+                <a:ea typeface="+mn-ea"/>
+                <a:cs typeface="+mn-cs"/>
+              </a:defRPr>
+            </a:lvl7pPr>
+            <a:lvl8pPr marL="3200400" algn="l" defTabSz="914400" rtl="0" eaLnBrk="1" latinLnBrk="0" hangingPunct="1">
+              <a:defRPr sz="1800" kern="1200">
+                <a:solidFill>
+                  <a:schemeClr val="tx1"/>
+                </a:solidFill>
+                <a:latin typeface="+mn-lt"/>
+                <a:ea typeface="+mn-ea"/>
+                <a:cs typeface="+mn-cs"/>
+              </a:defRPr>
+            </a:lvl8pPr>
+            <a:lvl9pPr marL="3657600" algn="l" defTabSz="914400" rtl="0" eaLnBrk="1" latinLnBrk="0" hangingPunct="1">
+              <a:defRPr sz="1800" kern="1200">
+                <a:solidFill>
+                  <a:schemeClr val="tx1"/>
+                </a:solidFill>
+                <a:latin typeface="+mn-lt"/>
+                <a:ea typeface="+mn-ea"/>
+                <a:cs typeface="+mn-cs"/>
+              </a:defRPr>
+            </a:lvl9pPr>
+          </a:lstStyle>
+          <a:p>
+            <a:fld id="{8F1D01A0-D233-4FA1-8698-D063092A8F39}" type="slidenum">
+              <a:rPr lang="en-US" sz="3200" b="1" smtClean="0"/>
+              <a:pPr/>
+              <a:t>23</a:t>
+            </a:fld>
+            <a:endParaRPr lang="en-US" sz="3200" b="1" dirty="0"/>
+          </a:p>
+        </p:txBody>
+      </p:sp>
     </p:spTree>
   </p:cSld>
   <p:clrMapOvr>
@@ -13917,6 +16796,913 @@
 </file>
 
 <file path=ppt/slides/slide24.xml><?xml version="1.0" encoding="utf-8"?>
+<p:sld xmlns:a="http://schemas.openxmlformats.org/drawingml/2006/main" xmlns:r="http://schemas.openxmlformats.org/officeDocument/2006/relationships" xmlns:p="http://schemas.openxmlformats.org/presentationml/2006/main">
+  <p:cSld>
+    <p:bg>
+      <p:bgPr>
+        <a:solidFill>
+          <a:schemeClr val="bg1"/>
+        </a:solidFill>
+        <a:effectLst/>
+      </p:bgPr>
+    </p:bg>
+    <p:spTree>
+      <p:nvGrpSpPr>
+        <p:cNvPr id="1" name=""/>
+        <p:cNvGrpSpPr/>
+        <p:nvPr/>
+      </p:nvGrpSpPr>
+      <p:grpSpPr>
+        <a:xfrm>
+          <a:off x="0" y="0"/>
+          <a:ext cx="0" cy="0"/>
+          <a:chOff x="0" y="0"/>
+          <a:chExt cx="0" cy="0"/>
+        </a:xfrm>
+      </p:grpSpPr>
+      <p:sp useBgFill="1">
+        <p:nvSpPr>
+          <p:cNvPr id="31" name="Rectangle 30">
+            <a:extLst>
+              <a:ext uri="{FF2B5EF4-FFF2-40B4-BE49-F238E27FC236}">
+                <a16:creationId xmlns:a16="http://schemas.microsoft.com/office/drawing/2014/main" id="{352BEC0E-22F8-46D0-9632-375DB541B06C}"/>
+              </a:ext>
+              <a:ext uri="{C183D7F6-B498-43B3-948B-1728B52AA6E4}">
+                <adec:decorative xmlns:adec="http://schemas.microsoft.com/office/drawing/2017/decorative" val="1"/>
+              </a:ext>
+            </a:extLst>
+          </p:cNvPr>
+          <p:cNvSpPr>
+            <a:spLocks noGrp="1" noRot="1" noChangeAspect="1" noMove="1" noResize="1" noEditPoints="1" noAdjustHandles="1" noChangeArrowheads="1" noChangeShapeType="1" noTextEdit="1"/>
+          </p:cNvSpPr>
+          <p:nvPr>
+            <p:extLst>
+              <p:ext uri="{386F3935-93C4-4BCD-93E2-E3B085C9AB24}">
+                <p16:designElem xmlns:p16="http://schemas.microsoft.com/office/powerpoint/2015/main" val="1"/>
+              </p:ext>
+            </p:extLst>
+          </p:nvPr>
+        </p:nvSpPr>
+        <p:spPr>
+          <a:xfrm>
+            <a:off x="0" y="0"/>
+            <a:ext cx="12188952" cy="6858000"/>
+          </a:xfrm>
+          <a:prstGeom prst="rect">
+            <a:avLst/>
+          </a:prstGeom>
+          <a:ln>
+            <a:noFill/>
+          </a:ln>
+        </p:spPr>
+        <p:style>
+          <a:lnRef idx="2">
+            <a:schemeClr val="accent1">
+              <a:shade val="50000"/>
+            </a:schemeClr>
+          </a:lnRef>
+          <a:fillRef idx="1">
+            <a:schemeClr val="accent1"/>
+          </a:fillRef>
+          <a:effectRef idx="0">
+            <a:schemeClr val="accent1"/>
+          </a:effectRef>
+          <a:fontRef idx="minor">
+            <a:schemeClr val="lt1"/>
+          </a:fontRef>
+        </p:style>
+        <p:txBody>
+          <a:bodyPr rtlCol="0" anchor="ctr"/>
+          <a:lstStyle/>
+          <a:p>
+            <a:pPr algn="ctr"/>
+            <a:endParaRPr lang="en-US"/>
+          </a:p>
+        </p:txBody>
+      </p:sp>
+      <p:sp>
+        <p:nvSpPr>
+          <p:cNvPr id="2" name="TextBox 2"/>
+          <p:cNvSpPr txBox="1"/>
+          <p:nvPr/>
+        </p:nvSpPr>
+        <p:spPr>
+          <a:xfrm>
+            <a:off x="640080" y="881744"/>
+            <a:ext cx="6894576" cy="911787"/>
+          </a:xfrm>
+          <a:prstGeom prst="rect">
+            <a:avLst/>
+          </a:prstGeom>
+        </p:spPr>
+        <p:txBody>
+          <a:bodyPr vert="horz" lIns="91440" tIns="45720" rIns="91440" bIns="45720" rtlCol="0" anchor="b">
+            <a:normAutofit/>
+          </a:bodyPr>
+          <a:lstStyle/>
+          <a:p>
+            <a:pPr>
+              <a:lnSpc>
+                <a:spcPct val="90000"/>
+              </a:lnSpc>
+              <a:spcBef>
+                <a:spcPct val="0"/>
+              </a:spcBef>
+              <a:spcAft>
+                <a:spcPts val="600"/>
+              </a:spcAft>
+            </a:pPr>
+            <a:r>
+              <a:rPr lang="en-US" sz="5400" dirty="0">
+                <a:solidFill>
+                  <a:schemeClr val="accent1"/>
+                </a:solidFill>
+                <a:latin typeface="+mj-lt"/>
+                <a:ea typeface="+mj-ea"/>
+                <a:cs typeface="+mj-cs"/>
+                <a:sym typeface="Raleway"/>
+              </a:rPr>
+              <a:t>Hyperlinking</a:t>
+            </a:r>
+          </a:p>
+        </p:txBody>
+      </p:sp>
+      <p:sp>
+        <p:nvSpPr>
+          <p:cNvPr id="33" name="sketch line">
+            <a:extLst>
+              <a:ext uri="{FF2B5EF4-FFF2-40B4-BE49-F238E27FC236}">
+                <a16:creationId xmlns:a16="http://schemas.microsoft.com/office/drawing/2014/main" id="{3FCFB1DE-0B7E-48CC-BA90-B2AB0889F9D6}"/>
+              </a:ext>
+              <a:ext uri="{C183D7F6-B498-43B3-948B-1728B52AA6E4}">
+                <adec:decorative xmlns:adec="http://schemas.microsoft.com/office/drawing/2017/decorative" val="1"/>
+              </a:ext>
+            </a:extLst>
+          </p:cNvPr>
+          <p:cNvSpPr>
+            <a:spLocks noGrp="1" noRot="1" noChangeAspect="1" noMove="1" noResize="1" noEditPoints="1" noAdjustHandles="1" noChangeArrowheads="1" noChangeShapeType="1" noTextEdit="1"/>
+          </p:cNvSpPr>
+          <p:nvPr>
+            <p:extLst>
+              <p:ext uri="{386F3935-93C4-4BCD-93E2-E3B085C9AB24}">
+                <p16:designElem xmlns:p16="http://schemas.microsoft.com/office/powerpoint/2015/main" val="1"/>
+              </p:ext>
+            </p:extLst>
+          </p:nvPr>
+        </p:nvSpPr>
+        <p:spPr>
+          <a:xfrm>
+            <a:off x="758952" y="2395728"/>
+            <a:ext cx="4243589" cy="18288"/>
+          </a:xfrm>
+          <a:custGeom>
+            <a:avLst/>
+            <a:gdLst>
+              <a:gd name="csX0" fmla="*/ 0 w 4243589"/>
+              <a:gd name="csY0" fmla="*/ 0 h 18288"/>
+              <a:gd name="csX1" fmla="*/ 478919 w 4243589"/>
+              <a:gd name="csY1" fmla="*/ 0 h 18288"/>
+              <a:gd name="csX2" fmla="*/ 957839 w 4243589"/>
+              <a:gd name="csY2" fmla="*/ 0 h 18288"/>
+              <a:gd name="csX3" fmla="*/ 1521630 w 4243589"/>
+              <a:gd name="csY3" fmla="*/ 0 h 18288"/>
+              <a:gd name="csX4" fmla="*/ 2212729 w 4243589"/>
+              <a:gd name="csY4" fmla="*/ 0 h 18288"/>
+              <a:gd name="csX5" fmla="*/ 2734084 w 4243589"/>
+              <a:gd name="csY5" fmla="*/ 0 h 18288"/>
+              <a:gd name="csX6" fmla="*/ 3255439 w 4243589"/>
+              <a:gd name="csY6" fmla="*/ 0 h 18288"/>
+              <a:gd name="csX7" fmla="*/ 4243589 w 4243589"/>
+              <a:gd name="csY7" fmla="*/ 0 h 18288"/>
+              <a:gd name="csX8" fmla="*/ 4243589 w 4243589"/>
+              <a:gd name="csY8" fmla="*/ 18288 h 18288"/>
+              <a:gd name="csX9" fmla="*/ 3594926 w 4243589"/>
+              <a:gd name="csY9" fmla="*/ 18288 h 18288"/>
+              <a:gd name="csX10" fmla="*/ 3073571 w 4243589"/>
+              <a:gd name="csY10" fmla="*/ 18288 h 18288"/>
+              <a:gd name="csX11" fmla="*/ 2552216 w 4243589"/>
+              <a:gd name="csY11" fmla="*/ 18288 h 18288"/>
+              <a:gd name="csX12" fmla="*/ 1903553 w 4243589"/>
+              <a:gd name="csY12" fmla="*/ 18288 h 18288"/>
+              <a:gd name="csX13" fmla="*/ 1212454 w 4243589"/>
+              <a:gd name="csY13" fmla="*/ 18288 h 18288"/>
+              <a:gd name="csX14" fmla="*/ 733535 w 4243589"/>
+              <a:gd name="csY14" fmla="*/ 18288 h 18288"/>
+              <a:gd name="csX15" fmla="*/ 0 w 4243589"/>
+              <a:gd name="csY15" fmla="*/ 18288 h 18288"/>
+              <a:gd name="csX16" fmla="*/ 0 w 4243589"/>
+              <a:gd name="csY16" fmla="*/ 0 h 18288"/>
+            </a:gdLst>
+            <a:ahLst/>
+            <a:cxnLst>
+              <a:cxn ang="0">
+                <a:pos x="csX0" y="csY0"/>
+              </a:cxn>
+              <a:cxn ang="0">
+                <a:pos x="csX1" y="csY1"/>
+              </a:cxn>
+              <a:cxn ang="0">
+                <a:pos x="csX2" y="csY2"/>
+              </a:cxn>
+              <a:cxn ang="0">
+                <a:pos x="csX3" y="csY3"/>
+              </a:cxn>
+              <a:cxn ang="0">
+                <a:pos x="csX4" y="csY4"/>
+              </a:cxn>
+              <a:cxn ang="0">
+                <a:pos x="csX5" y="csY5"/>
+              </a:cxn>
+              <a:cxn ang="0">
+                <a:pos x="csX6" y="csY6"/>
+              </a:cxn>
+              <a:cxn ang="0">
+                <a:pos x="csX7" y="csY7"/>
+              </a:cxn>
+              <a:cxn ang="0">
+                <a:pos x="csX8" y="csY8"/>
+              </a:cxn>
+              <a:cxn ang="0">
+                <a:pos x="csX9" y="csY9"/>
+              </a:cxn>
+              <a:cxn ang="0">
+                <a:pos x="csX10" y="csY10"/>
+              </a:cxn>
+              <a:cxn ang="0">
+                <a:pos x="csX11" y="csY11"/>
+              </a:cxn>
+              <a:cxn ang="0">
+                <a:pos x="csX12" y="csY12"/>
+              </a:cxn>
+              <a:cxn ang="0">
+                <a:pos x="csX13" y="csY13"/>
+              </a:cxn>
+              <a:cxn ang="0">
+                <a:pos x="csX14" y="csY14"/>
+              </a:cxn>
+              <a:cxn ang="0">
+                <a:pos x="csX15" y="csY15"/>
+              </a:cxn>
+              <a:cxn ang="0">
+                <a:pos x="csX16" y="csY16"/>
+              </a:cxn>
+            </a:cxnLst>
+            <a:rect l="l" t="t" r="r" b="b"/>
+            <a:pathLst>
+              <a:path w="4243589" h="18288" fill="none" extrusionOk="0">
+                <a:moveTo>
+                  <a:pt x="0" y="0"/>
+                </a:moveTo>
+                <a:cubicBezTo>
+                  <a:pt x="213395" y="-21006"/>
+                  <a:pt x="307421" y="-18116"/>
+                  <a:pt x="478919" y="0"/>
+                </a:cubicBezTo>
+                <a:cubicBezTo>
+                  <a:pt x="650417" y="18116"/>
+                  <a:pt x="831092" y="-21237"/>
+                  <a:pt x="957839" y="0"/>
+                </a:cubicBezTo>
+                <a:cubicBezTo>
+                  <a:pt x="1084586" y="21237"/>
+                  <a:pt x="1301682" y="25124"/>
+                  <a:pt x="1521630" y="0"/>
+                </a:cubicBezTo>
+                <a:cubicBezTo>
+                  <a:pt x="1741578" y="-25124"/>
+                  <a:pt x="1970269" y="-29139"/>
+                  <a:pt x="2212729" y="0"/>
+                </a:cubicBezTo>
+                <a:cubicBezTo>
+                  <a:pt x="2455189" y="29139"/>
+                  <a:pt x="2558847" y="-4796"/>
+                  <a:pt x="2734084" y="0"/>
+                </a:cubicBezTo>
+                <a:cubicBezTo>
+                  <a:pt x="2909321" y="4796"/>
+                  <a:pt x="3097217" y="-13409"/>
+                  <a:pt x="3255439" y="0"/>
+                </a:cubicBezTo>
+                <a:cubicBezTo>
+                  <a:pt x="3413662" y="13409"/>
+                  <a:pt x="3979999" y="-10121"/>
+                  <a:pt x="4243589" y="0"/>
+                </a:cubicBezTo>
+                <a:cubicBezTo>
+                  <a:pt x="4244484" y="8974"/>
+                  <a:pt x="4243043" y="9359"/>
+                  <a:pt x="4243589" y="18288"/>
+                </a:cubicBezTo>
+                <a:cubicBezTo>
+                  <a:pt x="4058777" y="31246"/>
+                  <a:pt x="3910348" y="3158"/>
+                  <a:pt x="3594926" y="18288"/>
+                </a:cubicBezTo>
+                <a:cubicBezTo>
+                  <a:pt x="3279504" y="33418"/>
+                  <a:pt x="3319955" y="-3977"/>
+                  <a:pt x="3073571" y="18288"/>
+                </a:cubicBezTo>
+                <a:cubicBezTo>
+                  <a:pt x="2827187" y="40553"/>
+                  <a:pt x="2767387" y="1863"/>
+                  <a:pt x="2552216" y="18288"/>
+                </a:cubicBezTo>
+                <a:cubicBezTo>
+                  <a:pt x="2337046" y="34713"/>
+                  <a:pt x="2181871" y="19527"/>
+                  <a:pt x="1903553" y="18288"/>
+                </a:cubicBezTo>
+                <a:cubicBezTo>
+                  <a:pt x="1625235" y="17049"/>
+                  <a:pt x="1557672" y="24174"/>
+                  <a:pt x="1212454" y="18288"/>
+                </a:cubicBezTo>
+                <a:cubicBezTo>
+                  <a:pt x="867236" y="12402"/>
+                  <a:pt x="874382" y="15627"/>
+                  <a:pt x="733535" y="18288"/>
+                </a:cubicBezTo>
+                <a:cubicBezTo>
+                  <a:pt x="592688" y="20949"/>
+                  <a:pt x="183477" y="14753"/>
+                  <a:pt x="0" y="18288"/>
+                </a:cubicBezTo>
+                <a:cubicBezTo>
+                  <a:pt x="-229" y="14222"/>
+                  <a:pt x="509" y="5816"/>
+                  <a:pt x="0" y="0"/>
+                </a:cubicBezTo>
+                <a:close/>
+              </a:path>
+              <a:path w="4243589" h="18288" stroke="0" extrusionOk="0">
+                <a:moveTo>
+                  <a:pt x="0" y="0"/>
+                </a:moveTo>
+                <a:cubicBezTo>
+                  <a:pt x="143690" y="16630"/>
+                  <a:pt x="266667" y="14847"/>
+                  <a:pt x="521355" y="0"/>
+                </a:cubicBezTo>
+                <a:cubicBezTo>
+                  <a:pt x="776043" y="-14847"/>
+                  <a:pt x="814491" y="-17363"/>
+                  <a:pt x="1000275" y="0"/>
+                </a:cubicBezTo>
+                <a:cubicBezTo>
+                  <a:pt x="1186059" y="17363"/>
+                  <a:pt x="1352504" y="-23507"/>
+                  <a:pt x="1521630" y="0"/>
+                </a:cubicBezTo>
+                <a:cubicBezTo>
+                  <a:pt x="1690756" y="23507"/>
+                  <a:pt x="1889525" y="5871"/>
+                  <a:pt x="2127857" y="0"/>
+                </a:cubicBezTo>
+                <a:cubicBezTo>
+                  <a:pt x="2366189" y="-5871"/>
+                  <a:pt x="2620628" y="-27997"/>
+                  <a:pt x="2776520" y="0"/>
+                </a:cubicBezTo>
+                <a:cubicBezTo>
+                  <a:pt x="2932412" y="27997"/>
+                  <a:pt x="3131683" y="-25073"/>
+                  <a:pt x="3467618" y="0"/>
+                </a:cubicBezTo>
+                <a:cubicBezTo>
+                  <a:pt x="3803553" y="25073"/>
+                  <a:pt x="4017371" y="3071"/>
+                  <a:pt x="4243589" y="0"/>
+                </a:cubicBezTo>
+                <a:cubicBezTo>
+                  <a:pt x="4243134" y="6162"/>
+                  <a:pt x="4243492" y="11775"/>
+                  <a:pt x="4243589" y="18288"/>
+                </a:cubicBezTo>
+                <a:cubicBezTo>
+                  <a:pt x="4017834" y="-5779"/>
+                  <a:pt x="3834586" y="13376"/>
+                  <a:pt x="3594926" y="18288"/>
+                </a:cubicBezTo>
+                <a:cubicBezTo>
+                  <a:pt x="3355266" y="23200"/>
+                  <a:pt x="3204179" y="2869"/>
+                  <a:pt x="2903827" y="18288"/>
+                </a:cubicBezTo>
+                <a:cubicBezTo>
+                  <a:pt x="2603475" y="33707"/>
+                  <a:pt x="2526187" y="46187"/>
+                  <a:pt x="2212729" y="18288"/>
+                </a:cubicBezTo>
+                <a:cubicBezTo>
+                  <a:pt x="1899271" y="-9611"/>
+                  <a:pt x="1966289" y="29692"/>
+                  <a:pt x="1733809" y="18288"/>
+                </a:cubicBezTo>
+                <a:cubicBezTo>
+                  <a:pt x="1501329" y="6884"/>
+                  <a:pt x="1343612" y="12492"/>
+                  <a:pt x="1085146" y="18288"/>
+                </a:cubicBezTo>
+                <a:cubicBezTo>
+                  <a:pt x="826680" y="24084"/>
+                  <a:pt x="778184" y="35607"/>
+                  <a:pt x="521355" y="18288"/>
+                </a:cubicBezTo>
+                <a:cubicBezTo>
+                  <a:pt x="264526" y="969"/>
+                  <a:pt x="120277" y="4268"/>
+                  <a:pt x="0" y="18288"/>
+                </a:cubicBezTo>
+                <a:cubicBezTo>
+                  <a:pt x="766" y="10800"/>
+                  <a:pt x="-457" y="8180"/>
+                  <a:pt x="0" y="0"/>
+                </a:cubicBezTo>
+                <a:close/>
+              </a:path>
+            </a:pathLst>
+          </a:custGeom>
+          <a:solidFill>
+            <a:schemeClr val="accent2"/>
+          </a:solidFill>
+          <a:ln w="41275" cap="rnd">
+            <a:solidFill>
+              <a:schemeClr val="accent2"/>
+            </a:solidFill>
+            <a:round/>
+            <a:extLst>
+              <a:ext uri="{C807C97D-BFC1-408E-A445-0C87EB9F89A2}">
+                <ask:lineSketchStyleProps xmlns:ask="http://schemas.microsoft.com/office/drawing/2018/sketchyshapes" sd="2727557108">
+                  <a:prstGeom prst="rect">
+                    <a:avLst/>
+                  </a:prstGeom>
+                  <ask:type>
+                    <ask:lineSketchFreehand/>
+                  </ask:type>
+                </ask:lineSketchStyleProps>
+              </a:ext>
+            </a:extLst>
+          </a:ln>
+        </p:spPr>
+        <p:style>
+          <a:lnRef idx="2">
+            <a:schemeClr val="accent1">
+              <a:shade val="50000"/>
+            </a:schemeClr>
+          </a:lnRef>
+          <a:fillRef idx="1">
+            <a:schemeClr val="accent1"/>
+          </a:fillRef>
+          <a:effectRef idx="0">
+            <a:schemeClr val="accent1"/>
+          </a:effectRef>
+          <a:fontRef idx="minor">
+            <a:schemeClr val="lt1"/>
+          </a:fontRef>
+        </p:style>
+        <p:txBody>
+          <a:bodyPr rtlCol="0" anchor="ctr"/>
+          <a:lstStyle/>
+          <a:p>
+            <a:pPr algn="ctr"/>
+            <a:endParaRPr lang="en-US"/>
+          </a:p>
+        </p:txBody>
+      </p:sp>
+      <p:sp>
+        <p:nvSpPr>
+          <p:cNvPr id="10" name="TextBox 9">
+            <a:extLst>
+              <a:ext uri="{FF2B5EF4-FFF2-40B4-BE49-F238E27FC236}">
+                <a16:creationId xmlns:a16="http://schemas.microsoft.com/office/drawing/2014/main" id="{6D13CD6A-8A67-406D-1688-476B4E10DEC4}"/>
+              </a:ext>
+            </a:extLst>
+          </p:cNvPr>
+          <p:cNvSpPr txBox="1"/>
+          <p:nvPr/>
+        </p:nvSpPr>
+        <p:spPr>
+          <a:xfrm>
+            <a:off x="640080" y="2706624"/>
+            <a:ext cx="6894576" cy="2787991"/>
+          </a:xfrm>
+          <a:prstGeom prst="rect">
+            <a:avLst/>
+          </a:prstGeom>
+        </p:spPr>
+        <p:txBody>
+          <a:bodyPr vert="horz" lIns="91440" tIns="45720" rIns="91440" bIns="45720" rtlCol="0">
+            <a:normAutofit/>
+          </a:bodyPr>
+          <a:lstStyle/>
+          <a:p>
+            <a:pPr>
+              <a:lnSpc>
+                <a:spcPct val="90000"/>
+              </a:lnSpc>
+              <a:spcAft>
+                <a:spcPts val="600"/>
+              </a:spcAft>
+            </a:pPr>
+            <a:endParaRPr lang="en-US" sz="1500" dirty="0"/>
+          </a:p>
+          <a:p>
+            <a:pPr indent="-228600">
+              <a:lnSpc>
+                <a:spcPct val="90000"/>
+              </a:lnSpc>
+              <a:spcAft>
+                <a:spcPts val="600"/>
+              </a:spcAft>
+              <a:buFont typeface="Arial" panose="020B0604020202020204" pitchFamily="34" charset="0"/>
+              <a:buChar char="•"/>
+            </a:pPr>
+            <a:r>
+              <a:rPr lang="en-US" sz="1500" b="1" dirty="0"/>
+              <a:t>Anchor Generated by Markdown:</a:t>
+            </a:r>
+            <a:r>
+              <a:rPr lang="en-US" sz="1500" dirty="0"/>
+              <a:t> Markdown automatically converts any section heading (e.g., ### Gauss Elimination Method) to lowercase, replaces spaces with hyphens, and removes special characters to create the anchor (e.g., #gauss-elimination-method).</a:t>
+            </a:r>
+          </a:p>
+          <a:p>
+            <a:pPr indent="-228600">
+              <a:lnSpc>
+                <a:spcPct val="90000"/>
+              </a:lnSpc>
+              <a:spcAft>
+                <a:spcPts val="600"/>
+              </a:spcAft>
+              <a:buFont typeface="Arial" panose="020B0604020202020204" pitchFamily="34" charset="0"/>
+              <a:buChar char="•"/>
+            </a:pPr>
+            <a:endParaRPr lang="en-US" sz="1500" dirty="0"/>
+          </a:p>
+          <a:p>
+            <a:pPr indent="-228600">
+              <a:lnSpc>
+                <a:spcPct val="90000"/>
+              </a:lnSpc>
+              <a:spcAft>
+                <a:spcPts val="600"/>
+              </a:spcAft>
+              <a:buFont typeface="Arial" panose="020B0604020202020204" pitchFamily="34" charset="0"/>
+              <a:buChar char="•"/>
+            </a:pPr>
+            <a:r>
+              <a:rPr lang="en-US" sz="1500" b="1" dirty="0"/>
+              <a:t>Table of Content Link:</a:t>
+            </a:r>
+            <a:r>
+              <a:rPr lang="en-US" sz="1500" dirty="0"/>
+              <a:t> [Gauss Elimination Method](#gauss-elimination-method) is written in the table of contents.</a:t>
+            </a:r>
+          </a:p>
+          <a:p>
+            <a:pPr indent="-228600">
+              <a:lnSpc>
+                <a:spcPct val="90000"/>
+              </a:lnSpc>
+              <a:spcAft>
+                <a:spcPts val="600"/>
+              </a:spcAft>
+              <a:buFont typeface="Arial" panose="020B0604020202020204" pitchFamily="34" charset="0"/>
+              <a:buChar char="•"/>
+            </a:pPr>
+            <a:endParaRPr lang="en-US" sz="1500" dirty="0"/>
+          </a:p>
+          <a:p>
+            <a:pPr indent="-228600">
+              <a:lnSpc>
+                <a:spcPct val="90000"/>
+              </a:lnSpc>
+              <a:spcAft>
+                <a:spcPts val="600"/>
+              </a:spcAft>
+              <a:buFont typeface="Arial" panose="020B0604020202020204" pitchFamily="34" charset="0"/>
+              <a:buChar char="•"/>
+            </a:pPr>
+            <a:r>
+              <a:rPr lang="en-US" sz="1500" b="1" dirty="0"/>
+              <a:t>Clicking the Link:</a:t>
+            </a:r>
+            <a:r>
+              <a:rPr lang="en-US" sz="1500" dirty="0"/>
+              <a:t> When clicked, it scrolls the page directly to that heading.</a:t>
+            </a:r>
+          </a:p>
+          <a:p>
+            <a:pPr indent="-228600">
+              <a:lnSpc>
+                <a:spcPct val="90000"/>
+              </a:lnSpc>
+              <a:spcAft>
+                <a:spcPts val="600"/>
+              </a:spcAft>
+              <a:buFont typeface="Arial" panose="020B0604020202020204" pitchFamily="34" charset="0"/>
+              <a:buChar char="•"/>
+            </a:pPr>
+            <a:endParaRPr lang="en-US" sz="1500" dirty="0"/>
+          </a:p>
+        </p:txBody>
+      </p:sp>
+      <p:pic>
+        <p:nvPicPr>
+          <p:cNvPr id="26" name="Picture 25" descr="A screenshot of a computer screen&#10;&#10;AI-generated content may be incorrect.">
+            <a:extLst>
+              <a:ext uri="{FF2B5EF4-FFF2-40B4-BE49-F238E27FC236}">
+                <a16:creationId xmlns:a16="http://schemas.microsoft.com/office/drawing/2014/main" id="{E2E58C35-4341-C7A4-DCB8-98C0B615846E}"/>
+              </a:ext>
+            </a:extLst>
+          </p:cNvPr>
+          <p:cNvPicPr>
+            <a:picLocks noChangeAspect="1"/>
+          </p:cNvPicPr>
+          <p:nvPr/>
+        </p:nvPicPr>
+        <p:blipFill>
+          <a:blip r:embed="rId3">
+            <a:extLst>
+              <a:ext uri="{28A0092B-C50C-407E-A947-70E740481C1C}">
+                <a14:useLocalDpi xmlns:a14="http://schemas.microsoft.com/office/drawing/2010/main" val="0"/>
+              </a:ext>
+            </a:extLst>
+          </a:blip>
+          <a:stretch>
+            <a:fillRect/>
+          </a:stretch>
+        </p:blipFill>
+        <p:spPr>
+          <a:xfrm>
+            <a:off x="8643693" y="3753435"/>
+            <a:ext cx="2908227" cy="1777756"/>
+          </a:xfrm>
+          <a:prstGeom prst="rect">
+            <a:avLst/>
+          </a:prstGeom>
+        </p:spPr>
+      </p:pic>
+      <p:pic>
+        <p:nvPicPr>
+          <p:cNvPr id="18" name="Picture 17" descr="A screenshot of a computer code&#10;&#10;AI-generated content may be incorrect.">
+            <a:extLst>
+              <a:ext uri="{FF2B5EF4-FFF2-40B4-BE49-F238E27FC236}">
+                <a16:creationId xmlns:a16="http://schemas.microsoft.com/office/drawing/2014/main" id="{5394411B-ABDC-E75F-B92C-FA8968EAA32D}"/>
+              </a:ext>
+            </a:extLst>
+          </p:cNvPr>
+          <p:cNvPicPr>
+            <a:picLocks noChangeAspect="1"/>
+          </p:cNvPicPr>
+          <p:nvPr/>
+        </p:nvPicPr>
+        <p:blipFill>
+          <a:blip r:embed="rId4">
+            <a:extLst>
+              <a:ext uri="{28A0092B-C50C-407E-A947-70E740481C1C}">
+                <a14:useLocalDpi xmlns:a14="http://schemas.microsoft.com/office/drawing/2010/main" val="0"/>
+              </a:ext>
+            </a:extLst>
+          </a:blip>
+          <a:stretch>
+            <a:fillRect/>
+          </a:stretch>
+        </p:blipFill>
+        <p:spPr>
+          <a:xfrm>
+            <a:off x="7555992" y="1496343"/>
+            <a:ext cx="3995928" cy="1649627"/>
+          </a:xfrm>
+          <a:prstGeom prst="rect">
+            <a:avLst/>
+          </a:prstGeom>
+        </p:spPr>
+      </p:pic>
+      <p:sp>
+        <p:nvSpPr>
+          <p:cNvPr id="3" name="TextBox 2">
+            <a:extLst>
+              <a:ext uri="{FF2B5EF4-FFF2-40B4-BE49-F238E27FC236}">
+                <a16:creationId xmlns:a16="http://schemas.microsoft.com/office/drawing/2014/main" id="{54FF63AA-9FCA-492B-8F52-DF211A3F3035}"/>
+              </a:ext>
+            </a:extLst>
+          </p:cNvPr>
+          <p:cNvSpPr txBox="1"/>
+          <p:nvPr/>
+        </p:nvSpPr>
+        <p:spPr>
+          <a:xfrm flipH="1">
+            <a:off x="9095404" y="3145970"/>
+            <a:ext cx="917104" cy="369332"/>
+          </a:xfrm>
+          <a:prstGeom prst="rect">
+            <a:avLst/>
+          </a:prstGeom>
+          <a:noFill/>
+        </p:spPr>
+        <p:txBody>
+          <a:bodyPr wrap="square" rtlCol="0">
+            <a:spAutoFit/>
+          </a:bodyPr>
+          <a:lstStyle/>
+          <a:p>
+            <a:r>
+              <a:rPr lang="en-US" b="1" dirty="0"/>
+              <a:t>Fig 3.8</a:t>
+            </a:r>
+          </a:p>
+        </p:txBody>
+      </p:sp>
+      <p:sp>
+        <p:nvSpPr>
+          <p:cNvPr id="4" name="TextBox 3">
+            <a:extLst>
+              <a:ext uri="{FF2B5EF4-FFF2-40B4-BE49-F238E27FC236}">
+                <a16:creationId xmlns:a16="http://schemas.microsoft.com/office/drawing/2014/main" id="{AB400422-69F5-7BC1-9800-112C65AC2E41}"/>
+              </a:ext>
+            </a:extLst>
+          </p:cNvPr>
+          <p:cNvSpPr txBox="1"/>
+          <p:nvPr/>
+        </p:nvSpPr>
+        <p:spPr>
+          <a:xfrm flipH="1">
+            <a:off x="9639254" y="5769324"/>
+            <a:ext cx="917104" cy="369332"/>
+          </a:xfrm>
+          <a:prstGeom prst="rect">
+            <a:avLst/>
+          </a:prstGeom>
+          <a:noFill/>
+        </p:spPr>
+        <p:txBody>
+          <a:bodyPr wrap="square" rtlCol="0">
+            <a:spAutoFit/>
+          </a:bodyPr>
+          <a:lstStyle/>
+          <a:p>
+            <a:r>
+              <a:rPr lang="en-US" b="1" dirty="0"/>
+              <a:t>Fig 3.9</a:t>
+            </a:r>
+          </a:p>
+        </p:txBody>
+      </p:sp>
+      <p:sp>
+        <p:nvSpPr>
+          <p:cNvPr id="8" name="Slide Number Placeholder 18">
+            <a:extLst>
+              <a:ext uri="{FF2B5EF4-FFF2-40B4-BE49-F238E27FC236}">
+                <a16:creationId xmlns:a16="http://schemas.microsoft.com/office/drawing/2014/main" id="{B131D26F-436D-96AE-DA87-2490003D9414}"/>
+              </a:ext>
+            </a:extLst>
+          </p:cNvPr>
+          <p:cNvSpPr txBox="1">
+            <a:spLocks/>
+          </p:cNvSpPr>
+          <p:nvPr/>
+        </p:nvSpPr>
+        <p:spPr>
+          <a:xfrm>
+            <a:off x="26748" y="6401483"/>
+            <a:ext cx="659052" cy="365125"/>
+          </a:xfrm>
+          <a:prstGeom prst="rect">
+            <a:avLst/>
+          </a:prstGeom>
+        </p:spPr>
+        <p:txBody>
+          <a:bodyPr vert="horz" lIns="91440" tIns="45720" rIns="91440" bIns="45720" rtlCol="0" anchor="ctr"/>
+          <a:lstStyle>
+            <a:defPPr>
+              <a:defRPr lang="en-US"/>
+            </a:defPPr>
+            <a:lvl1pPr marL="0" algn="r" defTabSz="914400" rtl="0" eaLnBrk="1" latinLnBrk="0" hangingPunct="1">
+              <a:defRPr sz="1200" kern="1200">
+                <a:solidFill>
+                  <a:schemeClr val="tx1">
+                    <a:tint val="82000"/>
+                  </a:schemeClr>
+                </a:solidFill>
+                <a:latin typeface="+mn-lt"/>
+                <a:ea typeface="+mn-ea"/>
+                <a:cs typeface="+mn-cs"/>
+              </a:defRPr>
+            </a:lvl1pPr>
+            <a:lvl2pPr marL="457200" algn="l" defTabSz="914400" rtl="0" eaLnBrk="1" latinLnBrk="0" hangingPunct="1">
+              <a:defRPr sz="1800" kern="1200">
+                <a:solidFill>
+                  <a:schemeClr val="tx1"/>
+                </a:solidFill>
+                <a:latin typeface="+mn-lt"/>
+                <a:ea typeface="+mn-ea"/>
+                <a:cs typeface="+mn-cs"/>
+              </a:defRPr>
+            </a:lvl2pPr>
+            <a:lvl3pPr marL="914400" algn="l" defTabSz="914400" rtl="0" eaLnBrk="1" latinLnBrk="0" hangingPunct="1">
+              <a:defRPr sz="1800" kern="1200">
+                <a:solidFill>
+                  <a:schemeClr val="tx1"/>
+                </a:solidFill>
+                <a:latin typeface="+mn-lt"/>
+                <a:ea typeface="+mn-ea"/>
+                <a:cs typeface="+mn-cs"/>
+              </a:defRPr>
+            </a:lvl3pPr>
+            <a:lvl4pPr marL="1371600" algn="l" defTabSz="914400" rtl="0" eaLnBrk="1" latinLnBrk="0" hangingPunct="1">
+              <a:defRPr sz="1800" kern="1200">
+                <a:solidFill>
+                  <a:schemeClr val="tx1"/>
+                </a:solidFill>
+                <a:latin typeface="+mn-lt"/>
+                <a:ea typeface="+mn-ea"/>
+                <a:cs typeface="+mn-cs"/>
+              </a:defRPr>
+            </a:lvl4pPr>
+            <a:lvl5pPr marL="1828800" algn="l" defTabSz="914400" rtl="0" eaLnBrk="1" latinLnBrk="0" hangingPunct="1">
+              <a:defRPr sz="1800" kern="1200">
+                <a:solidFill>
+                  <a:schemeClr val="tx1"/>
+                </a:solidFill>
+                <a:latin typeface="+mn-lt"/>
+                <a:ea typeface="+mn-ea"/>
+                <a:cs typeface="+mn-cs"/>
+              </a:defRPr>
+            </a:lvl5pPr>
+            <a:lvl6pPr marL="2286000" algn="l" defTabSz="914400" rtl="0" eaLnBrk="1" latinLnBrk="0" hangingPunct="1">
+              <a:defRPr sz="1800" kern="1200">
+                <a:solidFill>
+                  <a:schemeClr val="tx1"/>
+                </a:solidFill>
+                <a:latin typeface="+mn-lt"/>
+                <a:ea typeface="+mn-ea"/>
+                <a:cs typeface="+mn-cs"/>
+              </a:defRPr>
+            </a:lvl6pPr>
+            <a:lvl7pPr marL="2743200" algn="l" defTabSz="914400" rtl="0" eaLnBrk="1" latinLnBrk="0" hangingPunct="1">
+              <a:defRPr sz="1800" kern="1200">
+                <a:solidFill>
+                  <a:schemeClr val="tx1"/>
+                </a:solidFill>
+                <a:latin typeface="+mn-lt"/>
+                <a:ea typeface="+mn-ea"/>
+                <a:cs typeface="+mn-cs"/>
+              </a:defRPr>
+            </a:lvl7pPr>
+            <a:lvl8pPr marL="3200400" algn="l" defTabSz="914400" rtl="0" eaLnBrk="1" latinLnBrk="0" hangingPunct="1">
+              <a:defRPr sz="1800" kern="1200">
+                <a:solidFill>
+                  <a:schemeClr val="tx1"/>
+                </a:solidFill>
+                <a:latin typeface="+mn-lt"/>
+                <a:ea typeface="+mn-ea"/>
+                <a:cs typeface="+mn-cs"/>
+              </a:defRPr>
+            </a:lvl8pPr>
+            <a:lvl9pPr marL="3657600" algn="l" defTabSz="914400" rtl="0" eaLnBrk="1" latinLnBrk="0" hangingPunct="1">
+              <a:defRPr sz="1800" kern="1200">
+                <a:solidFill>
+                  <a:schemeClr val="tx1"/>
+                </a:solidFill>
+                <a:latin typeface="+mn-lt"/>
+                <a:ea typeface="+mn-ea"/>
+                <a:cs typeface="+mn-cs"/>
+              </a:defRPr>
+            </a:lvl9pPr>
+          </a:lstStyle>
+          <a:p>
+            <a:fld id="{8F1D01A0-D233-4FA1-8698-D063092A8F39}" type="slidenum">
+              <a:rPr lang="en-US" sz="3200" b="1" smtClean="0"/>
+              <a:pPr/>
+              <a:t>24</a:t>
+            </a:fld>
+            <a:endParaRPr lang="en-US" sz="3200" b="1" dirty="0"/>
+          </a:p>
+        </p:txBody>
+      </p:sp>
+    </p:spTree>
+  </p:cSld>
+  <p:clrMapOvr>
+    <a:masterClrMapping/>
+  </p:clrMapOvr>
+  <mc:AlternateContent xmlns:mc="http://schemas.openxmlformats.org/markup-compatibility/2006" xmlns:p159="http://schemas.microsoft.com/office/powerpoint/2015/09/main">
+    <mc:Choice Requires="p159">
+      <p:transition xmlns:p14="http://schemas.microsoft.com/office/powerpoint/2010/main" spd="slow" p14:dur="2000">
+        <p159:morph option="byObject"/>
+      </p:transition>
+    </mc:Choice>
+    <mc:Fallback xmlns="">
+      <p:transition spd="slow">
+        <p:fade/>
+      </p:transition>
+    </mc:Fallback>
+  </mc:AlternateContent>
+</p:sld>
+</file>
+
+<file path=ppt/slides/slide25.xml><?xml version="1.0" encoding="utf-8"?>
 <p:sld xmlns:a="http://schemas.openxmlformats.org/drawingml/2006/main" xmlns:r="http://schemas.openxmlformats.org/officeDocument/2006/relationships" xmlns:p="http://schemas.openxmlformats.org/presentationml/2006/main">
   <p:cSld>
     <p:spTree>
@@ -14592,6 +18378,138 @@
           </p:txBody>
         </p:sp>
       </p:grpSp>
+      <p:sp>
+        <p:nvSpPr>
+          <p:cNvPr id="18" name="Slide Number Placeholder 18">
+            <a:extLst>
+              <a:ext uri="{FF2B5EF4-FFF2-40B4-BE49-F238E27FC236}">
+                <a16:creationId xmlns:a16="http://schemas.microsoft.com/office/drawing/2014/main" id="{A764B440-09B4-5F58-A790-4E36C03BABE6}"/>
+              </a:ext>
+            </a:extLst>
+          </p:cNvPr>
+          <p:cNvSpPr txBox="1">
+            <a:spLocks/>
+          </p:cNvSpPr>
+          <p:nvPr/>
+        </p:nvSpPr>
+        <p:spPr>
+          <a:xfrm>
+            <a:off x="26748" y="6401483"/>
+            <a:ext cx="659052" cy="365125"/>
+          </a:xfrm>
+          <a:prstGeom prst="rect">
+            <a:avLst/>
+          </a:prstGeom>
+        </p:spPr>
+        <p:txBody>
+          <a:bodyPr vert="horz" lIns="91440" tIns="45720" rIns="91440" bIns="45720" rtlCol="0" anchor="ctr"/>
+          <a:lstStyle>
+            <a:defPPr>
+              <a:defRPr lang="en-US"/>
+            </a:defPPr>
+            <a:lvl1pPr marL="0" algn="r" defTabSz="914400" rtl="0" eaLnBrk="1" latinLnBrk="0" hangingPunct="1">
+              <a:defRPr sz="1200" kern="1200">
+                <a:solidFill>
+                  <a:schemeClr val="tx1">
+                    <a:tint val="82000"/>
+                  </a:schemeClr>
+                </a:solidFill>
+                <a:latin typeface="+mn-lt"/>
+                <a:ea typeface="+mn-ea"/>
+                <a:cs typeface="+mn-cs"/>
+              </a:defRPr>
+            </a:lvl1pPr>
+            <a:lvl2pPr marL="457200" algn="l" defTabSz="914400" rtl="0" eaLnBrk="1" latinLnBrk="0" hangingPunct="1">
+              <a:defRPr sz="1800" kern="1200">
+                <a:solidFill>
+                  <a:schemeClr val="tx1"/>
+                </a:solidFill>
+                <a:latin typeface="+mn-lt"/>
+                <a:ea typeface="+mn-ea"/>
+                <a:cs typeface="+mn-cs"/>
+              </a:defRPr>
+            </a:lvl2pPr>
+            <a:lvl3pPr marL="914400" algn="l" defTabSz="914400" rtl="0" eaLnBrk="1" latinLnBrk="0" hangingPunct="1">
+              <a:defRPr sz="1800" kern="1200">
+                <a:solidFill>
+                  <a:schemeClr val="tx1"/>
+                </a:solidFill>
+                <a:latin typeface="+mn-lt"/>
+                <a:ea typeface="+mn-ea"/>
+                <a:cs typeface="+mn-cs"/>
+              </a:defRPr>
+            </a:lvl3pPr>
+            <a:lvl4pPr marL="1371600" algn="l" defTabSz="914400" rtl="0" eaLnBrk="1" latinLnBrk="0" hangingPunct="1">
+              <a:defRPr sz="1800" kern="1200">
+                <a:solidFill>
+                  <a:schemeClr val="tx1"/>
+                </a:solidFill>
+                <a:latin typeface="+mn-lt"/>
+                <a:ea typeface="+mn-ea"/>
+                <a:cs typeface="+mn-cs"/>
+              </a:defRPr>
+            </a:lvl4pPr>
+            <a:lvl5pPr marL="1828800" algn="l" defTabSz="914400" rtl="0" eaLnBrk="1" latinLnBrk="0" hangingPunct="1">
+              <a:defRPr sz="1800" kern="1200">
+                <a:solidFill>
+                  <a:schemeClr val="tx1"/>
+                </a:solidFill>
+                <a:latin typeface="+mn-lt"/>
+                <a:ea typeface="+mn-ea"/>
+                <a:cs typeface="+mn-cs"/>
+              </a:defRPr>
+            </a:lvl5pPr>
+            <a:lvl6pPr marL="2286000" algn="l" defTabSz="914400" rtl="0" eaLnBrk="1" latinLnBrk="0" hangingPunct="1">
+              <a:defRPr sz="1800" kern="1200">
+                <a:solidFill>
+                  <a:schemeClr val="tx1"/>
+                </a:solidFill>
+                <a:latin typeface="+mn-lt"/>
+                <a:ea typeface="+mn-ea"/>
+                <a:cs typeface="+mn-cs"/>
+              </a:defRPr>
+            </a:lvl6pPr>
+            <a:lvl7pPr marL="2743200" algn="l" defTabSz="914400" rtl="0" eaLnBrk="1" latinLnBrk="0" hangingPunct="1">
+              <a:defRPr sz="1800" kern="1200">
+                <a:solidFill>
+                  <a:schemeClr val="tx1"/>
+                </a:solidFill>
+                <a:latin typeface="+mn-lt"/>
+                <a:ea typeface="+mn-ea"/>
+                <a:cs typeface="+mn-cs"/>
+              </a:defRPr>
+            </a:lvl7pPr>
+            <a:lvl8pPr marL="3200400" algn="l" defTabSz="914400" rtl="0" eaLnBrk="1" latinLnBrk="0" hangingPunct="1">
+              <a:defRPr sz="1800" kern="1200">
+                <a:solidFill>
+                  <a:schemeClr val="tx1"/>
+                </a:solidFill>
+                <a:latin typeface="+mn-lt"/>
+                <a:ea typeface="+mn-ea"/>
+                <a:cs typeface="+mn-cs"/>
+              </a:defRPr>
+            </a:lvl8pPr>
+            <a:lvl9pPr marL="3657600" algn="l" defTabSz="914400" rtl="0" eaLnBrk="1" latinLnBrk="0" hangingPunct="1">
+              <a:defRPr sz="1800" kern="1200">
+                <a:solidFill>
+                  <a:schemeClr val="tx1"/>
+                </a:solidFill>
+                <a:latin typeface="+mn-lt"/>
+                <a:ea typeface="+mn-ea"/>
+                <a:cs typeface="+mn-cs"/>
+              </a:defRPr>
+            </a:lvl9pPr>
+          </a:lstStyle>
+          <a:p>
+            <a:fld id="{8F1D01A0-D233-4FA1-8698-D063092A8F39}" type="slidenum">
+              <a:rPr lang="en-US" sz="3200" b="1" smtClean="0"/>
+              <a:pPr/>
+              <a:t>25</a:t>
+            </a:fld>
+            <a:endParaRPr lang="en-US" sz="3200" b="1" dirty="0"/>
+          </a:p>
+        </p:txBody>
+      </p:sp>
     </p:spTree>
   </p:cSld>
   <p:clrMapOvr>
@@ -14612,7 +18530,7 @@
 </p:sld>
 </file>
 
-<file path=ppt/slides/slide25.xml><?xml version="1.0" encoding="utf-8"?>
+<file path=ppt/slides/slide26.xml><?xml version="1.0" encoding="utf-8"?>
 <p:sld xmlns:a="http://schemas.openxmlformats.org/drawingml/2006/main" xmlns:r="http://schemas.openxmlformats.org/officeDocument/2006/relationships" xmlns:p="http://schemas.openxmlformats.org/presentationml/2006/main">
   <p:cSld>
     <p:spTree>
@@ -14751,6 +18669,138 @@
               </a:rPr>
               <a:t>Thank You</a:t>
             </a:r>
+          </a:p>
+        </p:txBody>
+      </p:sp>
+      <p:sp>
+        <p:nvSpPr>
+          <p:cNvPr id="6" name="Slide Number Placeholder 18">
+            <a:extLst>
+              <a:ext uri="{FF2B5EF4-FFF2-40B4-BE49-F238E27FC236}">
+                <a16:creationId xmlns:a16="http://schemas.microsoft.com/office/drawing/2014/main" id="{F0B3EFA8-E9DF-E8B4-CF63-027DDB2670C6}"/>
+              </a:ext>
+            </a:extLst>
+          </p:cNvPr>
+          <p:cNvSpPr txBox="1">
+            <a:spLocks/>
+          </p:cNvSpPr>
+          <p:nvPr/>
+        </p:nvSpPr>
+        <p:spPr>
+          <a:xfrm>
+            <a:off x="26748" y="6401483"/>
+            <a:ext cx="659052" cy="365125"/>
+          </a:xfrm>
+          <a:prstGeom prst="rect">
+            <a:avLst/>
+          </a:prstGeom>
+        </p:spPr>
+        <p:txBody>
+          <a:bodyPr vert="horz" lIns="91440" tIns="45720" rIns="91440" bIns="45720" rtlCol="0" anchor="ctr"/>
+          <a:lstStyle>
+            <a:defPPr>
+              <a:defRPr lang="en-US"/>
+            </a:defPPr>
+            <a:lvl1pPr marL="0" algn="r" defTabSz="914400" rtl="0" eaLnBrk="1" latinLnBrk="0" hangingPunct="1">
+              <a:defRPr sz="1200" kern="1200">
+                <a:solidFill>
+                  <a:schemeClr val="tx1">
+                    <a:tint val="82000"/>
+                  </a:schemeClr>
+                </a:solidFill>
+                <a:latin typeface="+mn-lt"/>
+                <a:ea typeface="+mn-ea"/>
+                <a:cs typeface="+mn-cs"/>
+              </a:defRPr>
+            </a:lvl1pPr>
+            <a:lvl2pPr marL="457200" algn="l" defTabSz="914400" rtl="0" eaLnBrk="1" latinLnBrk="0" hangingPunct="1">
+              <a:defRPr sz="1800" kern="1200">
+                <a:solidFill>
+                  <a:schemeClr val="tx1"/>
+                </a:solidFill>
+                <a:latin typeface="+mn-lt"/>
+                <a:ea typeface="+mn-ea"/>
+                <a:cs typeface="+mn-cs"/>
+              </a:defRPr>
+            </a:lvl2pPr>
+            <a:lvl3pPr marL="914400" algn="l" defTabSz="914400" rtl="0" eaLnBrk="1" latinLnBrk="0" hangingPunct="1">
+              <a:defRPr sz="1800" kern="1200">
+                <a:solidFill>
+                  <a:schemeClr val="tx1"/>
+                </a:solidFill>
+                <a:latin typeface="+mn-lt"/>
+                <a:ea typeface="+mn-ea"/>
+                <a:cs typeface="+mn-cs"/>
+              </a:defRPr>
+            </a:lvl3pPr>
+            <a:lvl4pPr marL="1371600" algn="l" defTabSz="914400" rtl="0" eaLnBrk="1" latinLnBrk="0" hangingPunct="1">
+              <a:defRPr sz="1800" kern="1200">
+                <a:solidFill>
+                  <a:schemeClr val="tx1"/>
+                </a:solidFill>
+                <a:latin typeface="+mn-lt"/>
+                <a:ea typeface="+mn-ea"/>
+                <a:cs typeface="+mn-cs"/>
+              </a:defRPr>
+            </a:lvl4pPr>
+            <a:lvl5pPr marL="1828800" algn="l" defTabSz="914400" rtl="0" eaLnBrk="1" latinLnBrk="0" hangingPunct="1">
+              <a:defRPr sz="1800" kern="1200">
+                <a:solidFill>
+                  <a:schemeClr val="tx1"/>
+                </a:solidFill>
+                <a:latin typeface="+mn-lt"/>
+                <a:ea typeface="+mn-ea"/>
+                <a:cs typeface="+mn-cs"/>
+              </a:defRPr>
+            </a:lvl5pPr>
+            <a:lvl6pPr marL="2286000" algn="l" defTabSz="914400" rtl="0" eaLnBrk="1" latinLnBrk="0" hangingPunct="1">
+              <a:defRPr sz="1800" kern="1200">
+                <a:solidFill>
+                  <a:schemeClr val="tx1"/>
+                </a:solidFill>
+                <a:latin typeface="+mn-lt"/>
+                <a:ea typeface="+mn-ea"/>
+                <a:cs typeface="+mn-cs"/>
+              </a:defRPr>
+            </a:lvl6pPr>
+            <a:lvl7pPr marL="2743200" algn="l" defTabSz="914400" rtl="0" eaLnBrk="1" latinLnBrk="0" hangingPunct="1">
+              <a:defRPr sz="1800" kern="1200">
+                <a:solidFill>
+                  <a:schemeClr val="tx1"/>
+                </a:solidFill>
+                <a:latin typeface="+mn-lt"/>
+                <a:ea typeface="+mn-ea"/>
+                <a:cs typeface="+mn-cs"/>
+              </a:defRPr>
+            </a:lvl7pPr>
+            <a:lvl8pPr marL="3200400" algn="l" defTabSz="914400" rtl="0" eaLnBrk="1" latinLnBrk="0" hangingPunct="1">
+              <a:defRPr sz="1800" kern="1200">
+                <a:solidFill>
+                  <a:schemeClr val="tx1"/>
+                </a:solidFill>
+                <a:latin typeface="+mn-lt"/>
+                <a:ea typeface="+mn-ea"/>
+                <a:cs typeface="+mn-cs"/>
+              </a:defRPr>
+            </a:lvl8pPr>
+            <a:lvl9pPr marL="3657600" algn="l" defTabSz="914400" rtl="0" eaLnBrk="1" latinLnBrk="0" hangingPunct="1">
+              <a:defRPr sz="1800" kern="1200">
+                <a:solidFill>
+                  <a:schemeClr val="tx1"/>
+                </a:solidFill>
+                <a:latin typeface="+mn-lt"/>
+                <a:ea typeface="+mn-ea"/>
+                <a:cs typeface="+mn-cs"/>
+              </a:defRPr>
+            </a:lvl9pPr>
+          </a:lstStyle>
+          <a:p>
+            <a:fld id="{8F1D01A0-D233-4FA1-8698-D063092A8F39}" type="slidenum">
+              <a:rPr lang="en-US" sz="3200" b="1" smtClean="0"/>
+              <a:pPr/>
+              <a:t>26</a:t>
+            </a:fld>
+            <a:endParaRPr lang="en-US" sz="3200" b="1" dirty="0"/>
           </a:p>
         </p:txBody>
       </p:sp>
@@ -15268,6 +19318,203 @@
           </p:txBody>
         </p:sp>
       </p:grpSp>
+      <p:sp>
+        <p:nvSpPr>
+          <p:cNvPr id="4" name="TextBox 3">
+            <a:extLst>
+              <a:ext uri="{FF2B5EF4-FFF2-40B4-BE49-F238E27FC236}">
+                <a16:creationId xmlns:a16="http://schemas.microsoft.com/office/drawing/2014/main" id="{161BDC84-17AE-45BD-412C-AD84C904652D}"/>
+              </a:ext>
+            </a:extLst>
+          </p:cNvPr>
+          <p:cNvSpPr txBox="1"/>
+          <p:nvPr/>
+        </p:nvSpPr>
+        <p:spPr>
+          <a:xfrm flipH="1">
+            <a:off x="8063977" y="3343648"/>
+            <a:ext cx="917104" cy="369332"/>
+          </a:xfrm>
+          <a:prstGeom prst="rect">
+            <a:avLst/>
+          </a:prstGeom>
+          <a:noFill/>
+        </p:spPr>
+        <p:txBody>
+          <a:bodyPr wrap="square" rtlCol="0">
+            <a:spAutoFit/>
+          </a:bodyPr>
+          <a:lstStyle/>
+          <a:p>
+            <a:r>
+              <a:rPr lang="en-US" b="1" dirty="0"/>
+              <a:t>Fig 1.1</a:t>
+            </a:r>
+          </a:p>
+        </p:txBody>
+      </p:sp>
+      <p:sp>
+        <p:nvSpPr>
+          <p:cNvPr id="14" name="Slide Number Placeholder 13">
+            <a:extLst>
+              <a:ext uri="{FF2B5EF4-FFF2-40B4-BE49-F238E27FC236}">
+                <a16:creationId xmlns:a16="http://schemas.microsoft.com/office/drawing/2014/main" id="{6B6E1835-7D89-E4F9-CEF2-0E7753F2F9AB}"/>
+              </a:ext>
+            </a:extLst>
+          </p:cNvPr>
+          <p:cNvSpPr>
+            <a:spLocks noGrp="1"/>
+          </p:cNvSpPr>
+          <p:nvPr>
+            <p:ph type="sldNum" sz="quarter" idx="12"/>
+          </p:nvPr>
+        </p:nvSpPr>
+        <p:spPr/>
+        <p:txBody>
+          <a:bodyPr/>
+          <a:lstStyle/>
+          <a:p>
+            <a:fld id="{B6F15528-21DE-4FAA-801E-634DDDAF4B2B}" type="slidenum">
+              <a:rPr lang="en-US" smtClean="0"/>
+              <a:pPr/>
+              <a:t>3</a:t>
+            </a:fld>
+            <a:endParaRPr lang="en-US"/>
+          </a:p>
+        </p:txBody>
+      </p:sp>
+      <p:sp>
+        <p:nvSpPr>
+          <p:cNvPr id="17" name="Slide Number Placeholder 18">
+            <a:extLst>
+              <a:ext uri="{FF2B5EF4-FFF2-40B4-BE49-F238E27FC236}">
+                <a16:creationId xmlns:a16="http://schemas.microsoft.com/office/drawing/2014/main" id="{6D73849C-2BFD-595C-BDF8-ACC6290D68ED}"/>
+              </a:ext>
+            </a:extLst>
+          </p:cNvPr>
+          <p:cNvSpPr txBox="1">
+            <a:spLocks/>
+          </p:cNvSpPr>
+          <p:nvPr/>
+        </p:nvSpPr>
+        <p:spPr>
+          <a:xfrm>
+            <a:off x="26748" y="6401483"/>
+            <a:ext cx="405421" cy="365125"/>
+          </a:xfrm>
+          <a:prstGeom prst="rect">
+            <a:avLst/>
+          </a:prstGeom>
+        </p:spPr>
+        <p:txBody>
+          <a:bodyPr vert="horz" lIns="91440" tIns="45720" rIns="91440" bIns="45720" rtlCol="0" anchor="ctr"/>
+          <a:lstStyle>
+            <a:defPPr>
+              <a:defRPr lang="en-US"/>
+            </a:defPPr>
+            <a:lvl1pPr marL="0" algn="r" defTabSz="914400" rtl="0" eaLnBrk="1" latinLnBrk="0" hangingPunct="1">
+              <a:defRPr sz="800" kern="1200">
+                <a:solidFill>
+                  <a:schemeClr val="tx1">
+                    <a:tint val="75000"/>
+                  </a:schemeClr>
+                </a:solidFill>
+                <a:latin typeface="+mn-lt"/>
+                <a:ea typeface="+mn-ea"/>
+                <a:cs typeface="+mn-cs"/>
+              </a:defRPr>
+            </a:lvl1pPr>
+            <a:lvl2pPr marL="457200" algn="l" defTabSz="914400" rtl="0" eaLnBrk="1" latinLnBrk="0" hangingPunct="1">
+              <a:defRPr sz="1800" kern="1200">
+                <a:solidFill>
+                  <a:schemeClr val="tx1"/>
+                </a:solidFill>
+                <a:latin typeface="+mn-lt"/>
+                <a:ea typeface="+mn-ea"/>
+                <a:cs typeface="+mn-cs"/>
+              </a:defRPr>
+            </a:lvl2pPr>
+            <a:lvl3pPr marL="914400" algn="l" defTabSz="914400" rtl="0" eaLnBrk="1" latinLnBrk="0" hangingPunct="1">
+              <a:defRPr sz="1800" kern="1200">
+                <a:solidFill>
+                  <a:schemeClr val="tx1"/>
+                </a:solidFill>
+                <a:latin typeface="+mn-lt"/>
+                <a:ea typeface="+mn-ea"/>
+                <a:cs typeface="+mn-cs"/>
+              </a:defRPr>
+            </a:lvl3pPr>
+            <a:lvl4pPr marL="1371600" algn="l" defTabSz="914400" rtl="0" eaLnBrk="1" latinLnBrk="0" hangingPunct="1">
+              <a:defRPr sz="1800" kern="1200">
+                <a:solidFill>
+                  <a:schemeClr val="tx1"/>
+                </a:solidFill>
+                <a:latin typeface="+mn-lt"/>
+                <a:ea typeface="+mn-ea"/>
+                <a:cs typeface="+mn-cs"/>
+              </a:defRPr>
+            </a:lvl4pPr>
+            <a:lvl5pPr marL="1828800" algn="l" defTabSz="914400" rtl="0" eaLnBrk="1" latinLnBrk="0" hangingPunct="1">
+              <a:defRPr sz="1800" kern="1200">
+                <a:solidFill>
+                  <a:schemeClr val="tx1"/>
+                </a:solidFill>
+                <a:latin typeface="+mn-lt"/>
+                <a:ea typeface="+mn-ea"/>
+                <a:cs typeface="+mn-cs"/>
+              </a:defRPr>
+            </a:lvl5pPr>
+            <a:lvl6pPr marL="2286000" algn="l" defTabSz="914400" rtl="0" eaLnBrk="1" latinLnBrk="0" hangingPunct="1">
+              <a:defRPr sz="1800" kern="1200">
+                <a:solidFill>
+                  <a:schemeClr val="tx1"/>
+                </a:solidFill>
+                <a:latin typeface="+mn-lt"/>
+                <a:ea typeface="+mn-ea"/>
+                <a:cs typeface="+mn-cs"/>
+              </a:defRPr>
+            </a:lvl6pPr>
+            <a:lvl7pPr marL="2743200" algn="l" defTabSz="914400" rtl="0" eaLnBrk="1" latinLnBrk="0" hangingPunct="1">
+              <a:defRPr sz="1800" kern="1200">
+                <a:solidFill>
+                  <a:schemeClr val="tx1"/>
+                </a:solidFill>
+                <a:latin typeface="+mn-lt"/>
+                <a:ea typeface="+mn-ea"/>
+                <a:cs typeface="+mn-cs"/>
+              </a:defRPr>
+            </a:lvl7pPr>
+            <a:lvl8pPr marL="3200400" algn="l" defTabSz="914400" rtl="0" eaLnBrk="1" latinLnBrk="0" hangingPunct="1">
+              <a:defRPr sz="1800" kern="1200">
+                <a:solidFill>
+                  <a:schemeClr val="tx1"/>
+                </a:solidFill>
+                <a:latin typeface="+mn-lt"/>
+                <a:ea typeface="+mn-ea"/>
+                <a:cs typeface="+mn-cs"/>
+              </a:defRPr>
+            </a:lvl8pPr>
+            <a:lvl9pPr marL="3657600" algn="l" defTabSz="914400" rtl="0" eaLnBrk="1" latinLnBrk="0" hangingPunct="1">
+              <a:defRPr sz="1800" kern="1200">
+                <a:solidFill>
+                  <a:schemeClr val="tx1"/>
+                </a:solidFill>
+                <a:latin typeface="+mn-lt"/>
+                <a:ea typeface="+mn-ea"/>
+                <a:cs typeface="+mn-cs"/>
+              </a:defRPr>
+            </a:lvl9pPr>
+          </a:lstStyle>
+          <a:p>
+            <a:fld id="{8F1D01A0-D233-4FA1-8698-D063092A8F39}" type="slidenum">
+              <a:rPr lang="en-US" sz="3200" b="1" smtClean="0"/>
+              <a:pPr/>
+              <a:t>3</a:t>
+            </a:fld>
+            <a:endParaRPr lang="en-US" sz="3200" b="1" dirty="0"/>
+          </a:p>
+        </p:txBody>
+      </p:sp>
     </p:spTree>
     <p:extLst>
       <p:ext uri="{BB962C8B-B14F-4D97-AF65-F5344CB8AC3E}">
@@ -15298,7 +19545,13 @@
   <p:cSld>
     <p:spTree>
       <p:nvGrpSpPr>
-        <p:cNvPr id="1" name=""/>
+        <p:cNvPr id="1" name="">
+          <a:extLst>
+            <a:ext uri="{FF2B5EF4-FFF2-40B4-BE49-F238E27FC236}">
+              <a16:creationId xmlns:a16="http://schemas.microsoft.com/office/drawing/2014/main" id="{78CFE5C1-0674-CEC3-710E-7C3EC3E4D301}"/>
+            </a:ext>
+          </a:extLst>
+        </p:cNvPr>
         <p:cNvGrpSpPr/>
         <p:nvPr/>
       </p:nvGrpSpPr>
@@ -15315,7 +19568,7 @@
           <p:cNvPr id="1026" name="Picture 2">
             <a:extLst>
               <a:ext uri="{FF2B5EF4-FFF2-40B4-BE49-F238E27FC236}">
-                <a16:creationId xmlns:a16="http://schemas.microsoft.com/office/drawing/2014/main" id="{7CCCF4EB-C4B6-5065-FE34-C78D34C39185}"/>
+                <a16:creationId xmlns:a16="http://schemas.microsoft.com/office/drawing/2014/main" id="{F2151BDD-35F5-5344-E7B5-BF149BC549B7}"/>
               </a:ext>
             </a:extLst>
           </p:cNvPr>
@@ -15339,8 +19592,8 @@
         </p:blipFill>
         <p:spPr bwMode="auto">
           <a:xfrm>
-            <a:off x="-128612" y="-160414"/>
-            <a:ext cx="5333243" cy="4102494"/>
+            <a:off x="627590" y="-160415"/>
+            <a:ext cx="10936820" cy="8412937"/>
           </a:xfrm>
           <a:prstGeom prst="rect">
             <a:avLst/>
@@ -15362,7 +19615,7 @@
           <p:cNvPr id="5" name="Picture 4" descr="A white background with black and white clouds&#10;&#10;AI-generated content may be incorrect.">
             <a:extLst>
               <a:ext uri="{FF2B5EF4-FFF2-40B4-BE49-F238E27FC236}">
-                <a16:creationId xmlns:a16="http://schemas.microsoft.com/office/drawing/2014/main" id="{94658F71-C846-AC83-3714-C114C99AC578}"/>
+                <a16:creationId xmlns:a16="http://schemas.microsoft.com/office/drawing/2014/main" id="{1C469098-6B0B-704F-1AF4-59D4CFB2C6F9}"/>
               </a:ext>
             </a:extLst>
           </p:cNvPr>
@@ -15389,104 +19642,10 @@
       </p:pic>
       <p:pic>
         <p:nvPicPr>
-          <p:cNvPr id="7" name="Picture 2">
-            <a:extLst>
-              <a:ext uri="{FF2B5EF4-FFF2-40B4-BE49-F238E27FC236}">
-                <a16:creationId xmlns:a16="http://schemas.microsoft.com/office/drawing/2014/main" id="{CF03BF62-853B-2F13-AAD8-7A501ACA15A5}"/>
-              </a:ext>
-            </a:extLst>
-          </p:cNvPr>
-          <p:cNvPicPr>
-            <a:picLocks noChangeAspect="1" noChangeArrowheads="1"/>
-          </p:cNvPicPr>
-          <p:nvPr/>
-        </p:nvPicPr>
-        <p:blipFill>
-          <a:blip r:embed="rId4">
-            <a:extLst>
-              <a:ext uri="{28A0092B-C50C-407E-A947-70E740481C1C}">
-                <a14:useLocalDpi xmlns:a14="http://schemas.microsoft.com/office/drawing/2010/main" val="0"/>
-              </a:ext>
-            </a:extLst>
-          </a:blip>
-          <a:srcRect/>
-          <a:stretch>
-            <a:fillRect/>
-          </a:stretch>
-        </p:blipFill>
-        <p:spPr bwMode="auto">
-          <a:xfrm>
-            <a:off x="513746" y="3259227"/>
-            <a:ext cx="3614601" cy="3598773"/>
-          </a:xfrm>
-          <a:prstGeom prst="rect">
-            <a:avLst/>
-          </a:prstGeom>
-          <a:noFill/>
-          <a:extLst>
-            <a:ext uri="{909E8E84-426E-40DD-AFC4-6F175D3DCCD1}">
-              <a14:hiddenFill xmlns:a14="http://schemas.microsoft.com/office/drawing/2010/main">
-                <a:solidFill>
-                  <a:srgbClr val="FFFFFF"/>
-                </a:solidFill>
-              </a14:hiddenFill>
-            </a:ext>
-          </a:extLst>
-        </p:spPr>
-      </p:pic>
-      <p:pic>
-        <p:nvPicPr>
-          <p:cNvPr id="8" name="Picture 2">
-            <a:extLst>
-              <a:ext uri="{FF2B5EF4-FFF2-40B4-BE49-F238E27FC236}">
-                <a16:creationId xmlns:a16="http://schemas.microsoft.com/office/drawing/2014/main" id="{853F9EE3-ADFD-DECF-CDA0-DDD134813A57}"/>
-              </a:ext>
-            </a:extLst>
-          </p:cNvPr>
-          <p:cNvPicPr>
-            <a:picLocks noChangeAspect="1" noChangeArrowheads="1"/>
-          </p:cNvPicPr>
-          <p:nvPr/>
-        </p:nvPicPr>
-        <p:blipFill>
-          <a:blip r:embed="rId5">
-            <a:extLst>
-              <a:ext uri="{28A0092B-C50C-407E-A947-70E740481C1C}">
-                <a14:useLocalDpi xmlns:a14="http://schemas.microsoft.com/office/drawing/2010/main" val="0"/>
-              </a:ext>
-            </a:extLst>
-          </a:blip>
-          <a:srcRect/>
-          <a:stretch>
-            <a:fillRect/>
-          </a:stretch>
-        </p:blipFill>
-        <p:spPr bwMode="auto">
-          <a:xfrm>
-            <a:off x="5846989" y="0"/>
-            <a:ext cx="6543040" cy="7396625"/>
-          </a:xfrm>
-          <a:prstGeom prst="rect">
-            <a:avLst/>
-          </a:prstGeom>
-          <a:noFill/>
-          <a:extLst>
-            <a:ext uri="{909E8E84-426E-40DD-AFC4-6F175D3DCCD1}">
-              <a14:hiddenFill xmlns:a14="http://schemas.microsoft.com/office/drawing/2010/main">
-                <a:solidFill>
-                  <a:srgbClr val="FFFFFF"/>
-                </a:solidFill>
-              </a14:hiddenFill>
-            </a:ext>
-          </a:extLst>
-        </p:spPr>
-      </p:pic>
-      <p:pic>
-        <p:nvPicPr>
-          <p:cNvPr id="10" name="Picture 9" descr="A white background with black and white clouds&#10;&#10;AI-generated content may be incorrect.">
-            <a:extLst>
-              <a:ext uri="{FF2B5EF4-FFF2-40B4-BE49-F238E27FC236}">
-                <a16:creationId xmlns:a16="http://schemas.microsoft.com/office/drawing/2014/main" id="{C9078898-8042-074B-7F6D-F674C30671FC}"/>
+          <p:cNvPr id="12" name="Picture 11" descr="A white background with black and white clouds&#10;&#10;AI-generated content may be incorrect.">
+            <a:extLst>
+              <a:ext uri="{FF2B5EF4-FFF2-40B4-BE49-F238E27FC236}">
+                <a16:creationId xmlns:a16="http://schemas.microsoft.com/office/drawing/2014/main" id="{2AE758D4-8D99-77AC-BD86-59EB146412C9}"/>
               </a:ext>
             </a:extLst>
           </p:cNvPr>
@@ -15496,85 +19655,94 @@
           <p:nvPr/>
         </p:nvPicPr>
         <p:blipFill>
-          <a:blip r:embed="rId6"/>
+          <a:blip r:embed="rId4"/>
           <a:stretch>
             <a:fillRect/>
           </a:stretch>
         </p:blipFill>
         <p:spPr>
           <a:xfrm>
-            <a:off x="4103862" y="3206796"/>
-            <a:ext cx="1333686" cy="1200318"/>
+            <a:off x="3071381" y="6344261"/>
+            <a:ext cx="1333686" cy="309891"/>
           </a:xfrm>
           <a:prstGeom prst="rect">
             <a:avLst/>
           </a:prstGeom>
         </p:spPr>
       </p:pic>
-      <p:pic>
-        <p:nvPicPr>
-          <p:cNvPr id="12" name="Picture 11" descr="A white background with black and white clouds&#10;&#10;AI-generated content may be incorrect.">
-            <a:extLst>
-              <a:ext uri="{FF2B5EF4-FFF2-40B4-BE49-F238E27FC236}">
-                <a16:creationId xmlns:a16="http://schemas.microsoft.com/office/drawing/2014/main" id="{4097B7A9-B929-55EF-992A-BB86814D242F}"/>
-              </a:ext>
-            </a:extLst>
-          </p:cNvPr>
-          <p:cNvPicPr>
-            <a:picLocks noChangeAspect="1"/>
-          </p:cNvPicPr>
+      <p:sp>
+        <p:nvSpPr>
+          <p:cNvPr id="2" name="TextBox 1">
+            <a:extLst>
+              <a:ext uri="{FF2B5EF4-FFF2-40B4-BE49-F238E27FC236}">
+                <a16:creationId xmlns:a16="http://schemas.microsoft.com/office/drawing/2014/main" id="{587F6D2C-42E8-95E0-713B-1AC94037DD7C}"/>
+              </a:ext>
+            </a:extLst>
+          </p:cNvPr>
+          <p:cNvSpPr txBox="1"/>
           <p:nvPr/>
-        </p:nvPicPr>
-        <p:blipFill>
-          <a:blip r:embed="rId6"/>
-          <a:stretch>
-            <a:fillRect/>
-          </a:stretch>
-        </p:blipFill>
+        </p:nvSpPr>
         <p:spPr>
-          <a:xfrm>
-            <a:off x="3053100" y="6548109"/>
-            <a:ext cx="1333686" cy="309891"/>
+          <a:xfrm flipH="1">
+            <a:off x="6096000" y="5793631"/>
+            <a:ext cx="917104" cy="369332"/>
           </a:xfrm>
           <a:prstGeom prst="rect">
             <a:avLst/>
           </a:prstGeom>
+          <a:noFill/>
         </p:spPr>
-      </p:pic>
-      <p:pic>
-        <p:nvPicPr>
-          <p:cNvPr id="14" name="Picture 13" descr="A white background with black and white clouds&#10;&#10;AI-generated content may be incorrect.">
-            <a:extLst>
-              <a:ext uri="{FF2B5EF4-FFF2-40B4-BE49-F238E27FC236}">
-                <a16:creationId xmlns:a16="http://schemas.microsoft.com/office/drawing/2014/main" id="{8358B6CF-DCAB-61BF-D81D-BCF7173A9038}"/>
-              </a:ext>
-            </a:extLst>
-          </p:cNvPr>
-          <p:cNvPicPr>
-            <a:picLocks noChangeAspect="1"/>
-          </p:cNvPicPr>
-          <p:nvPr/>
-        </p:nvPicPr>
-        <p:blipFill>
-          <a:blip r:embed="rId7"/>
-          <a:stretch>
-            <a:fillRect/>
-          </a:stretch>
-        </p:blipFill>
+        <p:txBody>
+          <a:bodyPr wrap="square" rtlCol="0">
+            <a:spAutoFit/>
+          </a:bodyPr>
+          <a:lstStyle/>
+          <a:p>
+            <a:r>
+              <a:rPr lang="en-US" b="1" dirty="0"/>
+              <a:t>Fig 1.2</a:t>
+            </a:r>
+          </a:p>
+        </p:txBody>
+      </p:sp>
+      <p:sp>
+        <p:nvSpPr>
+          <p:cNvPr id="7" name="Slide Number Placeholder 18">
+            <a:extLst>
+              <a:ext uri="{FF2B5EF4-FFF2-40B4-BE49-F238E27FC236}">
+                <a16:creationId xmlns:a16="http://schemas.microsoft.com/office/drawing/2014/main" id="{9DEE22F3-53B1-F87F-8C7A-56F77EE33DF5}"/>
+              </a:ext>
+            </a:extLst>
+          </p:cNvPr>
+          <p:cNvSpPr>
+            <a:spLocks noGrp="1"/>
+          </p:cNvSpPr>
+          <p:nvPr>
+            <p:ph type="sldNum" sz="quarter" idx="12"/>
+          </p:nvPr>
+        </p:nvSpPr>
         <p:spPr>
           <a:xfrm>
-            <a:off x="2625234" y="3259227"/>
-            <a:ext cx="1761552" cy="915370"/>
-          </a:xfrm>
-          <a:prstGeom prst="rect">
-            <a:avLst/>
-          </a:prstGeom>
+            <a:off x="26748" y="6401483"/>
+            <a:ext cx="405421" cy="365125"/>
+          </a:xfrm>
         </p:spPr>
-      </p:pic>
+        <p:txBody>
+          <a:bodyPr/>
+          <a:lstStyle/>
+          <a:p>
+            <a:fld id="{8F1D01A0-D233-4FA1-8698-D063092A8F39}" type="slidenum">
+              <a:rPr lang="en-US" sz="3200" b="1" smtClean="0"/>
+              <a:t>4</a:t>
+            </a:fld>
+            <a:endParaRPr lang="en-US" sz="3200" b="1" dirty="0"/>
+          </a:p>
+        </p:txBody>
+      </p:sp>
     </p:spTree>
     <p:extLst>
       <p:ext uri="{BB962C8B-B14F-4D97-AF65-F5344CB8AC3E}">
-        <p14:creationId xmlns:p14="http://schemas.microsoft.com/office/powerpoint/2010/main" val="2463040954"/>
+        <p14:creationId xmlns:p14="http://schemas.microsoft.com/office/powerpoint/2010/main" val="1229895311"/>
       </p:ext>
     </p:extLst>
   </p:cSld>
@@ -15601,13 +19769,7 @@
   <p:cSld>
     <p:spTree>
       <p:nvGrpSpPr>
-        <p:cNvPr id="1" name="">
-          <a:extLst>
-            <a:ext uri="{FF2B5EF4-FFF2-40B4-BE49-F238E27FC236}">
-              <a16:creationId xmlns:a16="http://schemas.microsoft.com/office/drawing/2014/main" id="{FC0D2387-6E53-D572-E9E1-E29DA0E72954}"/>
-            </a:ext>
-          </a:extLst>
-        </p:cNvPr>
+        <p:cNvPr id="1" name=""/>
         <p:cNvGrpSpPr/>
         <p:nvPr/>
       </p:nvGrpSpPr>
@@ -15621,10 +19783,40 @@
       </p:grpSpPr>
       <p:pic>
         <p:nvPicPr>
-          <p:cNvPr id="4" name="Picture 2">
-            <a:extLst>
-              <a:ext uri="{FF2B5EF4-FFF2-40B4-BE49-F238E27FC236}">
-                <a16:creationId xmlns:a16="http://schemas.microsoft.com/office/drawing/2014/main" id="{59B77830-0C53-6BA1-6BD9-DE40AF32D8C6}"/>
+          <p:cNvPr id="5" name="Picture 4" descr="A white background with black and white clouds&#10;&#10;AI-generated content may be incorrect.">
+            <a:extLst>
+              <a:ext uri="{FF2B5EF4-FFF2-40B4-BE49-F238E27FC236}">
+                <a16:creationId xmlns:a16="http://schemas.microsoft.com/office/drawing/2014/main" id="{94658F71-C846-AC83-3714-C114C99AC578}"/>
+              </a:ext>
+            </a:extLst>
+          </p:cNvPr>
+          <p:cNvPicPr>
+            <a:picLocks noChangeAspect="1"/>
+          </p:cNvPicPr>
+          <p:nvPr/>
+        </p:nvPicPr>
+        <p:blipFill>
+          <a:blip r:embed="rId2"/>
+          <a:stretch>
+            <a:fillRect/>
+          </a:stretch>
+        </p:blipFill>
+        <p:spPr>
+          <a:xfrm>
+            <a:off x="8268812" y="5796200"/>
+            <a:ext cx="2012452" cy="733527"/>
+          </a:xfrm>
+          <a:prstGeom prst="rect">
+            <a:avLst/>
+          </a:prstGeom>
+        </p:spPr>
+      </p:pic>
+      <p:pic>
+        <p:nvPicPr>
+          <p:cNvPr id="7" name="Picture 2">
+            <a:extLst>
+              <a:ext uri="{FF2B5EF4-FFF2-40B4-BE49-F238E27FC236}">
+                <a16:creationId xmlns:a16="http://schemas.microsoft.com/office/drawing/2014/main" id="{CF03BF62-853B-2F13-AAD8-7A501ACA15A5}"/>
               </a:ext>
             </a:extLst>
           </p:cNvPr>
@@ -15634,7 +19826,7 @@
           <p:nvPr/>
         </p:nvPicPr>
         <p:blipFill>
-          <a:blip r:embed="rId2">
+          <a:blip r:embed="rId3">
             <a:extLst>
               <a:ext uri="{28A0092B-C50C-407E-A947-70E740481C1C}">
                 <a14:useLocalDpi xmlns:a14="http://schemas.microsoft.com/office/drawing/2010/main" val="0"/>
@@ -15648,8 +19840,8 @@
         </p:blipFill>
         <p:spPr bwMode="auto">
           <a:xfrm>
-            <a:off x="2611225" y="-79858"/>
-            <a:ext cx="5966997" cy="6449654"/>
+            <a:off x="3923070" y="-188981"/>
+            <a:ext cx="3614601" cy="4670760"/>
           </a:xfrm>
           <a:prstGeom prst="rect">
             <a:avLst/>
@@ -15668,10 +19860,57 @@
       </p:pic>
       <p:pic>
         <p:nvPicPr>
-          <p:cNvPr id="3" name="Picture 2">
-            <a:extLst>
-              <a:ext uri="{FF2B5EF4-FFF2-40B4-BE49-F238E27FC236}">
-                <a16:creationId xmlns:a16="http://schemas.microsoft.com/office/drawing/2014/main" id="{31F59B31-A479-32FC-689C-F22600DEC401}"/>
+          <p:cNvPr id="8" name="Picture 2">
+            <a:extLst>
+              <a:ext uri="{FF2B5EF4-FFF2-40B4-BE49-F238E27FC236}">
+                <a16:creationId xmlns:a16="http://schemas.microsoft.com/office/drawing/2014/main" id="{853F9EE3-ADFD-DECF-CDA0-DDD134813A57}"/>
+              </a:ext>
+            </a:extLst>
+          </p:cNvPr>
+          <p:cNvPicPr>
+            <a:picLocks noChangeAspect="1" noChangeArrowheads="1"/>
+          </p:cNvPicPr>
+          <p:nvPr/>
+        </p:nvPicPr>
+        <p:blipFill>
+          <a:blip r:embed="rId4">
+            <a:extLst>
+              <a:ext uri="{28A0092B-C50C-407E-A947-70E740481C1C}">
+                <a14:useLocalDpi xmlns:a14="http://schemas.microsoft.com/office/drawing/2010/main" val="0"/>
+              </a:ext>
+            </a:extLst>
+          </a:blip>
+          <a:srcRect/>
+          <a:stretch>
+            <a:fillRect/>
+          </a:stretch>
+        </p:blipFill>
+        <p:spPr bwMode="auto">
+          <a:xfrm>
+            <a:off x="6596509" y="-25608"/>
+            <a:ext cx="5955149" cy="6732040"/>
+          </a:xfrm>
+          <a:prstGeom prst="rect">
+            <a:avLst/>
+          </a:prstGeom>
+          <a:noFill/>
+          <a:extLst>
+            <a:ext uri="{909E8E84-426E-40DD-AFC4-6F175D3DCCD1}">
+              <a14:hiddenFill xmlns:a14="http://schemas.microsoft.com/office/drawing/2010/main">
+                <a:solidFill>
+                  <a:srgbClr val="FFFFFF"/>
+                </a:solidFill>
+              </a14:hiddenFill>
+            </a:ext>
+          </a:extLst>
+        </p:spPr>
+      </p:pic>
+      <p:pic>
+        <p:nvPicPr>
+          <p:cNvPr id="12" name="Picture 11" descr="A white background with black and white clouds&#10;&#10;AI-generated content may be incorrect.">
+            <a:extLst>
+              <a:ext uri="{FF2B5EF4-FFF2-40B4-BE49-F238E27FC236}">
+                <a16:creationId xmlns:a16="http://schemas.microsoft.com/office/drawing/2014/main" id="{4097B7A9-B929-55EF-992A-BB86814D242F}"/>
               </a:ext>
             </a:extLst>
           </p:cNvPr>
@@ -15681,15 +19920,15 @@
           <p:nvPr/>
         </p:nvPicPr>
         <p:blipFill>
-          <a:blip r:embed="rId3"/>
+          <a:blip r:embed="rId5"/>
           <a:stretch>
             <a:fillRect/>
           </a:stretch>
         </p:blipFill>
         <p:spPr>
           <a:xfrm>
-            <a:off x="4371065" y="6015127"/>
-            <a:ext cx="2114845" cy="724001"/>
+            <a:off x="3071381" y="6344261"/>
+            <a:ext cx="1333686" cy="309891"/>
           </a:xfrm>
           <a:prstGeom prst="rect">
             <a:avLst/>
@@ -15698,10 +19937,10 @@
       </p:pic>
       <p:sp>
         <p:nvSpPr>
-          <p:cNvPr id="10" name="TextBox 9">
-            <a:extLst>
-              <a:ext uri="{FF2B5EF4-FFF2-40B4-BE49-F238E27FC236}">
-                <a16:creationId xmlns:a16="http://schemas.microsoft.com/office/drawing/2014/main" id="{DFD6B15A-F834-278E-8578-126C03AAA44F}"/>
+          <p:cNvPr id="2" name="TextBox 1">
+            <a:extLst>
+              <a:ext uri="{FF2B5EF4-FFF2-40B4-BE49-F238E27FC236}">
+                <a16:creationId xmlns:a16="http://schemas.microsoft.com/office/drawing/2014/main" id="{65068DD5-8B0F-4B57-7A54-CF6391D97503}"/>
               </a:ext>
             </a:extLst>
           </p:cNvPr>
@@ -15709,9 +19948,9 @@
           <p:nvPr/>
         </p:nvSpPr>
         <p:spPr>
-          <a:xfrm>
-            <a:off x="2267143" y="6369796"/>
-            <a:ext cx="7211526" cy="369332"/>
+          <a:xfrm flipH="1">
+            <a:off x="1708130" y="2863680"/>
+            <a:ext cx="917104" cy="369332"/>
           </a:xfrm>
           <a:prstGeom prst="rect">
             <a:avLst/>
@@ -15719,7 +19958,159 @@
           <a:noFill/>
         </p:spPr>
         <p:txBody>
-          <a:bodyPr wrap="none" rtlCol="0">
+          <a:bodyPr wrap="square" rtlCol="0">
+            <a:spAutoFit/>
+          </a:bodyPr>
+          <a:lstStyle/>
+          <a:p>
+            <a:r>
+              <a:rPr lang="en-US" b="1" dirty="0"/>
+              <a:t>Fig 1.2</a:t>
+            </a:r>
+          </a:p>
+        </p:txBody>
+      </p:sp>
+      <p:sp>
+        <p:nvSpPr>
+          <p:cNvPr id="3" name="TextBox 2">
+            <a:extLst>
+              <a:ext uri="{FF2B5EF4-FFF2-40B4-BE49-F238E27FC236}">
+                <a16:creationId xmlns:a16="http://schemas.microsoft.com/office/drawing/2014/main" id="{6C840011-C702-E006-0D5C-053369713026}"/>
+              </a:ext>
+            </a:extLst>
+          </p:cNvPr>
+          <p:cNvSpPr txBox="1"/>
+          <p:nvPr/>
+        </p:nvSpPr>
+        <p:spPr>
+          <a:xfrm flipH="1">
+            <a:off x="1832122" y="6330218"/>
+            <a:ext cx="917104" cy="369332"/>
+          </a:xfrm>
+          <a:prstGeom prst="rect">
+            <a:avLst/>
+          </a:prstGeom>
+          <a:noFill/>
+        </p:spPr>
+        <p:txBody>
+          <a:bodyPr wrap="square" rtlCol="0">
+            <a:spAutoFit/>
+          </a:bodyPr>
+          <a:lstStyle/>
+          <a:p>
+            <a:r>
+              <a:rPr lang="en-US" b="1" dirty="0"/>
+              <a:t>Fig 1.3</a:t>
+            </a:r>
+          </a:p>
+        </p:txBody>
+      </p:sp>
+      <p:sp>
+        <p:nvSpPr>
+          <p:cNvPr id="4" name="TextBox 3">
+            <a:extLst>
+              <a:ext uri="{FF2B5EF4-FFF2-40B4-BE49-F238E27FC236}">
+                <a16:creationId xmlns:a16="http://schemas.microsoft.com/office/drawing/2014/main" id="{FD482BCC-8167-1615-578D-D48346001AC6}"/>
+              </a:ext>
+            </a:extLst>
+          </p:cNvPr>
+          <p:cNvSpPr txBox="1"/>
+          <p:nvPr/>
+        </p:nvSpPr>
+        <p:spPr>
+          <a:xfrm flipH="1">
+            <a:off x="5332097" y="4208839"/>
+            <a:ext cx="917104" cy="369332"/>
+          </a:xfrm>
+          <a:prstGeom prst="rect">
+            <a:avLst/>
+          </a:prstGeom>
+          <a:noFill/>
+        </p:spPr>
+        <p:txBody>
+          <a:bodyPr wrap="square" rtlCol="0">
+            <a:spAutoFit/>
+          </a:bodyPr>
+          <a:lstStyle/>
+          <a:p>
+            <a:r>
+              <a:rPr lang="en-US" b="1" dirty="0"/>
+              <a:t>Fig 1.4</a:t>
+            </a:r>
+          </a:p>
+        </p:txBody>
+      </p:sp>
+      <p:pic>
+        <p:nvPicPr>
+          <p:cNvPr id="6" name="Picture 2">
+            <a:extLst>
+              <a:ext uri="{FF2B5EF4-FFF2-40B4-BE49-F238E27FC236}">
+                <a16:creationId xmlns:a16="http://schemas.microsoft.com/office/drawing/2014/main" id="{59B77830-0C53-6BA1-6BD9-DE40AF32D8C6}"/>
+              </a:ext>
+            </a:extLst>
+          </p:cNvPr>
+          <p:cNvPicPr>
+            <a:picLocks noChangeAspect="1" noChangeArrowheads="1"/>
+          </p:cNvPicPr>
+          <p:nvPr/>
+        </p:nvPicPr>
+        <p:blipFill>
+          <a:blip r:embed="rId6">
+            <a:extLst>
+              <a:ext uri="{28A0092B-C50C-407E-A947-70E740481C1C}">
+                <a14:useLocalDpi xmlns:a14="http://schemas.microsoft.com/office/drawing/2010/main" val="0"/>
+              </a:ext>
+            </a:extLst>
+          </a:blip>
+          <a:srcRect/>
+          <a:stretch>
+            <a:fillRect/>
+          </a:stretch>
+        </p:blipFill>
+        <p:spPr bwMode="auto">
+          <a:xfrm>
+            <a:off x="-359320" y="-25608"/>
+            <a:ext cx="4764387" cy="6464808"/>
+          </a:xfrm>
+          <a:prstGeom prst="rect">
+            <a:avLst/>
+          </a:prstGeom>
+          <a:noFill/>
+          <a:extLst>
+            <a:ext uri="{909E8E84-426E-40DD-AFC4-6F175D3DCCD1}">
+              <a14:hiddenFill xmlns:a14="http://schemas.microsoft.com/office/drawing/2010/main">
+                <a:solidFill>
+                  <a:srgbClr val="FFFFFF"/>
+                </a:solidFill>
+              </a14:hiddenFill>
+            </a:ext>
+          </a:extLst>
+        </p:spPr>
+      </p:pic>
+      <p:sp>
+        <p:nvSpPr>
+          <p:cNvPr id="11" name="TextBox 10">
+            <a:extLst>
+              <a:ext uri="{FF2B5EF4-FFF2-40B4-BE49-F238E27FC236}">
+                <a16:creationId xmlns:a16="http://schemas.microsoft.com/office/drawing/2014/main" id="{DFD6B15A-F834-278E-8578-126C03AAA44F}"/>
+              </a:ext>
+            </a:extLst>
+          </p:cNvPr>
+          <p:cNvSpPr txBox="1"/>
+          <p:nvPr/>
+        </p:nvSpPr>
+        <p:spPr>
+          <a:xfrm>
+            <a:off x="4254839" y="6159238"/>
+            <a:ext cx="4311372" cy="646331"/>
+          </a:xfrm>
+          <a:prstGeom prst="rect">
+            <a:avLst/>
+          </a:prstGeom>
+          <a:noFill/>
+        </p:spPr>
+        <p:txBody>
+          <a:bodyPr wrap="square" rtlCol="0">
             <a:spAutoFit/>
           </a:bodyPr>
           <a:lstStyle/>
@@ -15733,7 +20124,7 @@
       </p:sp>
       <p:pic>
         <p:nvPicPr>
-          <p:cNvPr id="12" name="Picture 11">
+          <p:cNvPr id="13" name="Picture 12">
             <a:extLst>
               <a:ext uri="{FF2B5EF4-FFF2-40B4-BE49-F238E27FC236}">
                 <a16:creationId xmlns:a16="http://schemas.microsoft.com/office/drawing/2014/main" id="{CBB46BA7-6C4E-D4B0-1BD3-B306AEE7D2DE}"/>
@@ -15746,25 +20137,282 @@
           <p:nvPr/>
         </p:nvPicPr>
         <p:blipFill>
-          <a:blip r:embed="rId4"/>
+          <a:blip r:embed="rId7"/>
           <a:stretch>
             <a:fillRect/>
           </a:stretch>
         </p:blipFill>
         <p:spPr>
           <a:xfrm>
-            <a:off x="7340889" y="5847018"/>
-            <a:ext cx="1125038" cy="474073"/>
+            <a:off x="5257289" y="4714532"/>
+            <a:ext cx="726708" cy="306223"/>
           </a:xfrm>
           <a:prstGeom prst="rect">
             <a:avLst/>
           </a:prstGeom>
         </p:spPr>
       </p:pic>
+      <p:pic>
+        <p:nvPicPr>
+          <p:cNvPr id="17" name="Picture 16">
+            <a:extLst>
+              <a:ext uri="{FF2B5EF4-FFF2-40B4-BE49-F238E27FC236}">
+                <a16:creationId xmlns:a16="http://schemas.microsoft.com/office/drawing/2014/main" id="{D84DC098-9ABA-F03F-32CB-A030DBD48584}"/>
+              </a:ext>
+            </a:extLst>
+          </p:cNvPr>
+          <p:cNvPicPr>
+            <a:picLocks noChangeAspect="1"/>
+          </p:cNvPicPr>
+          <p:nvPr/>
+        </p:nvPicPr>
+        <p:blipFill>
+          <a:blip r:embed="rId8"/>
+          <a:stretch>
+            <a:fillRect/>
+          </a:stretch>
+        </p:blipFill>
+        <p:spPr>
+          <a:xfrm>
+            <a:off x="6327648" y="4019110"/>
+            <a:ext cx="1131576" cy="490261"/>
+          </a:xfrm>
+          <a:prstGeom prst="rect">
+            <a:avLst/>
+          </a:prstGeom>
+        </p:spPr>
+      </p:pic>
+      <p:pic>
+        <p:nvPicPr>
+          <p:cNvPr id="18" name="Picture 17">
+            <a:extLst>
+              <a:ext uri="{FF2B5EF4-FFF2-40B4-BE49-F238E27FC236}">
+                <a16:creationId xmlns:a16="http://schemas.microsoft.com/office/drawing/2014/main" id="{E4517164-7C26-EE48-8707-A3E8D11D352B}"/>
+              </a:ext>
+            </a:extLst>
+          </p:cNvPr>
+          <p:cNvPicPr>
+            <a:picLocks noChangeAspect="1"/>
+          </p:cNvPicPr>
+          <p:nvPr/>
+        </p:nvPicPr>
+        <p:blipFill>
+          <a:blip r:embed="rId8"/>
+          <a:stretch>
+            <a:fillRect/>
+          </a:stretch>
+        </p:blipFill>
+        <p:spPr>
+          <a:xfrm>
+            <a:off x="3194539" y="5886515"/>
+            <a:ext cx="1131576" cy="490261"/>
+          </a:xfrm>
+          <a:prstGeom prst="rect">
+            <a:avLst/>
+          </a:prstGeom>
+        </p:spPr>
+      </p:pic>
+      <p:pic>
+        <p:nvPicPr>
+          <p:cNvPr id="19" name="Picture 18">
+            <a:extLst>
+              <a:ext uri="{FF2B5EF4-FFF2-40B4-BE49-F238E27FC236}">
+                <a16:creationId xmlns:a16="http://schemas.microsoft.com/office/drawing/2014/main" id="{B0FD9992-0313-D6CD-EE92-F33D3686319A}"/>
+              </a:ext>
+            </a:extLst>
+          </p:cNvPr>
+          <p:cNvPicPr>
+            <a:picLocks noChangeAspect="1"/>
+          </p:cNvPicPr>
+          <p:nvPr/>
+        </p:nvPicPr>
+        <p:blipFill>
+          <a:blip r:embed="rId8"/>
+          <a:stretch>
+            <a:fillRect/>
+          </a:stretch>
+        </p:blipFill>
+        <p:spPr>
+          <a:xfrm>
+            <a:off x="11286867" y="6194069"/>
+            <a:ext cx="1131576" cy="490261"/>
+          </a:xfrm>
+          <a:prstGeom prst="rect">
+            <a:avLst/>
+          </a:prstGeom>
+        </p:spPr>
+      </p:pic>
+      <p:sp>
+        <p:nvSpPr>
+          <p:cNvPr id="20" name="TextBox 19">
+            <a:extLst>
+              <a:ext uri="{FF2B5EF4-FFF2-40B4-BE49-F238E27FC236}">
+                <a16:creationId xmlns:a16="http://schemas.microsoft.com/office/drawing/2014/main" id="{DE492E83-5174-2F3B-60E2-82BD603B37F2}"/>
+              </a:ext>
+            </a:extLst>
+          </p:cNvPr>
+          <p:cNvSpPr txBox="1"/>
+          <p:nvPr/>
+        </p:nvSpPr>
+        <p:spPr>
+          <a:xfrm flipH="1">
+            <a:off x="8597492" y="5619495"/>
+            <a:ext cx="917104" cy="369332"/>
+          </a:xfrm>
+          <a:prstGeom prst="rect">
+            <a:avLst/>
+          </a:prstGeom>
+          <a:noFill/>
+        </p:spPr>
+        <p:txBody>
+          <a:bodyPr wrap="square" rtlCol="0">
+            <a:spAutoFit/>
+          </a:bodyPr>
+          <a:lstStyle/>
+          <a:p>
+            <a:r>
+              <a:rPr lang="en-US" b="1" dirty="0"/>
+              <a:t>Fig 1.5</a:t>
+            </a:r>
+          </a:p>
+        </p:txBody>
+      </p:sp>
+      <p:sp>
+        <p:nvSpPr>
+          <p:cNvPr id="15" name="Slide Number Placeholder 18">
+            <a:extLst>
+              <a:ext uri="{FF2B5EF4-FFF2-40B4-BE49-F238E27FC236}">
+                <a16:creationId xmlns:a16="http://schemas.microsoft.com/office/drawing/2014/main" id="{B2AE18C6-9945-892E-2FCA-53E21EDA1260}"/>
+              </a:ext>
+            </a:extLst>
+          </p:cNvPr>
+          <p:cNvSpPr txBox="1">
+            <a:spLocks/>
+          </p:cNvSpPr>
+          <p:nvPr/>
+        </p:nvSpPr>
+        <p:spPr>
+          <a:xfrm>
+            <a:off x="26748" y="6401483"/>
+            <a:ext cx="405421" cy="365125"/>
+          </a:xfrm>
+          <a:prstGeom prst="rect">
+            <a:avLst/>
+          </a:prstGeom>
+        </p:spPr>
+        <p:txBody>
+          <a:bodyPr vert="horz" lIns="91440" tIns="45720" rIns="91440" bIns="45720" rtlCol="0" anchor="ctr"/>
+          <a:lstStyle>
+            <a:defPPr>
+              <a:defRPr lang="en-US"/>
+            </a:defPPr>
+            <a:lvl1pPr marL="0" algn="r" defTabSz="914400" rtl="0" eaLnBrk="1" latinLnBrk="0" hangingPunct="1">
+              <a:defRPr sz="1200" kern="1200">
+                <a:solidFill>
+                  <a:schemeClr val="tx1">
+                    <a:tint val="82000"/>
+                  </a:schemeClr>
+                </a:solidFill>
+                <a:latin typeface="+mn-lt"/>
+                <a:ea typeface="+mn-ea"/>
+                <a:cs typeface="+mn-cs"/>
+              </a:defRPr>
+            </a:lvl1pPr>
+            <a:lvl2pPr marL="457200" algn="l" defTabSz="914400" rtl="0" eaLnBrk="1" latinLnBrk="0" hangingPunct="1">
+              <a:defRPr sz="1800" kern="1200">
+                <a:solidFill>
+                  <a:schemeClr val="tx1"/>
+                </a:solidFill>
+                <a:latin typeface="+mn-lt"/>
+                <a:ea typeface="+mn-ea"/>
+                <a:cs typeface="+mn-cs"/>
+              </a:defRPr>
+            </a:lvl2pPr>
+            <a:lvl3pPr marL="914400" algn="l" defTabSz="914400" rtl="0" eaLnBrk="1" latinLnBrk="0" hangingPunct="1">
+              <a:defRPr sz="1800" kern="1200">
+                <a:solidFill>
+                  <a:schemeClr val="tx1"/>
+                </a:solidFill>
+                <a:latin typeface="+mn-lt"/>
+                <a:ea typeface="+mn-ea"/>
+                <a:cs typeface="+mn-cs"/>
+              </a:defRPr>
+            </a:lvl3pPr>
+            <a:lvl4pPr marL="1371600" algn="l" defTabSz="914400" rtl="0" eaLnBrk="1" latinLnBrk="0" hangingPunct="1">
+              <a:defRPr sz="1800" kern="1200">
+                <a:solidFill>
+                  <a:schemeClr val="tx1"/>
+                </a:solidFill>
+                <a:latin typeface="+mn-lt"/>
+                <a:ea typeface="+mn-ea"/>
+                <a:cs typeface="+mn-cs"/>
+              </a:defRPr>
+            </a:lvl4pPr>
+            <a:lvl5pPr marL="1828800" algn="l" defTabSz="914400" rtl="0" eaLnBrk="1" latinLnBrk="0" hangingPunct="1">
+              <a:defRPr sz="1800" kern="1200">
+                <a:solidFill>
+                  <a:schemeClr val="tx1"/>
+                </a:solidFill>
+                <a:latin typeface="+mn-lt"/>
+                <a:ea typeface="+mn-ea"/>
+                <a:cs typeface="+mn-cs"/>
+              </a:defRPr>
+            </a:lvl5pPr>
+            <a:lvl6pPr marL="2286000" algn="l" defTabSz="914400" rtl="0" eaLnBrk="1" latinLnBrk="0" hangingPunct="1">
+              <a:defRPr sz="1800" kern="1200">
+                <a:solidFill>
+                  <a:schemeClr val="tx1"/>
+                </a:solidFill>
+                <a:latin typeface="+mn-lt"/>
+                <a:ea typeface="+mn-ea"/>
+                <a:cs typeface="+mn-cs"/>
+              </a:defRPr>
+            </a:lvl6pPr>
+            <a:lvl7pPr marL="2743200" algn="l" defTabSz="914400" rtl="0" eaLnBrk="1" latinLnBrk="0" hangingPunct="1">
+              <a:defRPr sz="1800" kern="1200">
+                <a:solidFill>
+                  <a:schemeClr val="tx1"/>
+                </a:solidFill>
+                <a:latin typeface="+mn-lt"/>
+                <a:ea typeface="+mn-ea"/>
+                <a:cs typeface="+mn-cs"/>
+              </a:defRPr>
+            </a:lvl7pPr>
+            <a:lvl8pPr marL="3200400" algn="l" defTabSz="914400" rtl="0" eaLnBrk="1" latinLnBrk="0" hangingPunct="1">
+              <a:defRPr sz="1800" kern="1200">
+                <a:solidFill>
+                  <a:schemeClr val="tx1"/>
+                </a:solidFill>
+                <a:latin typeface="+mn-lt"/>
+                <a:ea typeface="+mn-ea"/>
+                <a:cs typeface="+mn-cs"/>
+              </a:defRPr>
+            </a:lvl8pPr>
+            <a:lvl9pPr marL="3657600" algn="l" defTabSz="914400" rtl="0" eaLnBrk="1" latinLnBrk="0" hangingPunct="1">
+              <a:defRPr sz="1800" kern="1200">
+                <a:solidFill>
+                  <a:schemeClr val="tx1"/>
+                </a:solidFill>
+                <a:latin typeface="+mn-lt"/>
+                <a:ea typeface="+mn-ea"/>
+                <a:cs typeface="+mn-cs"/>
+              </a:defRPr>
+            </a:lvl9pPr>
+          </a:lstStyle>
+          <a:p>
+            <a:fld id="{8F1D01A0-D233-4FA1-8698-D063092A8F39}" type="slidenum">
+              <a:rPr lang="en-US" sz="3200" b="1" smtClean="0"/>
+              <a:pPr/>
+              <a:t>5</a:t>
+            </a:fld>
+            <a:endParaRPr lang="en-US" sz="3200" b="1" dirty="0"/>
+          </a:p>
+        </p:txBody>
+      </p:sp>
     </p:spTree>
     <p:extLst>
       <p:ext uri="{BB962C8B-B14F-4D97-AF65-F5344CB8AC3E}">
-        <p14:creationId xmlns:p14="http://schemas.microsoft.com/office/powerpoint/2010/main" val="896242434"/>
+        <p14:creationId xmlns:p14="http://schemas.microsoft.com/office/powerpoint/2010/main" val="2463040954"/>
       </p:ext>
     </p:extLst>
   </p:cSld>
@@ -16086,6 +20734,168 @@
           </a:p>
         </p:txBody>
       </p:sp>
+      <p:sp>
+        <p:nvSpPr>
+          <p:cNvPr id="5" name="Slide Number Placeholder 4">
+            <a:extLst>
+              <a:ext uri="{FF2B5EF4-FFF2-40B4-BE49-F238E27FC236}">
+                <a16:creationId xmlns:a16="http://schemas.microsoft.com/office/drawing/2014/main" id="{D3463C5E-58B6-F246-D3CD-484C01BCBAFB}"/>
+              </a:ext>
+            </a:extLst>
+          </p:cNvPr>
+          <p:cNvSpPr>
+            <a:spLocks noGrp="1"/>
+          </p:cNvSpPr>
+          <p:nvPr>
+            <p:ph type="sldNum" sz="quarter" idx="12"/>
+          </p:nvPr>
+        </p:nvSpPr>
+        <p:spPr/>
+        <p:txBody>
+          <a:bodyPr/>
+          <a:lstStyle/>
+          <a:p>
+            <a:fld id="{B6F15528-21DE-4FAA-801E-634DDDAF4B2B}" type="slidenum">
+              <a:rPr lang="en-US" smtClean="0"/>
+              <a:pPr/>
+              <a:t>6</a:t>
+            </a:fld>
+            <a:endParaRPr lang="en-US"/>
+          </a:p>
+        </p:txBody>
+      </p:sp>
+      <p:sp>
+        <p:nvSpPr>
+          <p:cNvPr id="6" name="Slide Number Placeholder 18">
+            <a:extLst>
+              <a:ext uri="{FF2B5EF4-FFF2-40B4-BE49-F238E27FC236}">
+                <a16:creationId xmlns:a16="http://schemas.microsoft.com/office/drawing/2014/main" id="{2630112B-198C-9E3C-4A6C-E419CBB46954}"/>
+              </a:ext>
+            </a:extLst>
+          </p:cNvPr>
+          <p:cNvSpPr txBox="1">
+            <a:spLocks/>
+          </p:cNvSpPr>
+          <p:nvPr/>
+        </p:nvSpPr>
+        <p:spPr>
+          <a:xfrm>
+            <a:off x="26748" y="6401483"/>
+            <a:ext cx="405421" cy="365125"/>
+          </a:xfrm>
+          <a:prstGeom prst="rect">
+            <a:avLst/>
+          </a:prstGeom>
+        </p:spPr>
+        <p:txBody>
+          <a:bodyPr vert="horz" lIns="91440" tIns="45720" rIns="91440" bIns="45720" rtlCol="0" anchor="ctr"/>
+          <a:lstStyle>
+            <a:defPPr>
+              <a:defRPr lang="en-US"/>
+            </a:defPPr>
+            <a:lvl1pPr marL="0" algn="r" defTabSz="914400" rtl="0" eaLnBrk="1" latinLnBrk="0" hangingPunct="1">
+              <a:defRPr sz="800" kern="1200">
+                <a:solidFill>
+                  <a:schemeClr val="tx1">
+                    <a:tint val="75000"/>
+                  </a:schemeClr>
+                </a:solidFill>
+                <a:latin typeface="+mn-lt"/>
+                <a:ea typeface="+mn-ea"/>
+                <a:cs typeface="+mn-cs"/>
+              </a:defRPr>
+            </a:lvl1pPr>
+            <a:lvl2pPr marL="457200" algn="l" defTabSz="914400" rtl="0" eaLnBrk="1" latinLnBrk="0" hangingPunct="1">
+              <a:defRPr sz="1800" kern="1200">
+                <a:solidFill>
+                  <a:schemeClr val="tx1"/>
+                </a:solidFill>
+                <a:latin typeface="+mn-lt"/>
+                <a:ea typeface="+mn-ea"/>
+                <a:cs typeface="+mn-cs"/>
+              </a:defRPr>
+            </a:lvl2pPr>
+            <a:lvl3pPr marL="914400" algn="l" defTabSz="914400" rtl="0" eaLnBrk="1" latinLnBrk="0" hangingPunct="1">
+              <a:defRPr sz="1800" kern="1200">
+                <a:solidFill>
+                  <a:schemeClr val="tx1"/>
+                </a:solidFill>
+                <a:latin typeface="+mn-lt"/>
+                <a:ea typeface="+mn-ea"/>
+                <a:cs typeface="+mn-cs"/>
+              </a:defRPr>
+            </a:lvl3pPr>
+            <a:lvl4pPr marL="1371600" algn="l" defTabSz="914400" rtl="0" eaLnBrk="1" latinLnBrk="0" hangingPunct="1">
+              <a:defRPr sz="1800" kern="1200">
+                <a:solidFill>
+                  <a:schemeClr val="tx1"/>
+                </a:solidFill>
+                <a:latin typeface="+mn-lt"/>
+                <a:ea typeface="+mn-ea"/>
+                <a:cs typeface="+mn-cs"/>
+              </a:defRPr>
+            </a:lvl4pPr>
+            <a:lvl5pPr marL="1828800" algn="l" defTabSz="914400" rtl="0" eaLnBrk="1" latinLnBrk="0" hangingPunct="1">
+              <a:defRPr sz="1800" kern="1200">
+                <a:solidFill>
+                  <a:schemeClr val="tx1"/>
+                </a:solidFill>
+                <a:latin typeface="+mn-lt"/>
+                <a:ea typeface="+mn-ea"/>
+                <a:cs typeface="+mn-cs"/>
+              </a:defRPr>
+            </a:lvl5pPr>
+            <a:lvl6pPr marL="2286000" algn="l" defTabSz="914400" rtl="0" eaLnBrk="1" latinLnBrk="0" hangingPunct="1">
+              <a:defRPr sz="1800" kern="1200">
+                <a:solidFill>
+                  <a:schemeClr val="tx1"/>
+                </a:solidFill>
+                <a:latin typeface="+mn-lt"/>
+                <a:ea typeface="+mn-ea"/>
+                <a:cs typeface="+mn-cs"/>
+              </a:defRPr>
+            </a:lvl6pPr>
+            <a:lvl7pPr marL="2743200" algn="l" defTabSz="914400" rtl="0" eaLnBrk="1" latinLnBrk="0" hangingPunct="1">
+              <a:defRPr sz="1800" kern="1200">
+                <a:solidFill>
+                  <a:schemeClr val="tx1"/>
+                </a:solidFill>
+                <a:latin typeface="+mn-lt"/>
+                <a:ea typeface="+mn-ea"/>
+                <a:cs typeface="+mn-cs"/>
+              </a:defRPr>
+            </a:lvl7pPr>
+            <a:lvl8pPr marL="3200400" algn="l" defTabSz="914400" rtl="0" eaLnBrk="1" latinLnBrk="0" hangingPunct="1">
+              <a:defRPr sz="1800" kern="1200">
+                <a:solidFill>
+                  <a:schemeClr val="tx1"/>
+                </a:solidFill>
+                <a:latin typeface="+mn-lt"/>
+                <a:ea typeface="+mn-ea"/>
+                <a:cs typeface="+mn-cs"/>
+              </a:defRPr>
+            </a:lvl8pPr>
+            <a:lvl9pPr marL="3657600" algn="l" defTabSz="914400" rtl="0" eaLnBrk="1" latinLnBrk="0" hangingPunct="1">
+              <a:defRPr sz="1800" kern="1200">
+                <a:solidFill>
+                  <a:schemeClr val="tx1"/>
+                </a:solidFill>
+                <a:latin typeface="+mn-lt"/>
+                <a:ea typeface="+mn-ea"/>
+                <a:cs typeface="+mn-cs"/>
+              </a:defRPr>
+            </a:lvl9pPr>
+          </a:lstStyle>
+          <a:p>
+            <a:fld id="{8F1D01A0-D233-4FA1-8698-D063092A8F39}" type="slidenum">
+              <a:rPr lang="en-US" sz="3200" b="1" smtClean="0"/>
+              <a:pPr/>
+              <a:t>6</a:t>
+            </a:fld>
+            <a:endParaRPr lang="en-US" sz="3200" b="1" dirty="0"/>
+          </a:p>
+        </p:txBody>
+      </p:sp>
     </p:spTree>
     <p:extLst>
       <p:ext uri="{BB962C8B-B14F-4D97-AF65-F5344CB8AC3E}">
@@ -16328,7 +21138,7 @@
         </p:blipFill>
         <p:spPr>
           <a:xfrm>
-            <a:off x="393192" y="2274886"/>
+            <a:off x="286148" y="2020214"/>
             <a:ext cx="4510039" cy="1641383"/>
           </a:xfrm>
           <a:prstGeom prst="rect">
@@ -16388,7 +21198,7 @@
         </p:blipFill>
         <p:spPr>
           <a:xfrm>
-            <a:off x="8345370" y="3724710"/>
+            <a:off x="8337854" y="4189026"/>
             <a:ext cx="3839111" cy="2162477"/>
           </a:xfrm>
           <a:prstGeom prst="rect">
@@ -16448,7 +21258,7 @@
         </p:blipFill>
         <p:spPr>
           <a:xfrm>
-            <a:off x="6745445" y="6019303"/>
+            <a:off x="6581997" y="5994171"/>
             <a:ext cx="1622478" cy="589875"/>
           </a:xfrm>
           <a:prstGeom prst="rect">
@@ -16478,7 +21288,7 @@
         </p:blipFill>
         <p:spPr>
           <a:xfrm>
-            <a:off x="4091992" y="1513127"/>
+            <a:off x="4029493" y="1373883"/>
             <a:ext cx="3424376" cy="589875"/>
           </a:xfrm>
           <a:prstGeom prst="rect">
@@ -16518,6 +21328,215 @@
               <a:rPr lang="en-US" sz="3600" dirty="0"/>
               <a:t>False Position Process</a:t>
             </a:r>
+          </a:p>
+        </p:txBody>
+      </p:sp>
+      <p:sp>
+        <p:nvSpPr>
+          <p:cNvPr id="2" name="TextBox 1">
+            <a:extLst>
+              <a:ext uri="{FF2B5EF4-FFF2-40B4-BE49-F238E27FC236}">
+                <a16:creationId xmlns:a16="http://schemas.microsoft.com/office/drawing/2014/main" id="{4EF649C7-0EA1-1E94-85A5-51AECAEEBF35}"/>
+              </a:ext>
+            </a:extLst>
+          </p:cNvPr>
+          <p:cNvSpPr txBox="1"/>
+          <p:nvPr/>
+        </p:nvSpPr>
+        <p:spPr>
+          <a:xfrm flipH="1">
+            <a:off x="1591873" y="3676666"/>
+            <a:ext cx="917104" cy="369332"/>
+          </a:xfrm>
+          <a:prstGeom prst="rect">
+            <a:avLst/>
+          </a:prstGeom>
+          <a:noFill/>
+        </p:spPr>
+        <p:txBody>
+          <a:bodyPr wrap="square" rtlCol="0">
+            <a:spAutoFit/>
+          </a:bodyPr>
+          <a:lstStyle/>
+          <a:p>
+            <a:r>
+              <a:rPr lang="en-US" b="1" dirty="0"/>
+              <a:t>Fig 1.6</a:t>
+            </a:r>
+          </a:p>
+        </p:txBody>
+      </p:sp>
+      <p:sp>
+        <p:nvSpPr>
+          <p:cNvPr id="3" name="TextBox 2">
+            <a:extLst>
+              <a:ext uri="{FF2B5EF4-FFF2-40B4-BE49-F238E27FC236}">
+                <a16:creationId xmlns:a16="http://schemas.microsoft.com/office/drawing/2014/main" id="{BC0E9A19-DA17-200D-1F5C-B4A2AFE3D8BB}"/>
+              </a:ext>
+            </a:extLst>
+          </p:cNvPr>
+          <p:cNvSpPr txBox="1"/>
+          <p:nvPr/>
+        </p:nvSpPr>
+        <p:spPr>
+          <a:xfrm flipH="1">
+            <a:off x="1212195" y="5789015"/>
+            <a:ext cx="917104" cy="369332"/>
+          </a:xfrm>
+          <a:prstGeom prst="rect">
+            <a:avLst/>
+          </a:prstGeom>
+          <a:noFill/>
+        </p:spPr>
+        <p:txBody>
+          <a:bodyPr wrap="square" rtlCol="0">
+            <a:spAutoFit/>
+          </a:bodyPr>
+          <a:lstStyle/>
+          <a:p>
+            <a:r>
+              <a:rPr lang="en-US" b="1" dirty="0"/>
+              <a:t>Fig 1.7</a:t>
+            </a:r>
+          </a:p>
+        </p:txBody>
+      </p:sp>
+      <p:sp>
+        <p:nvSpPr>
+          <p:cNvPr id="6" name="TextBox 5">
+            <a:extLst>
+              <a:ext uri="{FF2B5EF4-FFF2-40B4-BE49-F238E27FC236}">
+                <a16:creationId xmlns:a16="http://schemas.microsoft.com/office/drawing/2014/main" id="{35EFD26E-F845-7521-EBBC-2499E1917A83}"/>
+              </a:ext>
+            </a:extLst>
+          </p:cNvPr>
+          <p:cNvSpPr txBox="1"/>
+          <p:nvPr/>
+        </p:nvSpPr>
+        <p:spPr>
+          <a:xfrm flipH="1">
+            <a:off x="9876548" y="3590508"/>
+            <a:ext cx="917104" cy="369332"/>
+          </a:xfrm>
+          <a:prstGeom prst="rect">
+            <a:avLst/>
+          </a:prstGeom>
+          <a:noFill/>
+        </p:spPr>
+        <p:txBody>
+          <a:bodyPr wrap="square" rtlCol="0">
+            <a:spAutoFit/>
+          </a:bodyPr>
+          <a:lstStyle/>
+          <a:p>
+            <a:r>
+              <a:rPr lang="en-US" b="1" dirty="0"/>
+              <a:t>Fig 1.8</a:t>
+            </a:r>
+          </a:p>
+        </p:txBody>
+      </p:sp>
+      <p:sp>
+        <p:nvSpPr>
+          <p:cNvPr id="8" name="TextBox 7">
+            <a:extLst>
+              <a:ext uri="{FF2B5EF4-FFF2-40B4-BE49-F238E27FC236}">
+                <a16:creationId xmlns:a16="http://schemas.microsoft.com/office/drawing/2014/main" id="{2B46F4F9-D516-0261-8CF9-03D782245EFE}"/>
+              </a:ext>
+            </a:extLst>
+          </p:cNvPr>
+          <p:cNvSpPr txBox="1"/>
+          <p:nvPr/>
+        </p:nvSpPr>
+        <p:spPr>
+          <a:xfrm flipH="1">
+            <a:off x="9876548" y="6351503"/>
+            <a:ext cx="917104" cy="369332"/>
+          </a:xfrm>
+          <a:prstGeom prst="rect">
+            <a:avLst/>
+          </a:prstGeom>
+          <a:noFill/>
+        </p:spPr>
+        <p:txBody>
+          <a:bodyPr wrap="square" rtlCol="0">
+            <a:spAutoFit/>
+          </a:bodyPr>
+          <a:lstStyle/>
+          <a:p>
+            <a:r>
+              <a:rPr lang="en-US" b="1" dirty="0"/>
+              <a:t>Fig 1.9</a:t>
+            </a:r>
+          </a:p>
+        </p:txBody>
+      </p:sp>
+      <p:sp>
+        <p:nvSpPr>
+          <p:cNvPr id="12" name="TextBox 11">
+            <a:extLst>
+              <a:ext uri="{FF2B5EF4-FFF2-40B4-BE49-F238E27FC236}">
+                <a16:creationId xmlns:a16="http://schemas.microsoft.com/office/drawing/2014/main" id="{8AC5C60E-DB2B-588D-F5FF-EAC46602676E}"/>
+              </a:ext>
+            </a:extLst>
+          </p:cNvPr>
+          <p:cNvSpPr txBox="1"/>
+          <p:nvPr/>
+        </p:nvSpPr>
+        <p:spPr>
+          <a:xfrm flipH="1">
+            <a:off x="5417144" y="5702521"/>
+            <a:ext cx="1098164" cy="369332"/>
+          </a:xfrm>
+          <a:prstGeom prst="rect">
+            <a:avLst/>
+          </a:prstGeom>
+          <a:noFill/>
+        </p:spPr>
+        <p:txBody>
+          <a:bodyPr wrap="square" rtlCol="0">
+            <a:spAutoFit/>
+          </a:bodyPr>
+          <a:lstStyle/>
+          <a:p>
+            <a:r>
+              <a:rPr lang="en-US" b="1" dirty="0"/>
+              <a:t>Fig 1.10</a:t>
+            </a:r>
+          </a:p>
+        </p:txBody>
+      </p:sp>
+      <p:sp>
+        <p:nvSpPr>
+          <p:cNvPr id="19" name="Slide Number Placeholder 18">
+            <a:extLst>
+              <a:ext uri="{FF2B5EF4-FFF2-40B4-BE49-F238E27FC236}">
+                <a16:creationId xmlns:a16="http://schemas.microsoft.com/office/drawing/2014/main" id="{235CF9F7-9A9D-CFBE-53C0-7AB4E52C0F90}"/>
+              </a:ext>
+            </a:extLst>
+          </p:cNvPr>
+          <p:cNvSpPr>
+            <a:spLocks noGrp="1"/>
+          </p:cNvSpPr>
+          <p:nvPr>
+            <p:ph type="sldNum" sz="quarter" idx="12"/>
+          </p:nvPr>
+        </p:nvSpPr>
+        <p:spPr>
+          <a:xfrm>
+            <a:off x="26748" y="6401483"/>
+            <a:ext cx="405421" cy="365125"/>
+          </a:xfrm>
+        </p:spPr>
+        <p:txBody>
+          <a:bodyPr/>
+          <a:lstStyle/>
+          <a:p>
+            <a:fld id="{8F1D01A0-D233-4FA1-8698-D063092A8F39}" type="slidenum">
+              <a:rPr lang="en-US" sz="3200" b="1" smtClean="0"/>
+              <a:t>7</a:t>
+            </a:fld>
+            <a:endParaRPr lang="en-US" sz="3200" b="1" dirty="0"/>
           </a:p>
         </p:txBody>
       </p:sp>
@@ -16734,7 +21753,7 @@
         </p:blipFill>
         <p:spPr>
           <a:xfrm>
-            <a:off x="8142113" y="1420740"/>
+            <a:off x="8088373" y="690802"/>
             <a:ext cx="3970756" cy="2738198"/>
           </a:xfrm>
           <a:prstGeom prst="rect">
@@ -16764,7 +21783,7 @@
         </p:blipFill>
         <p:spPr>
           <a:xfrm>
-            <a:off x="8142113" y="4317530"/>
+            <a:off x="8099914" y="4155656"/>
             <a:ext cx="3970756" cy="2239460"/>
           </a:xfrm>
           <a:prstGeom prst="rect">
@@ -16794,7 +21813,7 @@
         </p:blipFill>
         <p:spPr>
           <a:xfrm>
-            <a:off x="79131" y="1420740"/>
+            <a:off x="52569" y="975227"/>
             <a:ext cx="3838843" cy="2740978"/>
           </a:xfrm>
           <a:prstGeom prst="rect">
@@ -16824,7 +21843,7 @@
         </p:blipFill>
         <p:spPr>
           <a:xfrm>
-            <a:off x="79131" y="4349846"/>
+            <a:off x="128016" y="4238430"/>
             <a:ext cx="3785722" cy="2119568"/>
           </a:xfrm>
           <a:prstGeom prst="rect">
@@ -16832,6 +21851,313 @@
           </a:prstGeom>
         </p:spPr>
       </p:pic>
+      <p:sp>
+        <p:nvSpPr>
+          <p:cNvPr id="2" name="TextBox 1">
+            <a:extLst>
+              <a:ext uri="{FF2B5EF4-FFF2-40B4-BE49-F238E27FC236}">
+                <a16:creationId xmlns:a16="http://schemas.microsoft.com/office/drawing/2014/main" id="{0C72CBF0-5FCF-DE5B-DE4A-F04EB25A5A44}"/>
+              </a:ext>
+            </a:extLst>
+          </p:cNvPr>
+          <p:cNvSpPr txBox="1"/>
+          <p:nvPr/>
+        </p:nvSpPr>
+        <p:spPr>
+          <a:xfrm flipH="1">
+            <a:off x="1422908" y="3831980"/>
+            <a:ext cx="1098164" cy="369332"/>
+          </a:xfrm>
+          <a:prstGeom prst="rect">
+            <a:avLst/>
+          </a:prstGeom>
+          <a:noFill/>
+        </p:spPr>
+        <p:txBody>
+          <a:bodyPr wrap="square" rtlCol="0">
+            <a:spAutoFit/>
+          </a:bodyPr>
+          <a:lstStyle/>
+          <a:p>
+            <a:r>
+              <a:rPr lang="en-US" b="1" dirty="0"/>
+              <a:t>Fig 1.11</a:t>
+            </a:r>
+          </a:p>
+        </p:txBody>
+      </p:sp>
+      <p:sp>
+        <p:nvSpPr>
+          <p:cNvPr id="3" name="TextBox 2">
+            <a:extLst>
+              <a:ext uri="{FF2B5EF4-FFF2-40B4-BE49-F238E27FC236}">
+                <a16:creationId xmlns:a16="http://schemas.microsoft.com/office/drawing/2014/main" id="{BA37B4BA-EC97-806A-4739-334866C563DE}"/>
+              </a:ext>
+            </a:extLst>
+          </p:cNvPr>
+          <p:cNvSpPr txBox="1"/>
+          <p:nvPr/>
+        </p:nvSpPr>
+        <p:spPr>
+          <a:xfrm flipH="1">
+            <a:off x="1422908" y="6395116"/>
+            <a:ext cx="1098164" cy="369332"/>
+          </a:xfrm>
+          <a:prstGeom prst="rect">
+            <a:avLst/>
+          </a:prstGeom>
+          <a:noFill/>
+        </p:spPr>
+        <p:txBody>
+          <a:bodyPr wrap="square" rtlCol="0">
+            <a:spAutoFit/>
+          </a:bodyPr>
+          <a:lstStyle/>
+          <a:p>
+            <a:r>
+              <a:rPr lang="en-US" b="1" dirty="0"/>
+              <a:t>Fig 1.12</a:t>
+            </a:r>
+          </a:p>
+        </p:txBody>
+      </p:sp>
+      <p:sp>
+        <p:nvSpPr>
+          <p:cNvPr id="6" name="TextBox 5">
+            <a:extLst>
+              <a:ext uri="{FF2B5EF4-FFF2-40B4-BE49-F238E27FC236}">
+                <a16:creationId xmlns:a16="http://schemas.microsoft.com/office/drawing/2014/main" id="{0F52FA7B-573E-D30B-4CCD-1DE749D550F4}"/>
+              </a:ext>
+            </a:extLst>
+          </p:cNvPr>
+          <p:cNvSpPr txBox="1"/>
+          <p:nvPr/>
+        </p:nvSpPr>
+        <p:spPr>
+          <a:xfrm flipH="1">
+            <a:off x="9670928" y="3512109"/>
+            <a:ext cx="1098164" cy="369332"/>
+          </a:xfrm>
+          <a:prstGeom prst="rect">
+            <a:avLst/>
+          </a:prstGeom>
+          <a:noFill/>
+        </p:spPr>
+        <p:txBody>
+          <a:bodyPr wrap="square" rtlCol="0">
+            <a:spAutoFit/>
+          </a:bodyPr>
+          <a:lstStyle/>
+          <a:p>
+            <a:r>
+              <a:rPr lang="en-US" b="1" dirty="0"/>
+              <a:t>Fig 1.13</a:t>
+            </a:r>
+          </a:p>
+        </p:txBody>
+      </p:sp>
+      <p:sp>
+        <p:nvSpPr>
+          <p:cNvPr id="8" name="TextBox 7">
+            <a:extLst>
+              <a:ext uri="{FF2B5EF4-FFF2-40B4-BE49-F238E27FC236}">
+                <a16:creationId xmlns:a16="http://schemas.microsoft.com/office/drawing/2014/main" id="{0A80AF72-1D76-3394-E829-B1FCF58519EF}"/>
+              </a:ext>
+            </a:extLst>
+          </p:cNvPr>
+          <p:cNvSpPr txBox="1"/>
+          <p:nvPr/>
+        </p:nvSpPr>
+        <p:spPr>
+          <a:xfrm flipH="1">
+            <a:off x="9780582" y="6386978"/>
+            <a:ext cx="1098164" cy="369332"/>
+          </a:xfrm>
+          <a:prstGeom prst="rect">
+            <a:avLst/>
+          </a:prstGeom>
+          <a:noFill/>
+        </p:spPr>
+        <p:txBody>
+          <a:bodyPr wrap="square" rtlCol="0">
+            <a:spAutoFit/>
+          </a:bodyPr>
+          <a:lstStyle/>
+          <a:p>
+            <a:r>
+              <a:rPr lang="en-US" b="1" dirty="0"/>
+              <a:t>Fig 1.14</a:t>
+            </a:r>
+          </a:p>
+        </p:txBody>
+      </p:sp>
+      <p:sp>
+        <p:nvSpPr>
+          <p:cNvPr id="11" name="TextBox 10">
+            <a:extLst>
+              <a:ext uri="{FF2B5EF4-FFF2-40B4-BE49-F238E27FC236}">
+                <a16:creationId xmlns:a16="http://schemas.microsoft.com/office/drawing/2014/main" id="{B145D857-C998-7F43-3FF6-7721C5E58257}"/>
+              </a:ext>
+            </a:extLst>
+          </p:cNvPr>
+          <p:cNvSpPr txBox="1"/>
+          <p:nvPr/>
+        </p:nvSpPr>
+        <p:spPr>
+          <a:xfrm flipH="1">
+            <a:off x="5564023" y="6017646"/>
+            <a:ext cx="1098164" cy="369332"/>
+          </a:xfrm>
+          <a:prstGeom prst="rect">
+            <a:avLst/>
+          </a:prstGeom>
+          <a:noFill/>
+        </p:spPr>
+        <p:txBody>
+          <a:bodyPr wrap="square" rtlCol="0">
+            <a:spAutoFit/>
+          </a:bodyPr>
+          <a:lstStyle/>
+          <a:p>
+            <a:r>
+              <a:rPr lang="en-US" b="1" dirty="0"/>
+              <a:t>Fig 1.15</a:t>
+            </a:r>
+          </a:p>
+        </p:txBody>
+      </p:sp>
+      <p:sp>
+        <p:nvSpPr>
+          <p:cNvPr id="17" name="Slide Number Placeholder 18">
+            <a:extLst>
+              <a:ext uri="{FF2B5EF4-FFF2-40B4-BE49-F238E27FC236}">
+                <a16:creationId xmlns:a16="http://schemas.microsoft.com/office/drawing/2014/main" id="{25705F50-924A-9083-8612-57E1C73D90C1}"/>
+              </a:ext>
+            </a:extLst>
+          </p:cNvPr>
+          <p:cNvSpPr txBox="1">
+            <a:spLocks/>
+          </p:cNvSpPr>
+          <p:nvPr/>
+        </p:nvSpPr>
+        <p:spPr>
+          <a:xfrm>
+            <a:off x="26748" y="6401483"/>
+            <a:ext cx="405421" cy="365125"/>
+          </a:xfrm>
+          <a:prstGeom prst="rect">
+            <a:avLst/>
+          </a:prstGeom>
+        </p:spPr>
+        <p:txBody>
+          <a:bodyPr vert="horz" lIns="91440" tIns="45720" rIns="91440" bIns="45720" rtlCol="0" anchor="ctr"/>
+          <a:lstStyle>
+            <a:defPPr>
+              <a:defRPr lang="en-US"/>
+            </a:defPPr>
+            <a:lvl1pPr marL="0" algn="r" defTabSz="914400" rtl="0" eaLnBrk="1" latinLnBrk="0" hangingPunct="1">
+              <a:defRPr sz="1200" kern="1200">
+                <a:solidFill>
+                  <a:schemeClr val="tx1">
+                    <a:tint val="82000"/>
+                  </a:schemeClr>
+                </a:solidFill>
+                <a:latin typeface="+mn-lt"/>
+                <a:ea typeface="+mn-ea"/>
+                <a:cs typeface="+mn-cs"/>
+              </a:defRPr>
+            </a:lvl1pPr>
+            <a:lvl2pPr marL="457200" algn="l" defTabSz="914400" rtl="0" eaLnBrk="1" latinLnBrk="0" hangingPunct="1">
+              <a:defRPr sz="1800" kern="1200">
+                <a:solidFill>
+                  <a:schemeClr val="tx1"/>
+                </a:solidFill>
+                <a:latin typeface="+mn-lt"/>
+                <a:ea typeface="+mn-ea"/>
+                <a:cs typeface="+mn-cs"/>
+              </a:defRPr>
+            </a:lvl2pPr>
+            <a:lvl3pPr marL="914400" algn="l" defTabSz="914400" rtl="0" eaLnBrk="1" latinLnBrk="0" hangingPunct="1">
+              <a:defRPr sz="1800" kern="1200">
+                <a:solidFill>
+                  <a:schemeClr val="tx1"/>
+                </a:solidFill>
+                <a:latin typeface="+mn-lt"/>
+                <a:ea typeface="+mn-ea"/>
+                <a:cs typeface="+mn-cs"/>
+              </a:defRPr>
+            </a:lvl3pPr>
+            <a:lvl4pPr marL="1371600" algn="l" defTabSz="914400" rtl="0" eaLnBrk="1" latinLnBrk="0" hangingPunct="1">
+              <a:defRPr sz="1800" kern="1200">
+                <a:solidFill>
+                  <a:schemeClr val="tx1"/>
+                </a:solidFill>
+                <a:latin typeface="+mn-lt"/>
+                <a:ea typeface="+mn-ea"/>
+                <a:cs typeface="+mn-cs"/>
+              </a:defRPr>
+            </a:lvl4pPr>
+            <a:lvl5pPr marL="1828800" algn="l" defTabSz="914400" rtl="0" eaLnBrk="1" latinLnBrk="0" hangingPunct="1">
+              <a:defRPr sz="1800" kern="1200">
+                <a:solidFill>
+                  <a:schemeClr val="tx1"/>
+                </a:solidFill>
+                <a:latin typeface="+mn-lt"/>
+                <a:ea typeface="+mn-ea"/>
+                <a:cs typeface="+mn-cs"/>
+              </a:defRPr>
+            </a:lvl5pPr>
+            <a:lvl6pPr marL="2286000" algn="l" defTabSz="914400" rtl="0" eaLnBrk="1" latinLnBrk="0" hangingPunct="1">
+              <a:defRPr sz="1800" kern="1200">
+                <a:solidFill>
+                  <a:schemeClr val="tx1"/>
+                </a:solidFill>
+                <a:latin typeface="+mn-lt"/>
+                <a:ea typeface="+mn-ea"/>
+                <a:cs typeface="+mn-cs"/>
+              </a:defRPr>
+            </a:lvl6pPr>
+            <a:lvl7pPr marL="2743200" algn="l" defTabSz="914400" rtl="0" eaLnBrk="1" latinLnBrk="0" hangingPunct="1">
+              <a:defRPr sz="1800" kern="1200">
+                <a:solidFill>
+                  <a:schemeClr val="tx1"/>
+                </a:solidFill>
+                <a:latin typeface="+mn-lt"/>
+                <a:ea typeface="+mn-ea"/>
+                <a:cs typeface="+mn-cs"/>
+              </a:defRPr>
+            </a:lvl7pPr>
+            <a:lvl8pPr marL="3200400" algn="l" defTabSz="914400" rtl="0" eaLnBrk="1" latinLnBrk="0" hangingPunct="1">
+              <a:defRPr sz="1800" kern="1200">
+                <a:solidFill>
+                  <a:schemeClr val="tx1"/>
+                </a:solidFill>
+                <a:latin typeface="+mn-lt"/>
+                <a:ea typeface="+mn-ea"/>
+                <a:cs typeface="+mn-cs"/>
+              </a:defRPr>
+            </a:lvl8pPr>
+            <a:lvl9pPr marL="3657600" algn="l" defTabSz="914400" rtl="0" eaLnBrk="1" latinLnBrk="0" hangingPunct="1">
+              <a:defRPr sz="1800" kern="1200">
+                <a:solidFill>
+                  <a:schemeClr val="tx1"/>
+                </a:solidFill>
+                <a:latin typeface="+mn-lt"/>
+                <a:ea typeface="+mn-ea"/>
+                <a:cs typeface="+mn-cs"/>
+              </a:defRPr>
+            </a:lvl9pPr>
+          </a:lstStyle>
+          <a:p>
+            <a:fld id="{8F1D01A0-D233-4FA1-8698-D063092A8F39}" type="slidenum">
+              <a:rPr lang="en-US" sz="3200" b="1" smtClean="0"/>
+              <a:pPr/>
+              <a:t>8</a:t>
+            </a:fld>
+            <a:endParaRPr lang="en-US" sz="3200" b="1" dirty="0"/>
+          </a:p>
+        </p:txBody>
+      </p:sp>
     </p:spTree>
     <p:extLst>
       <p:ext uri="{BB962C8B-B14F-4D97-AF65-F5344CB8AC3E}">
@@ -17005,8 +22331,8 @@
         </p:blipFill>
         <p:spPr bwMode="auto">
           <a:xfrm>
-            <a:off x="3636018" y="1197863"/>
-            <a:ext cx="4919963" cy="5214485"/>
+            <a:off x="3319272" y="855587"/>
+            <a:ext cx="5346437" cy="5666489"/>
           </a:xfrm>
           <a:prstGeom prst="rect">
             <a:avLst/>
@@ -17053,126 +22379,173 @@
           </a:prstGeom>
         </p:spPr>
       </p:pic>
-      <p:pic>
-        <p:nvPicPr>
-          <p:cNvPr id="20" name="Picture 19">
-            <a:extLst>
-              <a:ext uri="{FF2B5EF4-FFF2-40B4-BE49-F238E27FC236}">
-                <a16:creationId xmlns:a16="http://schemas.microsoft.com/office/drawing/2014/main" id="{6A7C2330-B4B2-7877-14E4-FCA2FB473C5F}"/>
-              </a:ext>
-            </a:extLst>
-          </p:cNvPr>
-          <p:cNvPicPr>
-            <a:picLocks noChangeAspect="1"/>
-          </p:cNvPicPr>
+      <p:sp>
+        <p:nvSpPr>
+          <p:cNvPr id="2" name="TextBox 1">
+            <a:extLst>
+              <a:ext uri="{FF2B5EF4-FFF2-40B4-BE49-F238E27FC236}">
+                <a16:creationId xmlns:a16="http://schemas.microsoft.com/office/drawing/2014/main" id="{02682BBC-44AD-2503-044D-6D56EB1F637B}"/>
+              </a:ext>
+            </a:extLst>
+          </p:cNvPr>
+          <p:cNvSpPr txBox="1"/>
           <p:nvPr/>
-        </p:nvPicPr>
-        <p:blipFill>
-          <a:blip r:embed="rId7"/>
-          <a:stretch>
-            <a:fillRect/>
-          </a:stretch>
-        </p:blipFill>
+        </p:nvSpPr>
+        <p:spPr>
+          <a:xfrm flipH="1">
+            <a:off x="5564023" y="6017646"/>
+            <a:ext cx="1098164" cy="369332"/>
+          </a:xfrm>
+          <a:prstGeom prst="rect">
+            <a:avLst/>
+          </a:prstGeom>
+          <a:noFill/>
+        </p:spPr>
+        <p:txBody>
+          <a:bodyPr wrap="square" rtlCol="0">
+            <a:spAutoFit/>
+          </a:bodyPr>
+          <a:lstStyle/>
+          <a:p>
+            <a:r>
+              <a:rPr lang="en-US" b="1" dirty="0"/>
+              <a:t>Fig 1.16</a:t>
+            </a:r>
+          </a:p>
+        </p:txBody>
+      </p:sp>
+      <p:sp>
+        <p:nvSpPr>
+          <p:cNvPr id="8" name="Slide Number Placeholder 18">
+            <a:extLst>
+              <a:ext uri="{FF2B5EF4-FFF2-40B4-BE49-F238E27FC236}">
+                <a16:creationId xmlns:a16="http://schemas.microsoft.com/office/drawing/2014/main" id="{8B7D4FF7-2F0C-A09B-9B97-E88BDF0F8EC9}"/>
+              </a:ext>
+            </a:extLst>
+          </p:cNvPr>
+          <p:cNvSpPr txBox="1">
+            <a:spLocks/>
+          </p:cNvSpPr>
+          <p:nvPr/>
+        </p:nvSpPr>
         <p:spPr>
           <a:xfrm>
-            <a:off x="424590" y="1197863"/>
-            <a:ext cx="2724530" cy="2572109"/>
+            <a:off x="26748" y="6401483"/>
+            <a:ext cx="405421" cy="365125"/>
           </a:xfrm>
           <a:prstGeom prst="rect">
             <a:avLst/>
           </a:prstGeom>
         </p:spPr>
-      </p:pic>
-      <p:pic>
-        <p:nvPicPr>
-          <p:cNvPr id="22" name="Picture 21">
-            <a:extLst>
-              <a:ext uri="{FF2B5EF4-FFF2-40B4-BE49-F238E27FC236}">
-                <a16:creationId xmlns:a16="http://schemas.microsoft.com/office/drawing/2014/main" id="{0D9D6FD4-5EFE-8712-AA8A-D4C7E39D9DB4}"/>
-              </a:ext>
-            </a:extLst>
-          </p:cNvPr>
-          <p:cNvPicPr>
-            <a:picLocks noChangeAspect="1"/>
-          </p:cNvPicPr>
-          <p:nvPr/>
-        </p:nvPicPr>
-        <p:blipFill>
-          <a:blip r:embed="rId8"/>
-          <a:stretch>
-            <a:fillRect/>
-          </a:stretch>
-        </p:blipFill>
-        <p:spPr>
-          <a:xfrm>
-            <a:off x="411007" y="4067203"/>
-            <a:ext cx="3063798" cy="2212744"/>
-          </a:xfrm>
-          <a:prstGeom prst="rect">
-            <a:avLst/>
-          </a:prstGeom>
-        </p:spPr>
-      </p:pic>
-      <p:pic>
-        <p:nvPicPr>
-          <p:cNvPr id="24" name="Picture 23">
-            <a:extLst>
-              <a:ext uri="{FF2B5EF4-FFF2-40B4-BE49-F238E27FC236}">
-                <a16:creationId xmlns:a16="http://schemas.microsoft.com/office/drawing/2014/main" id="{5648BD50-4413-F7D4-AB15-BF84351E45BB}"/>
-              </a:ext>
-            </a:extLst>
-          </p:cNvPr>
-          <p:cNvPicPr>
-            <a:picLocks noChangeAspect="1"/>
-          </p:cNvPicPr>
-          <p:nvPr/>
-        </p:nvPicPr>
-        <p:blipFill>
-          <a:blip r:embed="rId9"/>
-          <a:stretch>
-            <a:fillRect/>
-          </a:stretch>
-        </p:blipFill>
-        <p:spPr>
-          <a:xfrm>
-            <a:off x="8555981" y="1206654"/>
-            <a:ext cx="3038899" cy="2657846"/>
-          </a:xfrm>
-          <a:prstGeom prst="rect">
-            <a:avLst/>
-          </a:prstGeom>
-        </p:spPr>
-      </p:pic>
-      <p:pic>
-        <p:nvPicPr>
-          <p:cNvPr id="26" name="Picture 25">
-            <a:extLst>
-              <a:ext uri="{FF2B5EF4-FFF2-40B4-BE49-F238E27FC236}">
-                <a16:creationId xmlns:a16="http://schemas.microsoft.com/office/drawing/2014/main" id="{0056FCD8-0D12-7F4B-7A9E-C3A6AFC83D88}"/>
-              </a:ext>
-            </a:extLst>
-          </p:cNvPr>
-          <p:cNvPicPr>
-            <a:picLocks noChangeAspect="1"/>
-          </p:cNvPicPr>
-          <p:nvPr/>
-        </p:nvPicPr>
-        <p:blipFill>
-          <a:blip r:embed="rId10"/>
-          <a:stretch>
-            <a:fillRect/>
-          </a:stretch>
-        </p:blipFill>
-        <p:spPr>
-          <a:xfrm>
-            <a:off x="7295871" y="4897396"/>
-            <a:ext cx="4349547" cy="1680360"/>
-          </a:xfrm>
-          <a:prstGeom prst="rect">
-            <a:avLst/>
-          </a:prstGeom>
-        </p:spPr>
-      </p:pic>
+        <p:txBody>
+          <a:bodyPr vert="horz" lIns="91440" tIns="45720" rIns="91440" bIns="45720" rtlCol="0" anchor="ctr"/>
+          <a:lstStyle>
+            <a:defPPr>
+              <a:defRPr lang="en-US"/>
+            </a:defPPr>
+            <a:lvl1pPr marL="0" algn="r" defTabSz="914400" rtl="0" eaLnBrk="1" latinLnBrk="0" hangingPunct="1">
+              <a:defRPr sz="1200" kern="1200">
+                <a:solidFill>
+                  <a:schemeClr val="tx1">
+                    <a:tint val="82000"/>
+                  </a:schemeClr>
+                </a:solidFill>
+                <a:latin typeface="+mn-lt"/>
+                <a:ea typeface="+mn-ea"/>
+                <a:cs typeface="+mn-cs"/>
+              </a:defRPr>
+            </a:lvl1pPr>
+            <a:lvl2pPr marL="457200" algn="l" defTabSz="914400" rtl="0" eaLnBrk="1" latinLnBrk="0" hangingPunct="1">
+              <a:defRPr sz="1800" kern="1200">
+                <a:solidFill>
+                  <a:schemeClr val="tx1"/>
+                </a:solidFill>
+                <a:latin typeface="+mn-lt"/>
+                <a:ea typeface="+mn-ea"/>
+                <a:cs typeface="+mn-cs"/>
+              </a:defRPr>
+            </a:lvl2pPr>
+            <a:lvl3pPr marL="914400" algn="l" defTabSz="914400" rtl="0" eaLnBrk="1" latinLnBrk="0" hangingPunct="1">
+              <a:defRPr sz="1800" kern="1200">
+                <a:solidFill>
+                  <a:schemeClr val="tx1"/>
+                </a:solidFill>
+                <a:latin typeface="+mn-lt"/>
+                <a:ea typeface="+mn-ea"/>
+                <a:cs typeface="+mn-cs"/>
+              </a:defRPr>
+            </a:lvl3pPr>
+            <a:lvl4pPr marL="1371600" algn="l" defTabSz="914400" rtl="0" eaLnBrk="1" latinLnBrk="0" hangingPunct="1">
+              <a:defRPr sz="1800" kern="1200">
+                <a:solidFill>
+                  <a:schemeClr val="tx1"/>
+                </a:solidFill>
+                <a:latin typeface="+mn-lt"/>
+                <a:ea typeface="+mn-ea"/>
+                <a:cs typeface="+mn-cs"/>
+              </a:defRPr>
+            </a:lvl4pPr>
+            <a:lvl5pPr marL="1828800" algn="l" defTabSz="914400" rtl="0" eaLnBrk="1" latinLnBrk="0" hangingPunct="1">
+              <a:defRPr sz="1800" kern="1200">
+                <a:solidFill>
+                  <a:schemeClr val="tx1"/>
+                </a:solidFill>
+                <a:latin typeface="+mn-lt"/>
+                <a:ea typeface="+mn-ea"/>
+                <a:cs typeface="+mn-cs"/>
+              </a:defRPr>
+            </a:lvl5pPr>
+            <a:lvl6pPr marL="2286000" algn="l" defTabSz="914400" rtl="0" eaLnBrk="1" latinLnBrk="0" hangingPunct="1">
+              <a:defRPr sz="1800" kern="1200">
+                <a:solidFill>
+                  <a:schemeClr val="tx1"/>
+                </a:solidFill>
+                <a:latin typeface="+mn-lt"/>
+                <a:ea typeface="+mn-ea"/>
+                <a:cs typeface="+mn-cs"/>
+              </a:defRPr>
+            </a:lvl6pPr>
+            <a:lvl7pPr marL="2743200" algn="l" defTabSz="914400" rtl="0" eaLnBrk="1" latinLnBrk="0" hangingPunct="1">
+              <a:defRPr sz="1800" kern="1200">
+                <a:solidFill>
+                  <a:schemeClr val="tx1"/>
+                </a:solidFill>
+                <a:latin typeface="+mn-lt"/>
+                <a:ea typeface="+mn-ea"/>
+                <a:cs typeface="+mn-cs"/>
+              </a:defRPr>
+            </a:lvl7pPr>
+            <a:lvl8pPr marL="3200400" algn="l" defTabSz="914400" rtl="0" eaLnBrk="1" latinLnBrk="0" hangingPunct="1">
+              <a:defRPr sz="1800" kern="1200">
+                <a:solidFill>
+                  <a:schemeClr val="tx1"/>
+                </a:solidFill>
+                <a:latin typeface="+mn-lt"/>
+                <a:ea typeface="+mn-ea"/>
+                <a:cs typeface="+mn-cs"/>
+              </a:defRPr>
+            </a:lvl8pPr>
+            <a:lvl9pPr marL="3657600" algn="l" defTabSz="914400" rtl="0" eaLnBrk="1" latinLnBrk="0" hangingPunct="1">
+              <a:defRPr sz="1800" kern="1200">
+                <a:solidFill>
+                  <a:schemeClr val="tx1"/>
+                </a:solidFill>
+                <a:latin typeface="+mn-lt"/>
+                <a:ea typeface="+mn-ea"/>
+                <a:cs typeface="+mn-cs"/>
+              </a:defRPr>
+            </a:lvl9pPr>
+          </a:lstStyle>
+          <a:p>
+            <a:fld id="{8F1D01A0-D233-4FA1-8698-D063092A8F39}" type="slidenum">
+              <a:rPr lang="en-US" sz="3200" b="1" smtClean="0"/>
+              <a:pPr/>
+              <a:t>9</a:t>
+            </a:fld>
+            <a:endParaRPr lang="en-US" sz="3200" b="1" dirty="0"/>
+          </a:p>
+        </p:txBody>
+      </p:sp>
     </p:spTree>
     <p:extLst>
       <p:ext uri="{BB962C8B-B14F-4D97-AF65-F5344CB8AC3E}">
